--- a/updates-and-knowledge-sharing/Performance Metrics for Seq2Seq model.pptx
+++ b/updates-and-knowledge-sharing/Performance Metrics for Seq2Seq model.pptx
@@ -5,7 +5,7 @@
     <p:sldMasterId id="2147483648" r:id="rId1"/>
   </p:sldMasterIdLst>
   <p:notesMasterIdLst>
-    <p:notesMasterId r:id="rId8"/>
+    <p:notesMasterId r:id="rId10"/>
   </p:notesMasterIdLst>
   <p:sldIdLst>
     <p:sldId id="256" r:id="rId2"/>
@@ -14,6 +14,8 @@
     <p:sldId id="265" r:id="rId5"/>
     <p:sldId id="260" r:id="rId6"/>
     <p:sldId id="266" r:id="rId7"/>
+    <p:sldId id="267" r:id="rId8"/>
+    <p:sldId id="268" r:id="rId9"/>
   </p:sldIdLst>
   <p:sldSz cx="12192000" cy="6858000"/>
   <p:notesSz cx="6858000" cy="9144000"/>
@@ -112,6 +114,11 @@
       </a:defRPr>
     </a:lvl9pPr>
   </p:defaultTextStyle>
+  <p:extLst>
+    <p:ext uri="{EFAFB233-063F-42B5-8137-9DF3F51BA10A}">
+      <p15:sldGuideLst xmlns:p15="http://schemas.microsoft.com/office/powerpoint/2012/main"/>
+    </p:ext>
+  </p:extLst>
 </p:presentation>
 </file>
 
@@ -197,7 +204,7 @@
           <a:p>
             <a:fld id="{B7A83E86-98D3-4103-87BC-52B162990F09}" type="datetimeFigureOut">
               <a:rPr lang="en-US" smtClean="0"/>
-              <a:t>3/22/2022</a:t>
+              <a:t>4/11/2022</a:t>
             </a:fld>
             <a:endParaRPr lang="en-US"/>
           </a:p>
@@ -611,7 +618,7 @@
           <a:p>
             <a:fld id="{B5A90C4D-CF74-4687-AD04-5AE501AE6CB8}" type="datetime1">
               <a:rPr lang="en-US" smtClean="0"/>
-              <a:t>3/22/2022</a:t>
+              <a:t>4/11/2022</a:t>
             </a:fld>
             <a:endParaRPr lang="en-US"/>
           </a:p>
@@ -812,7 +819,7 @@
           <a:p>
             <a:fld id="{AC1A0117-B9D9-486A-A5B0-97C2436F48C4}" type="datetime1">
               <a:rPr lang="en-US" smtClean="0"/>
-              <a:t>3/22/2022</a:t>
+              <a:t>4/11/2022</a:t>
             </a:fld>
             <a:endParaRPr lang="en-US"/>
           </a:p>
@@ -1023,7 +1030,7 @@
           <a:p>
             <a:fld id="{509C0A4F-BCF5-46A0-83C9-9B1B5065C4AD}" type="datetime1">
               <a:rPr lang="en-US" smtClean="0"/>
-              <a:t>3/22/2022</a:t>
+              <a:t>4/11/2022</a:t>
             </a:fld>
             <a:endParaRPr lang="en-US"/>
           </a:p>
@@ -1224,7 +1231,7 @@
           <a:p>
             <a:fld id="{DF0CD778-E55E-4DB2-B0A3-A07B35390CE5}" type="datetime1">
               <a:rPr lang="en-US" smtClean="0"/>
-              <a:t>3/22/2022</a:t>
+              <a:t>4/11/2022</a:t>
             </a:fld>
             <a:endParaRPr lang="en-US"/>
           </a:p>
@@ -1502,7 +1509,7 @@
           <a:p>
             <a:fld id="{2B7DD7C6-3A25-4FFE-938A-D4FB7200C9DD}" type="datetime1">
               <a:rPr lang="en-US" smtClean="0"/>
-              <a:t>3/22/2022</a:t>
+              <a:t>4/11/2022</a:t>
             </a:fld>
             <a:endParaRPr lang="en-US"/>
           </a:p>
@@ -1770,7 +1777,7 @@
           <a:p>
             <a:fld id="{02D41F43-EEA3-45F9-8855-0EF262513405}" type="datetime1">
               <a:rPr lang="en-US" smtClean="0"/>
-              <a:t>3/22/2022</a:t>
+              <a:t>4/11/2022</a:t>
             </a:fld>
             <a:endParaRPr lang="en-US"/>
           </a:p>
@@ -2185,7 +2192,7 @@
           <a:p>
             <a:fld id="{CA340D99-081C-4D10-9DC3-352179171829}" type="datetime1">
               <a:rPr lang="en-US" smtClean="0"/>
-              <a:t>3/22/2022</a:t>
+              <a:t>4/11/2022</a:t>
             </a:fld>
             <a:endParaRPr lang="en-US"/>
           </a:p>
@@ -2329,7 +2336,7 @@
           <a:p>
             <a:fld id="{71E138F6-62BA-4CBB-904B-5222148AED49}" type="datetime1">
               <a:rPr lang="en-US" smtClean="0"/>
-              <a:t>3/22/2022</a:t>
+              <a:t>4/11/2022</a:t>
             </a:fld>
             <a:endParaRPr lang="en-US"/>
           </a:p>
@@ -2445,7 +2452,7 @@
           <a:p>
             <a:fld id="{EB19D34D-8643-4DD3-84A8-50868C0B78DE}" type="datetime1">
               <a:rPr lang="en-US" smtClean="0"/>
-              <a:t>3/22/2022</a:t>
+              <a:t>4/11/2022</a:t>
             </a:fld>
             <a:endParaRPr lang="en-US"/>
           </a:p>
@@ -2759,7 +2766,7 @@
           <a:p>
             <a:fld id="{C1C90AD8-1404-48A3-B6F1-2A9BB72CF2A6}" type="datetime1">
               <a:rPr lang="en-US" smtClean="0"/>
-              <a:t>3/22/2022</a:t>
+              <a:t>4/11/2022</a:t>
             </a:fld>
             <a:endParaRPr lang="en-US"/>
           </a:p>
@@ -3050,7 +3057,7 @@
           <a:p>
             <a:fld id="{16E5215D-6D45-406C-B203-3179999A5D76}" type="datetime1">
               <a:rPr lang="en-US" smtClean="0"/>
-              <a:t>3/22/2022</a:t>
+              <a:t>4/11/2022</a:t>
             </a:fld>
             <a:endParaRPr lang="en-US"/>
           </a:p>
@@ -3294,7 +3301,7 @@
           <a:p>
             <a:fld id="{085FB81C-97DA-4D83-B2BD-E2953548DE33}" type="datetime1">
               <a:rPr lang="en-US" smtClean="0"/>
-              <a:t>3/22/2022</a:t>
+              <a:t>4/11/2022</a:t>
             </a:fld>
             <a:endParaRPr lang="en-US"/>
           </a:p>
@@ -3738,7 +3745,7 @@
           <a:p>
             <a:r>
               <a:rPr lang="en-US" dirty="0"/>
-              <a:t>Performance Metrics for Seq2Seq model</a:t>
+              <a:t>Performance Metrics for Machine Translation model</a:t>
             </a:r>
           </a:p>
         </p:txBody>
@@ -3870,8 +3877,8 @@
           <a:chExt cx="0" cy="0"/>
         </a:xfrm>
       </p:grpSpPr>
-      <mc:AlternateContent xmlns:mc="http://schemas.openxmlformats.org/markup-compatibility/2006">
-        <mc:Choice xmlns:a14="http://schemas.microsoft.com/office/drawing/2010/main" Requires="a14">
+      <mc:AlternateContent xmlns:mc="http://schemas.openxmlformats.org/markup-compatibility/2006" xmlns:a14="http://schemas.microsoft.com/office/drawing/2010/main">
+        <mc:Choice Requires="a14">
           <p:sp>
             <p:nvSpPr>
               <p:cNvPr id="3" name="Content Placeholder 2">
@@ -4083,7 +4090,10 @@
               </a:p>
               <a:p>
                 <a:pPr lvl="1"/>
-                <a:endParaRPr lang="en-US" sz="1600" dirty="0"/>
+                <a:r>
+                  <a:rPr lang="en-US" sz="1600" dirty="0"/>
+                  <a:t>Give equal weight to each word</a:t>
+                </a:r>
               </a:p>
               <a:p>
                 <a:pPr marL="342900" indent="-342900">
@@ -4092,7 +4102,7 @@
                 </a:pPr>
                 <a:r>
                   <a:rPr lang="en-US" sz="1600" dirty="0"/>
-                  <a:t>Reference: “Thank you for your time”, Summary: “Thank you so much for your time”</a:t>
+                  <a:t>Example: “Thank you for your time”, Summary: “Thank you so much for your time”</a:t>
                 </a:r>
               </a:p>
               <a:p>
@@ -4371,7 +4381,7 @@
             </p:txBody>
           </p:sp>
         </mc:Choice>
-        <mc:Fallback>
+        <mc:Fallback xmlns="">
           <p:sp>
             <p:nvSpPr>
               <p:cNvPr id="3" name="Content Placeholder 2">
@@ -4472,7 +4482,7 @@
           <a:lstStyle/>
           <a:p>
             <a:r>
-              <a:rPr lang="en-US"/>
+              <a:rPr lang="en-US" dirty="0"/>
               <a:t>NLP COE</a:t>
             </a:r>
           </a:p>
@@ -4572,8 +4582,8 @@
           </a:p>
         </p:txBody>
       </p:sp>
-      <mc:AlternateContent xmlns:mc="http://schemas.openxmlformats.org/markup-compatibility/2006">
-        <mc:Choice xmlns:a14="http://schemas.microsoft.com/office/drawing/2010/main" Requires="a14">
+      <mc:AlternateContent xmlns:mc="http://schemas.openxmlformats.org/markup-compatibility/2006" xmlns:a14="http://schemas.microsoft.com/office/drawing/2010/main">
+        <mc:Choice Requires="a14">
           <p:sp>
             <p:nvSpPr>
               <p:cNvPr id="3" name="Content Placeholder 2">
@@ -4902,7 +4912,7 @@
                         <m:nor/>
                       </m:rPr>
                       <a:rPr lang="en-US" sz="1600" dirty="0" smtClean="0"/>
-                      <m:t>1-</m:t>
+                      <m:t>1−</m:t>
                     </m:r>
                     <m:r>
                       <m:rPr>
@@ -5239,7 +5249,7 @@
             </p:txBody>
           </p:sp>
         </mc:Choice>
-        <mc:Fallback>
+        <mc:Fallback xmlns="">
           <p:sp>
             <p:nvSpPr>
               <p:cNvPr id="3" name="Content Placeholder 2">
@@ -5370,8 +5380,8 @@
           <a:chExt cx="0" cy="0"/>
         </a:xfrm>
       </p:grpSpPr>
-      <mc:AlternateContent xmlns:mc="http://schemas.openxmlformats.org/markup-compatibility/2006">
-        <mc:Choice xmlns:a14="http://schemas.microsoft.com/office/drawing/2010/main" Requires="a14">
+      <mc:AlternateContent xmlns:mc="http://schemas.openxmlformats.org/markup-compatibility/2006" xmlns:a14="http://schemas.microsoft.com/office/drawing/2010/main">
+        <mc:Choice Requires="a14">
           <p:sp>
             <p:nvSpPr>
               <p:cNvPr id="3" name="Content Placeholder 2">
@@ -5887,13 +5897,7 @@
                           <a:rPr lang="en-US" sz="1600" b="0" i="1" smtClean="0">
                             <a:latin typeface="Cambria Math" panose="02040503050406030204" pitchFamily="18" charset="0"/>
                           </a:rPr>
-                          <m:t>2</m:t>
-                        </m:r>
-                        <m:r>
-                          <a:rPr lang="en-US" sz="1600" b="0" i="1" smtClean="0">
-                            <a:latin typeface="Cambria Math" panose="02040503050406030204" pitchFamily="18" charset="0"/>
-                          </a:rPr>
-                          <m:t>∗0.71∗1</m:t>
+                          <m:t>2∗0.71∗1</m:t>
                         </m:r>
                       </m:num>
                       <m:den>
@@ -5901,13 +5905,7 @@
                           <a:rPr lang="en-US" sz="1600" b="0" i="1" smtClean="0">
                             <a:latin typeface="Cambria Math" panose="02040503050406030204" pitchFamily="18" charset="0"/>
                           </a:rPr>
-                          <m:t>0</m:t>
-                        </m:r>
-                        <m:r>
-                          <a:rPr lang="en-US" sz="1600" b="0" i="1" smtClean="0">
-                            <a:latin typeface="Cambria Math" panose="02040503050406030204" pitchFamily="18" charset="0"/>
-                          </a:rPr>
-                          <m:t>.71+1</m:t>
+                          <m:t>0.71+1</m:t>
                         </m:r>
                       </m:den>
                     </m:f>
@@ -5915,13 +5913,7 @@
                       <a:rPr lang="en-US" sz="1600" b="0" i="1" smtClean="0">
                         <a:latin typeface="Cambria Math" panose="02040503050406030204" pitchFamily="18" charset="0"/>
                       </a:rPr>
-                      <m:t>=0.</m:t>
-                    </m:r>
-                    <m:r>
-                      <a:rPr lang="en-US" sz="1600" b="0" i="1" smtClean="0">
-                        <a:latin typeface="Cambria Math" panose="02040503050406030204" pitchFamily="18" charset="0"/>
-                      </a:rPr>
-                      <m:t>833</m:t>
+                      <m:t>=0.833</m:t>
                     </m:r>
                   </m:oMath>
                 </a14:m>
@@ -6110,13 +6102,7 @@
                       <a:rPr lang="en-US" sz="1600" b="0" i="1" smtClean="0">
                         <a:latin typeface="Cambria Math" panose="02040503050406030204" pitchFamily="18" charset="0"/>
                       </a:rPr>
-                      <m:t>=0.</m:t>
-                    </m:r>
-                    <m:r>
-                      <a:rPr lang="en-US" sz="1600" b="0" i="1" smtClean="0">
-                        <a:latin typeface="Cambria Math" panose="02040503050406030204" pitchFamily="18" charset="0"/>
-                      </a:rPr>
-                      <m:t>75</m:t>
+                      <m:t>=0.75</m:t>
                     </m:r>
                   </m:oMath>
                 </a14:m>
@@ -6307,13 +6293,7 @@
                       <a:rPr lang="en-US" sz="1600" b="0" i="1" smtClean="0">
                         <a:latin typeface="Cambria Math" panose="02040503050406030204" pitchFamily="18" charset="0"/>
                       </a:rPr>
-                      <m:t>=0.</m:t>
-                    </m:r>
-                    <m:r>
-                      <a:rPr lang="en-US" sz="1600" b="0" i="1" smtClean="0">
-                        <a:latin typeface="Cambria Math" panose="02040503050406030204" pitchFamily="18" charset="0"/>
-                      </a:rPr>
-                      <m:t>6</m:t>
+                      <m:t>=0.6</m:t>
                     </m:r>
                   </m:oMath>
                 </a14:m>
@@ -6343,25 +6323,7 @@
                           <a:rPr lang="en-US" sz="1600" b="0" i="1" smtClean="0">
                             <a:latin typeface="Cambria Math" panose="02040503050406030204" pitchFamily="18" charset="0"/>
                           </a:rPr>
-                          <m:t>2∗0.</m:t>
-                        </m:r>
-                        <m:r>
-                          <a:rPr lang="en-US" sz="1600" b="0" i="1" smtClean="0">
-                            <a:latin typeface="Cambria Math" panose="02040503050406030204" pitchFamily="18" charset="0"/>
-                          </a:rPr>
-                          <m:t>6</m:t>
-                        </m:r>
-                        <m:r>
-                          <a:rPr lang="en-US" sz="1600" b="0" i="1" smtClean="0">
-                            <a:latin typeface="Cambria Math" panose="02040503050406030204" pitchFamily="18" charset="0"/>
-                          </a:rPr>
-                          <m:t>∗</m:t>
-                        </m:r>
-                        <m:r>
-                          <a:rPr lang="en-US" sz="1600" b="0" i="1" smtClean="0">
-                            <a:latin typeface="Cambria Math" panose="02040503050406030204" pitchFamily="18" charset="0"/>
-                          </a:rPr>
-                          <m:t>0.75</m:t>
+                          <m:t>2∗0.6∗0.75</m:t>
                         </m:r>
                       </m:num>
                       <m:den>
@@ -6369,13 +6331,7 @@
                           <a:rPr lang="en-US" sz="1600" b="0" i="1" smtClean="0">
                             <a:latin typeface="Cambria Math" panose="02040503050406030204" pitchFamily="18" charset="0"/>
                           </a:rPr>
-                          <m:t>0.</m:t>
-                        </m:r>
-                        <m:r>
-                          <a:rPr lang="en-US" sz="1600" b="0" i="1" smtClean="0">
-                            <a:latin typeface="Cambria Math" panose="02040503050406030204" pitchFamily="18" charset="0"/>
-                          </a:rPr>
-                          <m:t>6+0.75</m:t>
+                          <m:t>0.6+0.75</m:t>
                         </m:r>
                       </m:den>
                     </m:f>
@@ -6383,13 +6339,7 @@
                       <a:rPr lang="en-US" sz="1600" b="0" i="1" smtClean="0">
                         <a:latin typeface="Cambria Math" panose="02040503050406030204" pitchFamily="18" charset="0"/>
                       </a:rPr>
-                      <m:t>=0.</m:t>
-                    </m:r>
-                    <m:r>
-                      <a:rPr lang="en-US" sz="1600" b="0" i="1" smtClean="0">
-                        <a:latin typeface="Cambria Math" panose="02040503050406030204" pitchFamily="18" charset="0"/>
-                      </a:rPr>
-                      <m:t>667</m:t>
+                      <m:t>=0.667</m:t>
                     </m:r>
                   </m:oMath>
                 </a14:m>
@@ -6465,7 +6415,7 @@
             </p:txBody>
           </p:sp>
         </mc:Choice>
-        <mc:Fallback>
+        <mc:Fallback xmlns="">
           <p:sp>
             <p:nvSpPr>
               <p:cNvPr id="3" name="Content Placeholder 2">
@@ -6631,8 +6581,8 @@
           <a:chExt cx="0" cy="0"/>
         </a:xfrm>
       </p:grpSpPr>
-      <mc:AlternateContent xmlns:mc="http://schemas.openxmlformats.org/markup-compatibility/2006">
-        <mc:Choice xmlns:a14="http://schemas.microsoft.com/office/drawing/2010/main" Requires="a14">
+      <mc:AlternateContent xmlns:mc="http://schemas.openxmlformats.org/markup-compatibility/2006" xmlns:a14="http://schemas.microsoft.com/office/drawing/2010/main">
+        <mc:Choice Requires="a14">
           <p:sp>
             <p:nvSpPr>
               <p:cNvPr id="3" name="Content Placeholder 2">
@@ -6980,13 +6930,7 @@
                           <a:rPr lang="en-US" sz="1600" b="0" i="1" smtClean="0">
                             <a:latin typeface="Cambria Math" panose="02040503050406030204" pitchFamily="18" charset="0"/>
                           </a:rPr>
-                          <m:t>10</m:t>
-                        </m:r>
-                        <m:r>
-                          <a:rPr lang="en-US" sz="1600" b="0" i="1" smtClean="0">
-                            <a:latin typeface="Cambria Math" panose="02040503050406030204" pitchFamily="18" charset="0"/>
-                          </a:rPr>
-                          <m:t> ∗</m:t>
+                          <m:t>10 ∗</m:t>
                         </m:r>
                         <m:r>
                           <a:rPr lang="en-US" sz="1600" b="0" i="1" smtClean="0">
@@ -7024,13 +6968,7 @@
                           <a:rPr lang="en-US" sz="1600" b="0" i="1" smtClean="0">
                             <a:latin typeface="Cambria Math" panose="02040503050406030204" pitchFamily="18" charset="0"/>
                           </a:rPr>
-                          <m:t>)</m:t>
-                        </m:r>
-                        <m:r>
-                          <a:rPr lang="en-US" sz="1600" b="0" i="1" smtClean="0">
-                            <a:latin typeface="Cambria Math" panose="02040503050406030204" pitchFamily="18" charset="0"/>
-                          </a:rPr>
-                          <m:t> + </m:t>
+                          <m:t>) + </m:t>
                         </m:r>
                         <m:r>
                           <a:rPr lang="en-US" sz="1600" b="0" i="1" smtClean="0">
@@ -7334,7 +7272,7 @@
             </p:txBody>
           </p:sp>
         </mc:Choice>
-        <mc:Fallback>
+        <mc:Fallback xmlns="">
           <p:sp>
             <p:nvSpPr>
               <p:cNvPr id="3" name="Content Placeholder 2">
@@ -8056,7 +7994,7 @@
                 </a:pPr>
                 <a:r>
                   <a:rPr lang="en-US" sz="1500" dirty="0"/>
-                  <a:t>Unigrams mapped= 5</a:t>
+                  <a:t>Unigrams mapped= 6</a:t>
                 </a:r>
               </a:p>
               <a:p>
@@ -8136,7 +8074,13 @@
                       <a:rPr lang="en-US" sz="1500" b="0" i="1" smtClean="0">
                         <a:latin typeface="Cambria Math" panose="02040503050406030204" pitchFamily="18" charset="0"/>
                       </a:rPr>
-                      <m:t>=0.032</m:t>
+                      <m:t>=</m:t>
+                    </m:r>
+                    <m:r>
+                      <a:rPr lang="en-US" sz="1500" i="1">
+                        <a:latin typeface="Cambria Math" panose="02040503050406030204" pitchFamily="18" charset="0"/>
+                      </a:rPr>
+                      <m:t>0.0185</m:t>
                     </m:r>
                   </m:oMath>
                 </a14:m>
@@ -8149,13 +8093,22 @@
                 </a:pPr>
                 <a:r>
                   <a:rPr lang="en-US" sz="1500" dirty="0"/>
-                  <a:t>METEOR score = 0.963 * ( 1  - 0.032) = 0.93709</a:t>
+                  <a:t>METEOR score = 0.963 * ( 1  - </a:t>
                 </a:r>
-              </a:p>
-              <a:p>
-                <a:pPr marL="0" indent="0">
-                  <a:buNone/>
-                </a:pPr>
+                <a14:m>
+                  <m:oMath xmlns:m="http://schemas.openxmlformats.org/officeDocument/2006/math">
+                    <m:r>
+                      <a:rPr lang="en-US" sz="1500" i="1" smtClean="0">
+                        <a:latin typeface="Cambria Math" panose="02040503050406030204" pitchFamily="18" charset="0"/>
+                      </a:rPr>
+                      <m:t>0.0185</m:t>
+                    </m:r>
+                  </m:oMath>
+                </a14:m>
+                <a:r>
+                  <a:rPr lang="en-US" sz="1500" dirty="0"/>
+                  <a:t>) = 0.9451</a:t>
+                </a:r>
                 <a:endParaRPr lang="en-US" dirty="0"/>
               </a:p>
             </p:txBody>
@@ -8205,8 +8158,8 @@
           </p:sp>
         </mc:Fallback>
       </mc:AlternateContent>
-      <mc:AlternateContent xmlns:mc="http://schemas.openxmlformats.org/markup-compatibility/2006">
-        <mc:Choice xmlns:a14="http://schemas.microsoft.com/office/drawing/2010/main" Requires="a14">
+      <mc:AlternateContent xmlns:mc="http://schemas.openxmlformats.org/markup-compatibility/2006" xmlns:a14="http://schemas.microsoft.com/office/drawing/2010/main">
+        <mc:Choice Requires="a14">
           <p:sp>
             <p:nvSpPr>
               <p:cNvPr id="4" name="Content Placeholder 3">
@@ -8803,7 +8756,7 @@
             </p:txBody>
           </p:sp>
         </mc:Choice>
-        <mc:Fallback>
+        <mc:Fallback xmlns="">
           <p:sp>
             <p:nvSpPr>
               <p:cNvPr id="4" name="Content Placeholder 3">
@@ -9014,6 +8967,392 @@
     <p:extLst>
       <p:ext uri="{BB962C8B-B14F-4D97-AF65-F5344CB8AC3E}">
         <p14:creationId xmlns:p14="http://schemas.microsoft.com/office/powerpoint/2010/main" val="3130958206"/>
+      </p:ext>
+    </p:extLst>
+  </p:cSld>
+  <p:clrMapOvr>
+    <a:masterClrMapping/>
+  </p:clrMapOvr>
+</p:sld>
+</file>
+
+<file path=ppt/slides/slide7.xml><?xml version="1.0" encoding="utf-8"?>
+<p:sld xmlns:a="http://schemas.openxmlformats.org/drawingml/2006/main" xmlns:r="http://schemas.openxmlformats.org/officeDocument/2006/relationships" xmlns:p="http://schemas.openxmlformats.org/presentationml/2006/main">
+  <p:cSld>
+    <p:spTree>
+      <p:nvGrpSpPr>
+        <p:cNvPr id="1" name=""/>
+        <p:cNvGrpSpPr/>
+        <p:nvPr/>
+      </p:nvGrpSpPr>
+      <p:grpSpPr>
+        <a:xfrm>
+          <a:off x="0" y="0"/>
+          <a:ext cx="0" cy="0"/>
+          <a:chOff x="0" y="0"/>
+          <a:chExt cx="0" cy="0"/>
+        </a:xfrm>
+      </p:grpSpPr>
+      <p:sp>
+        <p:nvSpPr>
+          <p:cNvPr id="3" name="Content Placeholder 2">
+            <a:extLst>
+              <a:ext uri="{FF2B5EF4-FFF2-40B4-BE49-F238E27FC236}">
+                <a16:creationId xmlns:a16="http://schemas.microsoft.com/office/drawing/2014/main" id="{F36858AC-28FA-4846-A89D-6BD2957586D9}"/>
+              </a:ext>
+            </a:extLst>
+          </p:cNvPr>
+          <p:cNvSpPr>
+            <a:spLocks noGrp="1"/>
+          </p:cNvSpPr>
+          <p:nvPr>
+            <p:ph idx="1"/>
+          </p:nvPr>
+        </p:nvSpPr>
+        <p:spPr>
+          <a:xfrm>
+            <a:off x="838200" y="1253331"/>
+            <a:ext cx="10515600" cy="4351338"/>
+          </a:xfrm>
+        </p:spPr>
+        <p:txBody>
+          <a:bodyPr>
+            <a:normAutofit/>
+          </a:bodyPr>
+          <a:lstStyle/>
+          <a:p>
+            <a:pPr marL="0" indent="0">
+              <a:buNone/>
+            </a:pPr>
+            <a:endParaRPr lang="en-US" sz="1600" dirty="0"/>
+          </a:p>
+          <a:p>
+            <a:pPr marL="0" indent="0">
+              <a:buNone/>
+            </a:pPr>
+            <a:r>
+              <a:rPr lang="en-US" sz="1600" dirty="0"/>
+              <a:t>https://en.wikipedia.org/wiki/NIST_(metric)</a:t>
+            </a:r>
+          </a:p>
+          <a:p>
+            <a:pPr lvl="1"/>
+            <a:endParaRPr lang="en-US" sz="1600" dirty="0"/>
+          </a:p>
+        </p:txBody>
+      </p:sp>
+      <p:sp>
+        <p:nvSpPr>
+          <p:cNvPr id="6" name="Title 1">
+            <a:extLst>
+              <a:ext uri="{FF2B5EF4-FFF2-40B4-BE49-F238E27FC236}">
+                <a16:creationId xmlns:a16="http://schemas.microsoft.com/office/drawing/2014/main" id="{45160E43-D6E0-43F6-A9D3-37C4263B6C86}"/>
+              </a:ext>
+            </a:extLst>
+          </p:cNvPr>
+          <p:cNvSpPr>
+            <a:spLocks noGrp="1"/>
+          </p:cNvSpPr>
+          <p:nvPr>
+            <p:ph type="title"/>
+          </p:nvPr>
+        </p:nvSpPr>
+        <p:spPr>
+          <a:xfrm>
+            <a:off x="838200" y="365126"/>
+            <a:ext cx="10515600" cy="771912"/>
+          </a:xfrm>
+        </p:spPr>
+        <p:txBody>
+          <a:bodyPr>
+            <a:normAutofit/>
+          </a:bodyPr>
+          <a:lstStyle/>
+          <a:p>
+            <a:r>
+              <a:rPr lang="en-US" sz="2400" b="1" dirty="0"/>
+              <a:t>NIST Metric</a:t>
+            </a:r>
+          </a:p>
+        </p:txBody>
+      </p:sp>
+      <p:sp>
+        <p:nvSpPr>
+          <p:cNvPr id="7" name="Footer Placeholder 6">
+            <a:extLst>
+              <a:ext uri="{FF2B5EF4-FFF2-40B4-BE49-F238E27FC236}">
+                <a16:creationId xmlns:a16="http://schemas.microsoft.com/office/drawing/2014/main" id="{4D08325B-C998-4B06-BBBF-5AA92E9498B3}"/>
+              </a:ext>
+            </a:extLst>
+          </p:cNvPr>
+          <p:cNvSpPr>
+            <a:spLocks noGrp="1"/>
+          </p:cNvSpPr>
+          <p:nvPr>
+            <p:ph type="ftr" sz="quarter" idx="11"/>
+          </p:nvPr>
+        </p:nvSpPr>
+        <p:spPr/>
+        <p:txBody>
+          <a:bodyPr/>
+          <a:lstStyle/>
+          <a:p>
+            <a:r>
+              <a:rPr lang="en-US"/>
+              <a:t>NLP COE</a:t>
+            </a:r>
+          </a:p>
+        </p:txBody>
+      </p:sp>
+      <p:sp>
+        <p:nvSpPr>
+          <p:cNvPr id="8" name="Slide Number Placeholder 7">
+            <a:extLst>
+              <a:ext uri="{FF2B5EF4-FFF2-40B4-BE49-F238E27FC236}">
+                <a16:creationId xmlns:a16="http://schemas.microsoft.com/office/drawing/2014/main" id="{5AC68E0A-89FD-42C9-8C6D-B5A1CBA735E0}"/>
+              </a:ext>
+            </a:extLst>
+          </p:cNvPr>
+          <p:cNvSpPr>
+            <a:spLocks noGrp="1"/>
+          </p:cNvSpPr>
+          <p:nvPr>
+            <p:ph type="sldNum" sz="quarter" idx="12"/>
+          </p:nvPr>
+        </p:nvSpPr>
+        <p:spPr/>
+        <p:txBody>
+          <a:bodyPr/>
+          <a:lstStyle/>
+          <a:p>
+            <a:fld id="{28C167EA-80E2-4EC1-B2DF-B4278EFC6F4B}" type="slidenum">
+              <a:rPr lang="en-US" smtClean="0"/>
+              <a:t>7</a:t>
+            </a:fld>
+            <a:endParaRPr lang="en-US"/>
+          </a:p>
+        </p:txBody>
+      </p:sp>
+    </p:spTree>
+    <p:extLst>
+      <p:ext uri="{BB962C8B-B14F-4D97-AF65-F5344CB8AC3E}">
+        <p14:creationId xmlns:p14="http://schemas.microsoft.com/office/powerpoint/2010/main" val="1971966141"/>
+      </p:ext>
+    </p:extLst>
+  </p:cSld>
+  <p:clrMapOvr>
+    <a:masterClrMapping/>
+  </p:clrMapOvr>
+</p:sld>
+</file>
+
+<file path=ppt/slides/slide8.xml><?xml version="1.0" encoding="utf-8"?>
+<p:sld xmlns:a="http://schemas.openxmlformats.org/drawingml/2006/main" xmlns:r="http://schemas.openxmlformats.org/officeDocument/2006/relationships" xmlns:p="http://schemas.openxmlformats.org/presentationml/2006/main">
+  <p:cSld>
+    <p:spTree>
+      <p:nvGrpSpPr>
+        <p:cNvPr id="1" name=""/>
+        <p:cNvGrpSpPr/>
+        <p:nvPr/>
+      </p:nvGrpSpPr>
+      <p:grpSpPr>
+        <a:xfrm>
+          <a:off x="0" y="0"/>
+          <a:ext cx="0" cy="0"/>
+          <a:chOff x="0" y="0"/>
+          <a:chExt cx="0" cy="0"/>
+        </a:xfrm>
+      </p:grpSpPr>
+      <p:sp>
+        <p:nvSpPr>
+          <p:cNvPr id="3" name="Content Placeholder 2">
+            <a:extLst>
+              <a:ext uri="{FF2B5EF4-FFF2-40B4-BE49-F238E27FC236}">
+                <a16:creationId xmlns:a16="http://schemas.microsoft.com/office/drawing/2014/main" id="{F36858AC-28FA-4846-A89D-6BD2957586D9}"/>
+              </a:ext>
+            </a:extLst>
+          </p:cNvPr>
+          <p:cNvSpPr>
+            <a:spLocks noGrp="1"/>
+          </p:cNvSpPr>
+          <p:nvPr>
+            <p:ph idx="1"/>
+          </p:nvPr>
+        </p:nvSpPr>
+        <p:spPr>
+          <a:xfrm>
+            <a:off x="838200" y="1253331"/>
+            <a:ext cx="10515600" cy="4351338"/>
+          </a:xfrm>
+        </p:spPr>
+        <p:txBody>
+          <a:bodyPr>
+            <a:normAutofit/>
+          </a:bodyPr>
+          <a:lstStyle/>
+          <a:p>
+            <a:pPr marL="0" indent="0">
+              <a:buNone/>
+            </a:pPr>
+            <a:endParaRPr lang="en-US" sz="1600" dirty="0"/>
+          </a:p>
+          <a:p>
+            <a:pPr marL="0" indent="0">
+              <a:buNone/>
+            </a:pPr>
+            <a:r>
+              <a:rPr lang="en-US" sz="1100" b="0" i="0" dirty="0">
+                <a:solidFill>
+                  <a:srgbClr val="24292F"/>
+                </a:solidFill>
+                <a:effectLst/>
+                <a:latin typeface="-apple-system"/>
+              </a:rPr>
+              <a:t>ENT/</a:t>
+            </a:r>
+            <a:r>
+              <a:rPr lang="en-US" sz="1100" b="0" i="0" u="sng" dirty="0">
+                <a:effectLst/>
+                <a:latin typeface="-apple-system"/>
+                <a:hlinkClick r:id="rId2"/>
+              </a:rPr>
+              <a:t>Entropy score</a:t>
+            </a:r>
+            <a:endParaRPr lang="en-US" sz="1100" b="0" i="0" u="sng" dirty="0">
+              <a:effectLst/>
+              <a:latin typeface="-apple-system"/>
+            </a:endParaRPr>
+          </a:p>
+          <a:p>
+            <a:pPr marL="0" indent="0">
+              <a:buNone/>
+            </a:pPr>
+            <a:r>
+              <a:rPr lang="en-US" sz="1100" b="0" i="0">
+                <a:solidFill>
+                  <a:srgbClr val="24292F"/>
+                </a:solidFill>
+                <a:effectLst/>
+                <a:latin typeface="-apple-system"/>
+              </a:rPr>
+              <a:t>DIST/</a:t>
+            </a:r>
+            <a:r>
+              <a:rPr lang="en-US" sz="1100" b="0" i="0" u="sng">
+                <a:effectLst/>
+                <a:latin typeface="-apple-system"/>
+                <a:hlinkClick r:id="rId3"/>
+              </a:rPr>
+              <a:t>Distinct </a:t>
+            </a:r>
+            <a:r>
+              <a:rPr lang="en-US" sz="1100" b="0" i="0" u="sng" dirty="0">
+                <a:effectLst/>
+                <a:latin typeface="-apple-system"/>
+                <a:hlinkClick r:id="rId3"/>
+              </a:rPr>
+              <a:t>score</a:t>
+            </a:r>
+            <a:endParaRPr lang="en-US" sz="1600" dirty="0"/>
+          </a:p>
+        </p:txBody>
+      </p:sp>
+      <p:sp>
+        <p:nvSpPr>
+          <p:cNvPr id="6" name="Title 1">
+            <a:extLst>
+              <a:ext uri="{FF2B5EF4-FFF2-40B4-BE49-F238E27FC236}">
+                <a16:creationId xmlns:a16="http://schemas.microsoft.com/office/drawing/2014/main" id="{45160E43-D6E0-43F6-A9D3-37C4263B6C86}"/>
+              </a:ext>
+            </a:extLst>
+          </p:cNvPr>
+          <p:cNvSpPr>
+            <a:spLocks noGrp="1"/>
+          </p:cNvSpPr>
+          <p:nvPr>
+            <p:ph type="title"/>
+          </p:nvPr>
+        </p:nvSpPr>
+        <p:spPr>
+          <a:xfrm>
+            <a:off x="838200" y="365126"/>
+            <a:ext cx="10515600" cy="771912"/>
+          </a:xfrm>
+        </p:spPr>
+        <p:txBody>
+          <a:bodyPr>
+            <a:normAutofit/>
+          </a:bodyPr>
+          <a:lstStyle/>
+          <a:p>
+            <a:r>
+              <a:rPr lang="en-US" sz="2400" b="1" dirty="0"/>
+              <a:t>Chatbot-related Metrics</a:t>
+            </a:r>
+          </a:p>
+        </p:txBody>
+      </p:sp>
+      <p:sp>
+        <p:nvSpPr>
+          <p:cNvPr id="7" name="Footer Placeholder 6">
+            <a:extLst>
+              <a:ext uri="{FF2B5EF4-FFF2-40B4-BE49-F238E27FC236}">
+                <a16:creationId xmlns:a16="http://schemas.microsoft.com/office/drawing/2014/main" id="{4D08325B-C998-4B06-BBBF-5AA92E9498B3}"/>
+              </a:ext>
+            </a:extLst>
+          </p:cNvPr>
+          <p:cNvSpPr>
+            <a:spLocks noGrp="1"/>
+          </p:cNvSpPr>
+          <p:nvPr>
+            <p:ph type="ftr" sz="quarter" idx="11"/>
+          </p:nvPr>
+        </p:nvSpPr>
+        <p:spPr/>
+        <p:txBody>
+          <a:bodyPr/>
+          <a:lstStyle/>
+          <a:p>
+            <a:r>
+              <a:rPr lang="en-US"/>
+              <a:t>NLP COE</a:t>
+            </a:r>
+          </a:p>
+        </p:txBody>
+      </p:sp>
+      <p:sp>
+        <p:nvSpPr>
+          <p:cNvPr id="8" name="Slide Number Placeholder 7">
+            <a:extLst>
+              <a:ext uri="{FF2B5EF4-FFF2-40B4-BE49-F238E27FC236}">
+                <a16:creationId xmlns:a16="http://schemas.microsoft.com/office/drawing/2014/main" id="{5AC68E0A-89FD-42C9-8C6D-B5A1CBA735E0}"/>
+              </a:ext>
+            </a:extLst>
+          </p:cNvPr>
+          <p:cNvSpPr>
+            <a:spLocks noGrp="1"/>
+          </p:cNvSpPr>
+          <p:nvPr>
+            <p:ph type="sldNum" sz="quarter" idx="12"/>
+          </p:nvPr>
+        </p:nvSpPr>
+        <p:spPr/>
+        <p:txBody>
+          <a:bodyPr/>
+          <a:lstStyle/>
+          <a:p>
+            <a:fld id="{28C167EA-80E2-4EC1-B2DF-B4278EFC6F4B}" type="slidenum">
+              <a:rPr lang="en-US" smtClean="0"/>
+              <a:t>8</a:t>
+            </a:fld>
+            <a:endParaRPr lang="en-US"/>
+          </a:p>
+        </p:txBody>
+      </p:sp>
+    </p:spTree>
+    <p:extLst>
+      <p:ext uri="{BB962C8B-B14F-4D97-AF65-F5344CB8AC3E}">
+        <p14:creationId xmlns:p14="http://schemas.microsoft.com/office/powerpoint/2010/main" val="1748203639"/>
       </p:ext>
     </p:extLst>
   </p:cSld>

--- a/updates-and-knowledge-sharing/Performance Metrics for Seq2Seq model.pptx
+++ b/updates-and-knowledge-sharing/Performance Metrics for Seq2Seq model.pptx
@@ -5,7 +5,7 @@
     <p:sldMasterId id="2147483648" r:id="rId1"/>
   </p:sldMasterIdLst>
   <p:notesMasterIdLst>
-    <p:notesMasterId r:id="rId10"/>
+    <p:notesMasterId r:id="rId14"/>
   </p:notesMasterIdLst>
   <p:sldIdLst>
     <p:sldId id="256" r:id="rId2"/>
@@ -14,8 +14,12 @@
     <p:sldId id="265" r:id="rId5"/>
     <p:sldId id="260" r:id="rId6"/>
     <p:sldId id="266" r:id="rId7"/>
-    <p:sldId id="267" r:id="rId8"/>
-    <p:sldId id="268" r:id="rId9"/>
+    <p:sldId id="274" r:id="rId8"/>
+    <p:sldId id="273" r:id="rId9"/>
+    <p:sldId id="269" r:id="rId10"/>
+    <p:sldId id="271" r:id="rId11"/>
+    <p:sldId id="272" r:id="rId12"/>
+    <p:sldId id="276" r:id="rId13"/>
   </p:sldIdLst>
   <p:sldSz cx="12192000" cy="6858000"/>
   <p:notesSz cx="6858000" cy="9144000"/>
@@ -204,7 +208,7 @@
           <a:p>
             <a:fld id="{B7A83E86-98D3-4103-87BC-52B162990F09}" type="datetimeFigureOut">
               <a:rPr lang="en-US" smtClean="0"/>
-              <a:t>4/11/2022</a:t>
+              <a:t>4/19/2022</a:t>
             </a:fld>
             <a:endParaRPr lang="en-US"/>
           </a:p>
@@ -471,6 +475,316 @@
 </p:notesMaster>
 </file>
 
+<file path=ppt/notesSlides/notesSlide1.xml><?xml version="1.0" encoding="utf-8"?>
+<p:notes xmlns:a="http://schemas.openxmlformats.org/drawingml/2006/main" xmlns:r="http://schemas.openxmlformats.org/officeDocument/2006/relationships" xmlns:p="http://schemas.openxmlformats.org/presentationml/2006/main">
+  <p:cSld>
+    <p:spTree>
+      <p:nvGrpSpPr>
+        <p:cNvPr id="1" name=""/>
+        <p:cNvGrpSpPr/>
+        <p:nvPr/>
+      </p:nvGrpSpPr>
+      <p:grpSpPr>
+        <a:xfrm>
+          <a:off x="0" y="0"/>
+          <a:ext cx="0" cy="0"/>
+          <a:chOff x="0" y="0"/>
+          <a:chExt cx="0" cy="0"/>
+        </a:xfrm>
+      </p:grpSpPr>
+      <p:sp>
+        <p:nvSpPr>
+          <p:cNvPr id="2" name="Slide Image Placeholder 1"/>
+          <p:cNvSpPr>
+            <a:spLocks noGrp="1" noRot="1" noChangeAspect="1"/>
+          </p:cNvSpPr>
+          <p:nvPr>
+            <p:ph type="sldImg"/>
+          </p:nvPr>
+        </p:nvSpPr>
+        <p:spPr/>
+      </p:sp>
+      <p:sp>
+        <p:nvSpPr>
+          <p:cNvPr id="3" name="Notes Placeholder 2"/>
+          <p:cNvSpPr>
+            <a:spLocks noGrp="1"/>
+          </p:cNvSpPr>
+          <p:nvPr>
+            <p:ph type="body" idx="1"/>
+          </p:nvPr>
+        </p:nvSpPr>
+        <p:spPr/>
+        <p:txBody>
+          <a:bodyPr/>
+          <a:lstStyle/>
+          <a:p>
+            <a:r>
+              <a:rPr lang="en-US" dirty="0"/>
+              <a:t>AM over GM as there exists the potential of counterproductive variance due to low co-occurrences for larger values of N.</a:t>
+            </a:r>
+          </a:p>
+          <a:p>
+            <a:pPr marL="0" marR="0" lvl="0" indent="0" algn="l" defTabSz="914400" rtl="0" eaLnBrk="1" fontAlgn="auto" latinLnBrk="0" hangingPunct="1">
+              <a:lnSpc>
+                <a:spcPct val="100000"/>
+              </a:lnSpc>
+              <a:spcBef>
+                <a:spcPts val="0"/>
+              </a:spcBef>
+              <a:spcAft>
+                <a:spcPts val="0"/>
+              </a:spcAft>
+              <a:buClrTx/>
+              <a:buSzTx/>
+              <a:buFontTx/>
+              <a:buNone/>
+              <a:tabLst/>
+              <a:defRPr/>
+            </a:pPr>
+            <a:r>
+              <a:rPr lang="en-US" sz="1200" dirty="0"/>
+              <a:t>Instead of n-gram precision, uses the information gain from each n-gram</a:t>
+            </a:r>
+          </a:p>
+          <a:p>
+            <a:pPr marL="0" marR="0" lvl="0" indent="0" algn="l" defTabSz="914400" rtl="0" eaLnBrk="1" fontAlgn="auto" latinLnBrk="0" hangingPunct="1">
+              <a:lnSpc>
+                <a:spcPct val="100000"/>
+              </a:lnSpc>
+              <a:spcBef>
+                <a:spcPts val="0"/>
+              </a:spcBef>
+              <a:spcAft>
+                <a:spcPts val="0"/>
+              </a:spcAft>
+              <a:buClrTx/>
+              <a:buSzTx/>
+              <a:buFontTx/>
+              <a:buNone/>
+              <a:tabLst/>
+              <a:defRPr/>
+            </a:pPr>
+            <a:r>
+              <a:rPr lang="en-US" sz="1200" dirty="0"/>
+              <a:t>More reliable and better quality than bleu</a:t>
+            </a:r>
+          </a:p>
+          <a:p>
+            <a:endParaRPr lang="en-US" dirty="0"/>
+          </a:p>
+        </p:txBody>
+      </p:sp>
+      <p:sp>
+        <p:nvSpPr>
+          <p:cNvPr id="4" name="Slide Number Placeholder 3"/>
+          <p:cNvSpPr>
+            <a:spLocks noGrp="1"/>
+          </p:cNvSpPr>
+          <p:nvPr>
+            <p:ph type="sldNum" sz="quarter" idx="5"/>
+          </p:nvPr>
+        </p:nvSpPr>
+        <p:spPr/>
+        <p:txBody>
+          <a:bodyPr/>
+          <a:lstStyle/>
+          <a:p>
+            <a:fld id="{CCA47240-FA7B-4CF0-A523-2A344270A9CE}" type="slidenum">
+              <a:rPr lang="en-US" smtClean="0"/>
+              <a:t>7</a:t>
+            </a:fld>
+            <a:endParaRPr lang="en-US"/>
+          </a:p>
+        </p:txBody>
+      </p:sp>
+    </p:spTree>
+    <p:extLst>
+      <p:ext uri="{BB962C8B-B14F-4D97-AF65-F5344CB8AC3E}">
+        <p14:creationId xmlns:p14="http://schemas.microsoft.com/office/powerpoint/2010/main" val="2786499999"/>
+      </p:ext>
+    </p:extLst>
+  </p:cSld>
+  <p:clrMapOvr>
+    <a:masterClrMapping/>
+  </p:clrMapOvr>
+</p:notes>
+</file>
+
+<file path=ppt/notesSlides/notesSlide2.xml><?xml version="1.0" encoding="utf-8"?>
+<p:notes xmlns:a="http://schemas.openxmlformats.org/drawingml/2006/main" xmlns:r="http://schemas.openxmlformats.org/officeDocument/2006/relationships" xmlns:p="http://schemas.openxmlformats.org/presentationml/2006/main">
+  <p:cSld>
+    <p:spTree>
+      <p:nvGrpSpPr>
+        <p:cNvPr id="1" name=""/>
+        <p:cNvGrpSpPr/>
+        <p:nvPr/>
+      </p:nvGrpSpPr>
+      <p:grpSpPr>
+        <a:xfrm>
+          <a:off x="0" y="0"/>
+          <a:ext cx="0" cy="0"/>
+          <a:chOff x="0" y="0"/>
+          <a:chExt cx="0" cy="0"/>
+        </a:xfrm>
+      </p:grpSpPr>
+      <p:sp>
+        <p:nvSpPr>
+          <p:cNvPr id="2" name="Slide Image Placeholder 1"/>
+          <p:cNvSpPr>
+            <a:spLocks noGrp="1" noRot="1" noChangeAspect="1"/>
+          </p:cNvSpPr>
+          <p:nvPr>
+            <p:ph type="sldImg"/>
+          </p:nvPr>
+        </p:nvSpPr>
+        <p:spPr/>
+      </p:sp>
+      <p:sp>
+        <p:nvSpPr>
+          <p:cNvPr id="3" name="Notes Placeholder 2"/>
+          <p:cNvSpPr>
+            <a:spLocks noGrp="1"/>
+          </p:cNvSpPr>
+          <p:nvPr>
+            <p:ph type="body" idx="1"/>
+          </p:nvPr>
+        </p:nvSpPr>
+        <p:spPr/>
+        <p:txBody>
+          <a:bodyPr/>
+          <a:lstStyle/>
+          <a:p>
+            <a:r>
+              <a:rPr lang="en-US" dirty="0"/>
+              <a:t>The value is scaled by total number of generated tokens to avoid favoring long sentences </a:t>
+            </a:r>
+          </a:p>
+        </p:txBody>
+      </p:sp>
+      <p:sp>
+        <p:nvSpPr>
+          <p:cNvPr id="4" name="Slide Number Placeholder 3"/>
+          <p:cNvSpPr>
+            <a:spLocks noGrp="1"/>
+          </p:cNvSpPr>
+          <p:nvPr>
+            <p:ph type="sldNum" sz="quarter" idx="5"/>
+          </p:nvPr>
+        </p:nvSpPr>
+        <p:spPr/>
+        <p:txBody>
+          <a:bodyPr/>
+          <a:lstStyle/>
+          <a:p>
+            <a:fld id="{CCA47240-FA7B-4CF0-A523-2A344270A9CE}" type="slidenum">
+              <a:rPr lang="en-US" smtClean="0"/>
+              <a:t>11</a:t>
+            </a:fld>
+            <a:endParaRPr lang="en-US"/>
+          </a:p>
+        </p:txBody>
+      </p:sp>
+    </p:spTree>
+    <p:extLst>
+      <p:ext uri="{BB962C8B-B14F-4D97-AF65-F5344CB8AC3E}">
+        <p14:creationId xmlns:p14="http://schemas.microsoft.com/office/powerpoint/2010/main" val="3296238027"/>
+      </p:ext>
+    </p:extLst>
+  </p:cSld>
+  <p:clrMapOvr>
+    <a:masterClrMapping/>
+  </p:clrMapOvr>
+</p:notes>
+</file>
+
+<file path=ppt/notesSlides/notesSlide3.xml><?xml version="1.0" encoding="utf-8"?>
+<p:notes xmlns:a="http://schemas.openxmlformats.org/drawingml/2006/main" xmlns:r="http://schemas.openxmlformats.org/officeDocument/2006/relationships" xmlns:p="http://schemas.openxmlformats.org/presentationml/2006/main">
+  <p:cSld>
+    <p:spTree>
+      <p:nvGrpSpPr>
+        <p:cNvPr id="1" name=""/>
+        <p:cNvGrpSpPr/>
+        <p:nvPr/>
+      </p:nvGrpSpPr>
+      <p:grpSpPr>
+        <a:xfrm>
+          <a:off x="0" y="0"/>
+          <a:ext cx="0" cy="0"/>
+          <a:chOff x="0" y="0"/>
+          <a:chExt cx="0" cy="0"/>
+        </a:xfrm>
+      </p:grpSpPr>
+      <p:sp>
+        <p:nvSpPr>
+          <p:cNvPr id="2" name="Slide Image Placeholder 1"/>
+          <p:cNvSpPr>
+            <a:spLocks noGrp="1" noRot="1" noChangeAspect="1"/>
+          </p:cNvSpPr>
+          <p:nvPr>
+            <p:ph type="sldImg"/>
+          </p:nvPr>
+        </p:nvSpPr>
+        <p:spPr/>
+      </p:sp>
+      <p:sp>
+        <p:nvSpPr>
+          <p:cNvPr id="3" name="Notes Placeholder 2"/>
+          <p:cNvSpPr>
+            <a:spLocks noGrp="1"/>
+          </p:cNvSpPr>
+          <p:nvPr>
+            <p:ph type="body" idx="1"/>
+          </p:nvPr>
+        </p:nvSpPr>
+        <p:spPr/>
+        <p:txBody>
+          <a:bodyPr/>
+          <a:lstStyle/>
+          <a:p>
+            <a:r>
+              <a:rPr lang="en-US" dirty="0"/>
+              <a:t>The value is scaled by total number of generated tokens to avoid favoring long sentences </a:t>
+            </a:r>
+          </a:p>
+        </p:txBody>
+      </p:sp>
+      <p:sp>
+        <p:nvSpPr>
+          <p:cNvPr id="4" name="Slide Number Placeholder 3"/>
+          <p:cNvSpPr>
+            <a:spLocks noGrp="1"/>
+          </p:cNvSpPr>
+          <p:nvPr>
+            <p:ph type="sldNum" sz="quarter" idx="5"/>
+          </p:nvPr>
+        </p:nvSpPr>
+        <p:spPr/>
+        <p:txBody>
+          <a:bodyPr/>
+          <a:lstStyle/>
+          <a:p>
+            <a:fld id="{CCA47240-FA7B-4CF0-A523-2A344270A9CE}" type="slidenum">
+              <a:rPr lang="en-US" smtClean="0"/>
+              <a:t>12</a:t>
+            </a:fld>
+            <a:endParaRPr lang="en-US"/>
+          </a:p>
+        </p:txBody>
+      </p:sp>
+    </p:spTree>
+    <p:extLst>
+      <p:ext uri="{BB962C8B-B14F-4D97-AF65-F5344CB8AC3E}">
+        <p14:creationId xmlns:p14="http://schemas.microsoft.com/office/powerpoint/2010/main" val="2776932368"/>
+      </p:ext>
+    </p:extLst>
+  </p:cSld>
+  <p:clrMapOvr>
+    <a:masterClrMapping/>
+  </p:clrMapOvr>
+</p:notes>
+</file>
+
 <file path=ppt/slideLayouts/slideLayout1.xml><?xml version="1.0" encoding="utf-8"?>
 <p:sldLayout xmlns:a="http://schemas.openxmlformats.org/drawingml/2006/main" xmlns:r="http://schemas.openxmlformats.org/officeDocument/2006/relationships" xmlns:p="http://schemas.openxmlformats.org/presentationml/2006/main" type="title" preserve="1">
   <p:cSld name="Title Slide">
@@ -618,7 +932,7 @@
           <a:p>
             <a:fld id="{B5A90C4D-CF74-4687-AD04-5AE501AE6CB8}" type="datetime1">
               <a:rPr lang="en-US" smtClean="0"/>
-              <a:t>4/11/2022</a:t>
+              <a:t>4/19/2022</a:t>
             </a:fld>
             <a:endParaRPr lang="en-US"/>
           </a:p>
@@ -819,7 +1133,7 @@
           <a:p>
             <a:fld id="{AC1A0117-B9D9-486A-A5B0-97C2436F48C4}" type="datetime1">
               <a:rPr lang="en-US" smtClean="0"/>
-              <a:t>4/11/2022</a:t>
+              <a:t>4/19/2022</a:t>
             </a:fld>
             <a:endParaRPr lang="en-US"/>
           </a:p>
@@ -1030,7 +1344,7 @@
           <a:p>
             <a:fld id="{509C0A4F-BCF5-46A0-83C9-9B1B5065C4AD}" type="datetime1">
               <a:rPr lang="en-US" smtClean="0"/>
-              <a:t>4/11/2022</a:t>
+              <a:t>4/19/2022</a:t>
             </a:fld>
             <a:endParaRPr lang="en-US"/>
           </a:p>
@@ -1231,7 +1545,7 @@
           <a:p>
             <a:fld id="{DF0CD778-E55E-4DB2-B0A3-A07B35390CE5}" type="datetime1">
               <a:rPr lang="en-US" smtClean="0"/>
-              <a:t>4/11/2022</a:t>
+              <a:t>4/19/2022</a:t>
             </a:fld>
             <a:endParaRPr lang="en-US"/>
           </a:p>
@@ -1509,7 +1823,7 @@
           <a:p>
             <a:fld id="{2B7DD7C6-3A25-4FFE-938A-D4FB7200C9DD}" type="datetime1">
               <a:rPr lang="en-US" smtClean="0"/>
-              <a:t>4/11/2022</a:t>
+              <a:t>4/19/2022</a:t>
             </a:fld>
             <a:endParaRPr lang="en-US"/>
           </a:p>
@@ -1777,7 +2091,7 @@
           <a:p>
             <a:fld id="{02D41F43-EEA3-45F9-8855-0EF262513405}" type="datetime1">
               <a:rPr lang="en-US" smtClean="0"/>
-              <a:t>4/11/2022</a:t>
+              <a:t>4/19/2022</a:t>
             </a:fld>
             <a:endParaRPr lang="en-US"/>
           </a:p>
@@ -2192,7 +2506,7 @@
           <a:p>
             <a:fld id="{CA340D99-081C-4D10-9DC3-352179171829}" type="datetime1">
               <a:rPr lang="en-US" smtClean="0"/>
-              <a:t>4/11/2022</a:t>
+              <a:t>4/19/2022</a:t>
             </a:fld>
             <a:endParaRPr lang="en-US"/>
           </a:p>
@@ -2336,7 +2650,7 @@
           <a:p>
             <a:fld id="{71E138F6-62BA-4CBB-904B-5222148AED49}" type="datetime1">
               <a:rPr lang="en-US" smtClean="0"/>
-              <a:t>4/11/2022</a:t>
+              <a:t>4/19/2022</a:t>
             </a:fld>
             <a:endParaRPr lang="en-US"/>
           </a:p>
@@ -2452,7 +2766,7 @@
           <a:p>
             <a:fld id="{EB19D34D-8643-4DD3-84A8-50868C0B78DE}" type="datetime1">
               <a:rPr lang="en-US" smtClean="0"/>
-              <a:t>4/11/2022</a:t>
+              <a:t>4/19/2022</a:t>
             </a:fld>
             <a:endParaRPr lang="en-US"/>
           </a:p>
@@ -2766,7 +3080,7 @@
           <a:p>
             <a:fld id="{C1C90AD8-1404-48A3-B6F1-2A9BB72CF2A6}" type="datetime1">
               <a:rPr lang="en-US" smtClean="0"/>
-              <a:t>4/11/2022</a:t>
+              <a:t>4/19/2022</a:t>
             </a:fld>
             <a:endParaRPr lang="en-US"/>
           </a:p>
@@ -3057,7 +3371,7 @@
           <a:p>
             <a:fld id="{16E5215D-6D45-406C-B203-3179999A5D76}" type="datetime1">
               <a:rPr lang="en-US" smtClean="0"/>
-              <a:t>4/11/2022</a:t>
+              <a:t>4/19/2022</a:t>
             </a:fld>
             <a:endParaRPr lang="en-US"/>
           </a:p>
@@ -3301,7 +3615,7 @@
           <a:p>
             <a:fld id="{085FB81C-97DA-4D83-B2BD-E2953548DE33}" type="datetime1">
               <a:rPr lang="en-US" smtClean="0"/>
-              <a:t>4/11/2022</a:t>
+              <a:t>4/19/2022</a:t>
             </a:fld>
             <a:endParaRPr lang="en-US"/>
           </a:p>
@@ -3860,6 +4174,2663 @@
 </p:sld>
 </file>
 
+<file path=ppt/slides/slide10.xml><?xml version="1.0" encoding="utf-8"?>
+<p:sld xmlns:a="http://schemas.openxmlformats.org/drawingml/2006/main" xmlns:r="http://schemas.openxmlformats.org/officeDocument/2006/relationships" xmlns:p="http://schemas.openxmlformats.org/presentationml/2006/main">
+  <p:cSld>
+    <p:spTree>
+      <p:nvGrpSpPr>
+        <p:cNvPr id="1" name=""/>
+        <p:cNvGrpSpPr/>
+        <p:nvPr/>
+      </p:nvGrpSpPr>
+      <p:grpSpPr>
+        <a:xfrm>
+          <a:off x="0" y="0"/>
+          <a:ext cx="0" cy="0"/>
+          <a:chOff x="0" y="0"/>
+          <a:chExt cx="0" cy="0"/>
+        </a:xfrm>
+      </p:grpSpPr>
+      <p:sp>
+        <p:nvSpPr>
+          <p:cNvPr id="4" name="Footer Placeholder 3">
+            <a:extLst>
+              <a:ext uri="{FF2B5EF4-FFF2-40B4-BE49-F238E27FC236}">
+                <a16:creationId xmlns:a16="http://schemas.microsoft.com/office/drawing/2014/main" id="{B616B34A-879D-4EE6-BC5A-001F4917872B}"/>
+              </a:ext>
+            </a:extLst>
+          </p:cNvPr>
+          <p:cNvSpPr>
+            <a:spLocks noGrp="1"/>
+          </p:cNvSpPr>
+          <p:nvPr>
+            <p:ph type="ftr" sz="quarter" idx="11"/>
+          </p:nvPr>
+        </p:nvSpPr>
+        <p:spPr/>
+        <p:txBody>
+          <a:bodyPr/>
+          <a:lstStyle/>
+          <a:p>
+            <a:r>
+              <a:rPr lang="en-US"/>
+              <a:t>NLP COE</a:t>
+            </a:r>
+          </a:p>
+        </p:txBody>
+      </p:sp>
+      <p:sp>
+        <p:nvSpPr>
+          <p:cNvPr id="5" name="Slide Number Placeholder 4">
+            <a:extLst>
+              <a:ext uri="{FF2B5EF4-FFF2-40B4-BE49-F238E27FC236}">
+                <a16:creationId xmlns:a16="http://schemas.microsoft.com/office/drawing/2014/main" id="{B4DC7B9C-E7F2-482C-A87D-988E6E9D9B84}"/>
+              </a:ext>
+            </a:extLst>
+          </p:cNvPr>
+          <p:cNvSpPr>
+            <a:spLocks noGrp="1"/>
+          </p:cNvSpPr>
+          <p:nvPr>
+            <p:ph type="sldNum" sz="quarter" idx="12"/>
+          </p:nvPr>
+        </p:nvSpPr>
+        <p:spPr/>
+        <p:txBody>
+          <a:bodyPr/>
+          <a:lstStyle/>
+          <a:p>
+            <a:fld id="{28C167EA-80E2-4EC1-B2DF-B4278EFC6F4B}" type="slidenum">
+              <a:rPr lang="en-US" smtClean="0"/>
+              <a:t>10</a:t>
+            </a:fld>
+            <a:endParaRPr lang="en-US"/>
+          </a:p>
+        </p:txBody>
+      </p:sp>
+      <p:sp>
+        <p:nvSpPr>
+          <p:cNvPr id="8" name="Title 1">
+            <a:extLst>
+              <a:ext uri="{FF2B5EF4-FFF2-40B4-BE49-F238E27FC236}">
+                <a16:creationId xmlns:a16="http://schemas.microsoft.com/office/drawing/2014/main" id="{FED78235-0A34-41FB-BE2B-2055F9BF4C0B}"/>
+              </a:ext>
+            </a:extLst>
+          </p:cNvPr>
+          <p:cNvSpPr>
+            <a:spLocks noGrp="1"/>
+          </p:cNvSpPr>
+          <p:nvPr>
+            <p:ph type="title"/>
+          </p:nvPr>
+        </p:nvSpPr>
+        <p:spPr>
+          <a:xfrm>
+            <a:off x="838200" y="365126"/>
+            <a:ext cx="10515600" cy="771912"/>
+          </a:xfrm>
+        </p:spPr>
+        <p:txBody>
+          <a:bodyPr>
+            <a:normAutofit/>
+          </a:bodyPr>
+          <a:lstStyle/>
+          <a:p>
+            <a:r>
+              <a:rPr lang="en-US" sz="2400" b="1" dirty="0"/>
+              <a:t>Entropy and Perplexity Calculations</a:t>
+            </a:r>
+          </a:p>
+        </p:txBody>
+      </p:sp>
+      <p:sp>
+        <p:nvSpPr>
+          <p:cNvPr id="9" name="Content Placeholder 2">
+            <a:extLst>
+              <a:ext uri="{FF2B5EF4-FFF2-40B4-BE49-F238E27FC236}">
+                <a16:creationId xmlns:a16="http://schemas.microsoft.com/office/drawing/2014/main" id="{F52E4C19-ED65-42E0-81EE-DEA2BF98F835}"/>
+              </a:ext>
+            </a:extLst>
+          </p:cNvPr>
+          <p:cNvSpPr txBox="1">
+            <a:spLocks/>
+          </p:cNvSpPr>
+          <p:nvPr/>
+        </p:nvSpPr>
+        <p:spPr>
+          <a:xfrm>
+            <a:off x="838200" y="1230083"/>
+            <a:ext cx="10515600" cy="4351338"/>
+          </a:xfrm>
+          <a:prstGeom prst="rect">
+            <a:avLst/>
+          </a:prstGeom>
+        </p:spPr>
+        <p:txBody>
+          <a:bodyPr vert="horz" lIns="91440" tIns="45720" rIns="91440" bIns="45720" rtlCol="0">
+            <a:normAutofit/>
+          </a:bodyPr>
+          <a:lstStyle>
+            <a:lvl1pPr marL="228600" indent="-228600" algn="l" defTabSz="914400" rtl="0" eaLnBrk="1" latinLnBrk="0" hangingPunct="1">
+              <a:lnSpc>
+                <a:spcPct val="90000"/>
+              </a:lnSpc>
+              <a:spcBef>
+                <a:spcPts val="1000"/>
+              </a:spcBef>
+              <a:buFont typeface="Arial" panose="020B0604020202020204" pitchFamily="34" charset="0"/>
+              <a:buChar char="•"/>
+              <a:defRPr sz="2800" kern="1200">
+                <a:solidFill>
+                  <a:schemeClr val="tx1"/>
+                </a:solidFill>
+                <a:latin typeface="+mn-lt"/>
+                <a:ea typeface="+mn-ea"/>
+                <a:cs typeface="+mn-cs"/>
+              </a:defRPr>
+            </a:lvl1pPr>
+            <a:lvl2pPr marL="685800" indent="-228600" algn="l" defTabSz="914400" rtl="0" eaLnBrk="1" latinLnBrk="0" hangingPunct="1">
+              <a:lnSpc>
+                <a:spcPct val="90000"/>
+              </a:lnSpc>
+              <a:spcBef>
+                <a:spcPts val="500"/>
+              </a:spcBef>
+              <a:buFont typeface="Arial" panose="020B0604020202020204" pitchFamily="34" charset="0"/>
+              <a:buChar char="•"/>
+              <a:defRPr sz="2400" kern="1200">
+                <a:solidFill>
+                  <a:schemeClr val="tx1"/>
+                </a:solidFill>
+                <a:latin typeface="+mn-lt"/>
+                <a:ea typeface="+mn-ea"/>
+                <a:cs typeface="+mn-cs"/>
+              </a:defRPr>
+            </a:lvl2pPr>
+            <a:lvl3pPr marL="1143000" indent="-228600" algn="l" defTabSz="914400" rtl="0" eaLnBrk="1" latinLnBrk="0" hangingPunct="1">
+              <a:lnSpc>
+                <a:spcPct val="90000"/>
+              </a:lnSpc>
+              <a:spcBef>
+                <a:spcPts val="500"/>
+              </a:spcBef>
+              <a:buFont typeface="Arial" panose="020B0604020202020204" pitchFamily="34" charset="0"/>
+              <a:buChar char="•"/>
+              <a:defRPr sz="2000" kern="1200">
+                <a:solidFill>
+                  <a:schemeClr val="tx1"/>
+                </a:solidFill>
+                <a:latin typeface="+mn-lt"/>
+                <a:ea typeface="+mn-ea"/>
+                <a:cs typeface="+mn-cs"/>
+              </a:defRPr>
+            </a:lvl3pPr>
+            <a:lvl4pPr marL="1600200" indent="-228600" algn="l" defTabSz="914400" rtl="0" eaLnBrk="1" latinLnBrk="0" hangingPunct="1">
+              <a:lnSpc>
+                <a:spcPct val="90000"/>
+              </a:lnSpc>
+              <a:spcBef>
+                <a:spcPts val="500"/>
+              </a:spcBef>
+              <a:buFont typeface="Arial" panose="020B0604020202020204" pitchFamily="34" charset="0"/>
+              <a:buChar char="•"/>
+              <a:defRPr sz="1800" kern="1200">
+                <a:solidFill>
+                  <a:schemeClr val="tx1"/>
+                </a:solidFill>
+                <a:latin typeface="+mn-lt"/>
+                <a:ea typeface="+mn-ea"/>
+                <a:cs typeface="+mn-cs"/>
+              </a:defRPr>
+            </a:lvl4pPr>
+            <a:lvl5pPr marL="2057400" indent="-228600" algn="l" defTabSz="914400" rtl="0" eaLnBrk="1" latinLnBrk="0" hangingPunct="1">
+              <a:lnSpc>
+                <a:spcPct val="90000"/>
+              </a:lnSpc>
+              <a:spcBef>
+                <a:spcPts val="500"/>
+              </a:spcBef>
+              <a:buFont typeface="Arial" panose="020B0604020202020204" pitchFamily="34" charset="0"/>
+              <a:buChar char="•"/>
+              <a:defRPr sz="1800" kern="1200">
+                <a:solidFill>
+                  <a:schemeClr val="tx1"/>
+                </a:solidFill>
+                <a:latin typeface="+mn-lt"/>
+                <a:ea typeface="+mn-ea"/>
+                <a:cs typeface="+mn-cs"/>
+              </a:defRPr>
+            </a:lvl5pPr>
+            <a:lvl6pPr marL="2514600" indent="-228600" algn="l" defTabSz="914400" rtl="0" eaLnBrk="1" latinLnBrk="0" hangingPunct="1">
+              <a:lnSpc>
+                <a:spcPct val="90000"/>
+              </a:lnSpc>
+              <a:spcBef>
+                <a:spcPts val="500"/>
+              </a:spcBef>
+              <a:buFont typeface="Arial" panose="020B0604020202020204" pitchFamily="34" charset="0"/>
+              <a:buChar char="•"/>
+              <a:defRPr sz="1800" kern="1200">
+                <a:solidFill>
+                  <a:schemeClr val="tx1"/>
+                </a:solidFill>
+                <a:latin typeface="+mn-lt"/>
+                <a:ea typeface="+mn-ea"/>
+                <a:cs typeface="+mn-cs"/>
+              </a:defRPr>
+            </a:lvl6pPr>
+            <a:lvl7pPr marL="2971800" indent="-228600" algn="l" defTabSz="914400" rtl="0" eaLnBrk="1" latinLnBrk="0" hangingPunct="1">
+              <a:lnSpc>
+                <a:spcPct val="90000"/>
+              </a:lnSpc>
+              <a:spcBef>
+                <a:spcPts val="500"/>
+              </a:spcBef>
+              <a:buFont typeface="Arial" panose="020B0604020202020204" pitchFamily="34" charset="0"/>
+              <a:buChar char="•"/>
+              <a:defRPr sz="1800" kern="1200">
+                <a:solidFill>
+                  <a:schemeClr val="tx1"/>
+                </a:solidFill>
+                <a:latin typeface="+mn-lt"/>
+                <a:ea typeface="+mn-ea"/>
+                <a:cs typeface="+mn-cs"/>
+              </a:defRPr>
+            </a:lvl7pPr>
+            <a:lvl8pPr marL="3429000" indent="-228600" algn="l" defTabSz="914400" rtl="0" eaLnBrk="1" latinLnBrk="0" hangingPunct="1">
+              <a:lnSpc>
+                <a:spcPct val="90000"/>
+              </a:lnSpc>
+              <a:spcBef>
+                <a:spcPts val="500"/>
+              </a:spcBef>
+              <a:buFont typeface="Arial" panose="020B0604020202020204" pitchFamily="34" charset="0"/>
+              <a:buChar char="•"/>
+              <a:defRPr sz="1800" kern="1200">
+                <a:solidFill>
+                  <a:schemeClr val="tx1"/>
+                </a:solidFill>
+                <a:latin typeface="+mn-lt"/>
+                <a:ea typeface="+mn-ea"/>
+                <a:cs typeface="+mn-cs"/>
+              </a:defRPr>
+            </a:lvl8pPr>
+            <a:lvl9pPr marL="3886200" indent="-228600" algn="l" defTabSz="914400" rtl="0" eaLnBrk="1" latinLnBrk="0" hangingPunct="1">
+              <a:lnSpc>
+                <a:spcPct val="90000"/>
+              </a:lnSpc>
+              <a:spcBef>
+                <a:spcPts val="500"/>
+              </a:spcBef>
+              <a:buFont typeface="Arial" panose="020B0604020202020204" pitchFamily="34" charset="0"/>
+              <a:buChar char="•"/>
+              <a:defRPr sz="1800" kern="1200">
+                <a:solidFill>
+                  <a:schemeClr val="tx1"/>
+                </a:solidFill>
+                <a:latin typeface="+mn-lt"/>
+                <a:ea typeface="+mn-ea"/>
+                <a:cs typeface="+mn-cs"/>
+              </a:defRPr>
+            </a:lvl9pPr>
+          </a:lstStyle>
+          <a:p>
+            <a:endParaRPr lang="en-US" dirty="0"/>
+          </a:p>
+        </p:txBody>
+      </p:sp>
+      <mc:AlternateContent xmlns:mc="http://schemas.openxmlformats.org/markup-compatibility/2006">
+        <mc:Choice xmlns:a14="http://schemas.microsoft.com/office/drawing/2010/main" Requires="a14">
+          <p:sp>
+            <p:nvSpPr>
+              <p:cNvPr id="13" name="Content Placeholder 2">
+                <a:extLst>
+                  <a:ext uri="{FF2B5EF4-FFF2-40B4-BE49-F238E27FC236}">
+                    <a16:creationId xmlns:a16="http://schemas.microsoft.com/office/drawing/2014/main" id="{7966A3DF-94E6-4A4C-8F9A-60ACD198AAD7}"/>
+                  </a:ext>
+                </a:extLst>
+              </p:cNvPr>
+              <p:cNvSpPr>
+                <a:spLocks noGrp="1"/>
+              </p:cNvSpPr>
+              <p:nvPr>
+                <p:ph idx="1"/>
+              </p:nvPr>
+            </p:nvSpPr>
+            <p:spPr>
+              <a:xfrm>
+                <a:off x="838200" y="1253331"/>
+                <a:ext cx="10515600" cy="4351338"/>
+              </a:xfrm>
+            </p:spPr>
+            <p:txBody>
+              <a:bodyPr>
+                <a:normAutofit fontScale="92500" lnSpcReduction="10000"/>
+              </a:bodyPr>
+              <a:lstStyle/>
+              <a:p>
+                <a:r>
+                  <a:rPr lang="en-US" sz="1600" dirty="0"/>
+                  <a:t>How surprised are you to see a variable appear in the recipe (for example chicken)?</a:t>
+                </a:r>
+              </a:p>
+              <a:p>
+                <a:r>
+                  <a:rPr lang="en-US" sz="1600" dirty="0"/>
+                  <a:t>When you are certain that an event will occur (1), your </a:t>
+                </a:r>
+                <a:r>
+                  <a:rPr lang="en-US" sz="1600" b="1" dirty="0"/>
+                  <a:t>surprise </a:t>
+                </a:r>
+                <a:r>
+                  <a:rPr lang="en-US" sz="1600" dirty="0"/>
+                  <a:t>when it happens is null (0); and when you are certain that an event will </a:t>
+                </a:r>
+                <a:r>
+                  <a:rPr lang="en-US" sz="1600" b="1" dirty="0"/>
+                  <a:t>not occur </a:t>
+                </a:r>
+                <a:r>
+                  <a:rPr lang="en-US" sz="1600" dirty="0"/>
+                  <a:t>your </a:t>
+                </a:r>
+                <a:r>
+                  <a:rPr lang="en-US" sz="1600" b="1" dirty="0"/>
+                  <a:t>surprise </a:t>
+                </a:r>
+                <a:r>
+                  <a:rPr lang="en-US" sz="1600" dirty="0"/>
+                  <a:t>when it happens is infinite!</a:t>
+                </a:r>
+              </a:p>
+              <a:p>
+                <a14:m>
+                  <m:oMath xmlns:m="http://schemas.openxmlformats.org/officeDocument/2006/math">
+                    <m:r>
+                      <a:rPr lang="en-US" sz="1600" b="1" i="1" smtClean="0">
+                        <a:latin typeface="Cambria Math" panose="02040503050406030204" pitchFamily="18" charset="0"/>
+                      </a:rPr>
+                      <m:t>𝑺𝒖𝒓𝒑𝒓𝒊𝒔𝒂𝒍</m:t>
+                    </m:r>
+                    <m:r>
+                      <a:rPr lang="en-US" sz="1600" b="1" i="1" smtClean="0">
+                        <a:latin typeface="Cambria Math" panose="02040503050406030204" pitchFamily="18" charset="0"/>
+                      </a:rPr>
+                      <m:t>= </m:t>
+                    </m:r>
+                    <m:r>
+                      <a:rPr lang="en-US" sz="1600" b="1" i="1" smtClean="0">
+                        <a:latin typeface="Cambria Math" panose="02040503050406030204" pitchFamily="18" charset="0"/>
+                      </a:rPr>
+                      <m:t>𝑺</m:t>
+                    </m:r>
+                    <m:d>
+                      <m:dPr>
+                        <m:ctrlPr>
+                          <a:rPr lang="en-US" sz="1600" b="1" i="1" smtClean="0">
+                            <a:latin typeface="Cambria Math" panose="02040503050406030204" pitchFamily="18" charset="0"/>
+                          </a:rPr>
+                        </m:ctrlPr>
+                      </m:dPr>
+                      <m:e>
+                        <m:r>
+                          <a:rPr lang="en-US" sz="1600" b="1" i="1" smtClean="0">
+                            <a:latin typeface="Cambria Math" panose="02040503050406030204" pitchFamily="18" charset="0"/>
+                          </a:rPr>
+                          <m:t>𝒙</m:t>
+                        </m:r>
+                      </m:e>
+                    </m:d>
+                    <m:r>
+                      <a:rPr lang="en-US" sz="1600" b="1" i="1" smtClean="0">
+                        <a:latin typeface="Cambria Math" panose="02040503050406030204" pitchFamily="18" charset="0"/>
+                      </a:rPr>
+                      <m:t>=</m:t>
+                    </m:r>
+                    <m:r>
+                      <a:rPr lang="en-US" sz="1600" b="1" i="1" smtClean="0">
+                        <a:latin typeface="Cambria Math" panose="02040503050406030204" pitchFamily="18" charset="0"/>
+                      </a:rPr>
+                      <m:t>𝒍𝒐𝒈</m:t>
+                    </m:r>
+                    <m:d>
+                      <m:dPr>
+                        <m:ctrlPr>
+                          <a:rPr lang="en-US" sz="1600" b="1" i="1" smtClean="0">
+                            <a:latin typeface="Cambria Math" panose="02040503050406030204" pitchFamily="18" charset="0"/>
+                          </a:rPr>
+                        </m:ctrlPr>
+                      </m:dPr>
+                      <m:e>
+                        <m:f>
+                          <m:fPr>
+                            <m:ctrlPr>
+                              <a:rPr lang="en-US" sz="1600" b="1" i="1" smtClean="0">
+                                <a:latin typeface="Cambria Math" panose="02040503050406030204" pitchFamily="18" charset="0"/>
+                              </a:rPr>
+                            </m:ctrlPr>
+                          </m:fPr>
+                          <m:num>
+                            <m:r>
+                              <a:rPr lang="en-US" sz="1600" b="1" i="1" smtClean="0">
+                                <a:latin typeface="Cambria Math" panose="02040503050406030204" pitchFamily="18" charset="0"/>
+                              </a:rPr>
+                              <m:t>𝟏</m:t>
+                            </m:r>
+                          </m:num>
+                          <m:den>
+                            <m:r>
+                              <a:rPr lang="en-US" sz="1600" b="1" i="1" smtClean="0">
+                                <a:latin typeface="Cambria Math" panose="02040503050406030204" pitchFamily="18" charset="0"/>
+                              </a:rPr>
+                              <m:t>𝒑</m:t>
+                            </m:r>
+                            <m:d>
+                              <m:dPr>
+                                <m:ctrlPr>
+                                  <a:rPr lang="en-US" sz="1600" b="1" i="1" smtClean="0">
+                                    <a:latin typeface="Cambria Math" panose="02040503050406030204" pitchFamily="18" charset="0"/>
+                                  </a:rPr>
+                                </m:ctrlPr>
+                              </m:dPr>
+                              <m:e>
+                                <m:r>
+                                  <a:rPr lang="en-US" sz="1600" b="1" i="1" smtClean="0">
+                                    <a:latin typeface="Cambria Math" panose="02040503050406030204" pitchFamily="18" charset="0"/>
+                                  </a:rPr>
+                                  <m:t>𝒙</m:t>
+                                </m:r>
+                              </m:e>
+                            </m:d>
+                          </m:den>
+                        </m:f>
+                      </m:e>
+                    </m:d>
+                    <m:r>
+                      <a:rPr lang="en-US" sz="1600" b="1" i="1" smtClean="0">
+                        <a:latin typeface="Cambria Math" panose="02040503050406030204" pitchFamily="18" charset="0"/>
+                      </a:rPr>
+                      <m:t>=−</m:t>
+                    </m:r>
+                    <m:r>
+                      <a:rPr lang="en-US" sz="1600" b="1" i="1" smtClean="0">
+                        <a:latin typeface="Cambria Math" panose="02040503050406030204" pitchFamily="18" charset="0"/>
+                      </a:rPr>
+                      <m:t>𝒍𝒐𝒈</m:t>
+                    </m:r>
+                    <m:d>
+                      <m:dPr>
+                        <m:ctrlPr>
+                          <a:rPr lang="en-US" sz="1600" b="1" i="1" smtClean="0">
+                            <a:latin typeface="Cambria Math" panose="02040503050406030204" pitchFamily="18" charset="0"/>
+                          </a:rPr>
+                        </m:ctrlPr>
+                      </m:dPr>
+                      <m:e>
+                        <m:r>
+                          <a:rPr lang="en-US" sz="1600" b="1" i="1" smtClean="0">
+                            <a:latin typeface="Cambria Math" panose="02040503050406030204" pitchFamily="18" charset="0"/>
+                          </a:rPr>
+                          <m:t>𝒑</m:t>
+                        </m:r>
+                        <m:d>
+                          <m:dPr>
+                            <m:ctrlPr>
+                              <a:rPr lang="en-US" sz="1600" b="1" i="1" smtClean="0">
+                                <a:latin typeface="Cambria Math" panose="02040503050406030204" pitchFamily="18" charset="0"/>
+                              </a:rPr>
+                            </m:ctrlPr>
+                          </m:dPr>
+                          <m:e>
+                            <m:r>
+                              <a:rPr lang="en-US" sz="1600" b="1" i="1" smtClean="0">
+                                <a:latin typeface="Cambria Math" panose="02040503050406030204" pitchFamily="18" charset="0"/>
+                              </a:rPr>
+                              <m:t>𝒙</m:t>
+                            </m:r>
+                          </m:e>
+                        </m:d>
+                      </m:e>
+                    </m:d>
+                  </m:oMath>
+                </a14:m>
+                <a:endParaRPr lang="en-US" sz="1600" b="1" dirty="0"/>
+              </a:p>
+              <a:p>
+                <a:r>
+                  <a:rPr lang="en-US" sz="1600" dirty="0"/>
+                  <a:t>Entropy is the </a:t>
+                </a:r>
+                <a:r>
+                  <a:rPr lang="en-US" sz="1600" b="1" dirty="0"/>
+                  <a:t>expected value of surprisal </a:t>
+                </a:r>
+                <a:r>
+                  <a:rPr lang="en-US" sz="1600" dirty="0"/>
+                  <a:t>across every possible outcome</a:t>
+                </a:r>
+              </a:p>
+              <a:p>
+                <a:r>
+                  <a:rPr lang="en-US" sz="1600" b="1" i="1" dirty="0">
+                    <a:latin typeface="Cambria Math" panose="02040503050406030204" pitchFamily="18" charset="0"/>
+                  </a:rPr>
+                  <a:t>Entropy = </a:t>
+                </a:r>
+                <a14:m>
+                  <m:oMath xmlns:m="http://schemas.openxmlformats.org/officeDocument/2006/math">
+                    <m:r>
+                      <a:rPr lang="en-US" sz="1600" b="1" i="1" dirty="0">
+                        <a:latin typeface="Cambria Math" panose="02040503050406030204" pitchFamily="18" charset="0"/>
+                      </a:rPr>
+                      <m:t>𝑯</m:t>
+                    </m:r>
+                    <m:d>
+                      <m:dPr>
+                        <m:ctrlPr>
+                          <a:rPr lang="en-US" sz="1600" b="1" i="1" dirty="0">
+                            <a:latin typeface="Cambria Math" panose="02040503050406030204" pitchFamily="18" charset="0"/>
+                          </a:rPr>
+                        </m:ctrlPr>
+                      </m:dPr>
+                      <m:e>
+                        <m:r>
+                          <a:rPr lang="en-US" sz="1600" b="1" i="1" dirty="0">
+                            <a:latin typeface="Cambria Math" panose="02040503050406030204" pitchFamily="18" charset="0"/>
+                          </a:rPr>
+                          <m:t>𝒑</m:t>
+                        </m:r>
+                      </m:e>
+                    </m:d>
+                    <m:r>
+                      <a:rPr lang="en-US" sz="1600" b="1" i="1" dirty="0">
+                        <a:latin typeface="Cambria Math" panose="02040503050406030204" pitchFamily="18" charset="0"/>
+                      </a:rPr>
+                      <m:t>=−</m:t>
+                    </m:r>
+                    <m:nary>
+                      <m:naryPr>
+                        <m:chr m:val="∑"/>
+                        <m:limLoc m:val="undOvr"/>
+                        <m:grow m:val="on"/>
+                        <m:supHide m:val="on"/>
+                        <m:ctrlPr>
+                          <a:rPr lang="en-US" sz="1600" b="1" i="1" dirty="0">
+                            <a:latin typeface="Cambria Math" panose="02040503050406030204" pitchFamily="18" charset="0"/>
+                          </a:rPr>
+                        </m:ctrlPr>
+                      </m:naryPr>
+                      <m:sub>
+                        <m:r>
+                          <a:rPr lang="en-US" sz="1600" b="1" i="1" dirty="0">
+                            <a:latin typeface="Cambria Math" panose="02040503050406030204" pitchFamily="18" charset="0"/>
+                          </a:rPr>
+                          <m:t>𝒊</m:t>
+                        </m:r>
+                      </m:sub>
+                      <m:sup/>
+                      <m:e>
+                        <m:sSub>
+                          <m:sSubPr>
+                            <m:ctrlPr>
+                              <a:rPr lang="en-US" sz="1600" b="1" i="1" dirty="0">
+                                <a:latin typeface="Cambria Math" panose="02040503050406030204" pitchFamily="18" charset="0"/>
+                              </a:rPr>
+                            </m:ctrlPr>
+                          </m:sSubPr>
+                          <m:e>
+                            <m:r>
+                              <a:rPr lang="en-US" sz="1600" b="1" i="1" dirty="0">
+                                <a:latin typeface="Cambria Math" panose="02040503050406030204" pitchFamily="18" charset="0"/>
+                              </a:rPr>
+                              <m:t>𝒑</m:t>
+                            </m:r>
+                          </m:e>
+                          <m:sub>
+                            <m:r>
+                              <a:rPr lang="en-US" sz="1600" b="1" i="1" dirty="0">
+                                <a:latin typeface="Cambria Math" panose="02040503050406030204" pitchFamily="18" charset="0"/>
+                              </a:rPr>
+                              <m:t>𝒊</m:t>
+                            </m:r>
+                          </m:sub>
+                        </m:sSub>
+                        <m:func>
+                          <m:funcPr>
+                            <m:ctrlPr>
+                              <a:rPr lang="en-US" sz="1600" b="1" i="1" dirty="0">
+                                <a:latin typeface="Cambria Math" panose="02040503050406030204" pitchFamily="18" charset="0"/>
+                              </a:rPr>
+                            </m:ctrlPr>
+                          </m:funcPr>
+                          <m:fName>
+                            <m:sSub>
+                              <m:sSubPr>
+                                <m:ctrlPr>
+                                  <a:rPr lang="en-US" sz="1600" b="1" i="1" dirty="0">
+                                    <a:latin typeface="Cambria Math" panose="02040503050406030204" pitchFamily="18" charset="0"/>
+                                  </a:rPr>
+                                </m:ctrlPr>
+                              </m:sSubPr>
+                              <m:e>
+                                <m:r>
+                                  <a:rPr lang="en-US" sz="1600" b="1" i="1" dirty="0">
+                                    <a:latin typeface="Cambria Math" panose="02040503050406030204" pitchFamily="18" charset="0"/>
+                                  </a:rPr>
+                                  <m:t>𝐥𝐨𝐠</m:t>
+                                </m:r>
+                              </m:e>
+                              <m:sub>
+                                <m:r>
+                                  <a:rPr lang="en-US" sz="1600" b="1" i="1" dirty="0">
+                                    <a:latin typeface="Cambria Math" panose="02040503050406030204" pitchFamily="18" charset="0"/>
+                                  </a:rPr>
+                                  <m:t>𝟐</m:t>
+                                </m:r>
+                              </m:sub>
+                            </m:sSub>
+                          </m:fName>
+                          <m:e>
+                            <m:d>
+                              <m:dPr>
+                                <m:ctrlPr>
+                                  <a:rPr lang="en-US" sz="1600" b="1" i="1" dirty="0">
+                                    <a:latin typeface="Cambria Math" panose="02040503050406030204" pitchFamily="18" charset="0"/>
+                                  </a:rPr>
+                                </m:ctrlPr>
+                              </m:dPr>
+                              <m:e>
+                                <m:sSub>
+                                  <m:sSubPr>
+                                    <m:ctrlPr>
+                                      <a:rPr lang="en-US" sz="1600" b="1" i="1" dirty="0">
+                                        <a:latin typeface="Cambria Math" panose="02040503050406030204" pitchFamily="18" charset="0"/>
+                                      </a:rPr>
+                                    </m:ctrlPr>
+                                  </m:sSubPr>
+                                  <m:e>
+                                    <m:r>
+                                      <a:rPr lang="en-US" sz="1600" b="1" i="1" dirty="0">
+                                        <a:latin typeface="Cambria Math" panose="02040503050406030204" pitchFamily="18" charset="0"/>
+                                      </a:rPr>
+                                      <m:t>𝒑</m:t>
+                                    </m:r>
+                                  </m:e>
+                                  <m:sub>
+                                    <m:r>
+                                      <a:rPr lang="en-US" sz="1600" b="1" i="1" dirty="0">
+                                        <a:latin typeface="Cambria Math" panose="02040503050406030204" pitchFamily="18" charset="0"/>
+                                      </a:rPr>
+                                      <m:t>𝒊</m:t>
+                                    </m:r>
+                                  </m:sub>
+                                </m:sSub>
+                              </m:e>
+                            </m:d>
+                          </m:e>
+                        </m:func>
+                      </m:e>
+                    </m:nary>
+                  </m:oMath>
+                </a14:m>
+                <a:endParaRPr lang="en-US" sz="1600" b="1" i="1" dirty="0">
+                  <a:latin typeface="Cambria Math" panose="02040503050406030204" pitchFamily="18" charset="0"/>
+                </a:endParaRPr>
+              </a:p>
+              <a:p>
+                <a14:m>
+                  <m:oMath xmlns:m="http://schemas.openxmlformats.org/officeDocument/2006/math">
+                    <m:r>
+                      <a:rPr lang="en-US" sz="1600" b="1" i="1" smtClean="0">
+                        <a:latin typeface="Cambria Math" panose="02040503050406030204" pitchFamily="18" charset="0"/>
+                      </a:rPr>
+                      <m:t>𝑷𝒆𝒓𝒑𝒍𝒆𝒙𝒊𝒕𝒚</m:t>
+                    </m:r>
+                    <m:r>
+                      <a:rPr lang="en-US" sz="1600" b="1" i="1" smtClean="0">
+                        <a:latin typeface="Cambria Math" panose="02040503050406030204" pitchFamily="18" charset="0"/>
+                      </a:rPr>
+                      <m:t>=</m:t>
+                    </m:r>
+                    <m:sSup>
+                      <m:sSupPr>
+                        <m:ctrlPr>
+                          <a:rPr lang="en-US" sz="1600" b="1" i="1" smtClean="0">
+                            <a:latin typeface="Cambria Math" panose="02040503050406030204" pitchFamily="18" charset="0"/>
+                          </a:rPr>
+                        </m:ctrlPr>
+                      </m:sSupPr>
+                      <m:e>
+                        <m:r>
+                          <a:rPr lang="en-US" sz="1600" b="1" i="1" smtClean="0">
+                            <a:latin typeface="Cambria Math" panose="02040503050406030204" pitchFamily="18" charset="0"/>
+                          </a:rPr>
+                          <m:t>𝟐</m:t>
+                        </m:r>
+                      </m:e>
+                      <m:sup>
+                        <m:r>
+                          <a:rPr lang="en-US" sz="1600" b="1" i="1" smtClean="0">
+                            <a:latin typeface="Cambria Math" panose="02040503050406030204" pitchFamily="18" charset="0"/>
+                          </a:rPr>
+                          <m:t>𝑯</m:t>
+                        </m:r>
+                        <m:r>
+                          <a:rPr lang="en-US" sz="1600" b="1" i="1" smtClean="0">
+                            <a:latin typeface="Cambria Math" panose="02040503050406030204" pitchFamily="18" charset="0"/>
+                          </a:rPr>
+                          <m:t>(</m:t>
+                        </m:r>
+                        <m:r>
+                          <a:rPr lang="en-US" sz="1600" b="1" i="1" smtClean="0">
+                            <a:latin typeface="Cambria Math" panose="02040503050406030204" pitchFamily="18" charset="0"/>
+                          </a:rPr>
+                          <m:t>𝒑</m:t>
+                        </m:r>
+                        <m:r>
+                          <a:rPr lang="en-US" sz="1600" b="1" i="1" smtClean="0">
+                            <a:latin typeface="Cambria Math" panose="02040503050406030204" pitchFamily="18" charset="0"/>
+                          </a:rPr>
+                          <m:t>)</m:t>
+                        </m:r>
+                      </m:sup>
+                    </m:sSup>
+                    <m:r>
+                      <a:rPr lang="en-US" sz="1600" b="1" i="1" smtClean="0">
+                        <a:latin typeface="Cambria Math" panose="02040503050406030204" pitchFamily="18" charset="0"/>
+                      </a:rPr>
+                      <m:t>=</m:t>
+                    </m:r>
+                    <m:sSup>
+                      <m:sSupPr>
+                        <m:ctrlPr>
+                          <a:rPr lang="en-US" sz="1600" b="1" i="1" smtClean="0">
+                            <a:latin typeface="Cambria Math" panose="02040503050406030204" pitchFamily="18" charset="0"/>
+                          </a:rPr>
+                        </m:ctrlPr>
+                      </m:sSupPr>
+                      <m:e>
+                        <m:r>
+                          <a:rPr lang="en-US" sz="1600" b="1" i="1" smtClean="0">
+                            <a:latin typeface="Cambria Math" panose="02040503050406030204" pitchFamily="18" charset="0"/>
+                          </a:rPr>
+                          <m:t>𝟐</m:t>
+                        </m:r>
+                      </m:e>
+                      <m:sup>
+                        <m:r>
+                          <a:rPr lang="en-US" sz="1600" b="1" dirty="0">
+                            <a:latin typeface="Cambria Math" panose="02040503050406030204" pitchFamily="18" charset="0"/>
+                          </a:rPr>
+                          <m:t>−</m:t>
+                        </m:r>
+                        <m:nary>
+                          <m:naryPr>
+                            <m:chr m:val="∑"/>
+                            <m:limLoc m:val="undOvr"/>
+                            <m:grow m:val="on"/>
+                            <m:supHide m:val="on"/>
+                            <m:ctrlPr>
+                              <a:rPr lang="en-US" sz="1600" b="1" i="1" dirty="0">
+                                <a:latin typeface="Cambria Math" panose="02040503050406030204" pitchFamily="18" charset="0"/>
+                              </a:rPr>
+                            </m:ctrlPr>
+                          </m:naryPr>
+                          <m:sub>
+                            <m:r>
+                              <a:rPr lang="en-US" sz="1600" b="1" i="1" dirty="0">
+                                <a:latin typeface="Cambria Math" panose="02040503050406030204" pitchFamily="18" charset="0"/>
+                              </a:rPr>
+                              <m:t>𝒊</m:t>
+                            </m:r>
+                          </m:sub>
+                          <m:sup/>
+                          <m:e>
+                            <m:sSub>
+                              <m:sSubPr>
+                                <m:ctrlPr>
+                                  <a:rPr lang="en-US" sz="1600" b="1" i="1" dirty="0">
+                                    <a:latin typeface="Cambria Math" panose="02040503050406030204" pitchFamily="18" charset="0"/>
+                                  </a:rPr>
+                                </m:ctrlPr>
+                              </m:sSubPr>
+                              <m:e>
+                                <m:r>
+                                  <a:rPr lang="en-US" sz="1600" b="1" i="1" dirty="0">
+                                    <a:latin typeface="Cambria Math" panose="02040503050406030204" pitchFamily="18" charset="0"/>
+                                  </a:rPr>
+                                  <m:t>𝒑</m:t>
+                                </m:r>
+                              </m:e>
+                              <m:sub>
+                                <m:r>
+                                  <a:rPr lang="en-US" sz="1600" b="1" i="1" dirty="0">
+                                    <a:latin typeface="Cambria Math" panose="02040503050406030204" pitchFamily="18" charset="0"/>
+                                  </a:rPr>
+                                  <m:t>𝒊</m:t>
+                                </m:r>
+                              </m:sub>
+                            </m:sSub>
+                            <m:func>
+                              <m:funcPr>
+                                <m:ctrlPr>
+                                  <a:rPr lang="en-US" sz="1600" b="1" i="1" dirty="0">
+                                    <a:latin typeface="Cambria Math" panose="02040503050406030204" pitchFamily="18" charset="0"/>
+                                  </a:rPr>
+                                </m:ctrlPr>
+                              </m:funcPr>
+                              <m:fName>
+                                <m:sSub>
+                                  <m:sSubPr>
+                                    <m:ctrlPr>
+                                      <a:rPr lang="en-US" sz="1600" b="1" i="1" dirty="0">
+                                        <a:latin typeface="Cambria Math" panose="02040503050406030204" pitchFamily="18" charset="0"/>
+                                      </a:rPr>
+                                    </m:ctrlPr>
+                                  </m:sSubPr>
+                                  <m:e>
+                                    <m:r>
+                                      <a:rPr lang="en-US" sz="1600" b="1" dirty="0">
+                                        <a:latin typeface="Cambria Math" panose="02040503050406030204" pitchFamily="18" charset="0"/>
+                                      </a:rPr>
+                                      <m:t>𝐥𝐨𝐠</m:t>
+                                    </m:r>
+                                  </m:e>
+                                  <m:sub>
+                                    <m:r>
+                                      <a:rPr lang="en-US" sz="1600" b="1" dirty="0">
+                                        <a:latin typeface="Cambria Math" panose="02040503050406030204" pitchFamily="18" charset="0"/>
+                                      </a:rPr>
+                                      <m:t>𝟐</m:t>
+                                    </m:r>
+                                  </m:sub>
+                                </m:sSub>
+                              </m:fName>
+                              <m:e>
+                                <m:d>
+                                  <m:dPr>
+                                    <m:ctrlPr>
+                                      <a:rPr lang="en-US" sz="1600" b="1" i="1" dirty="0">
+                                        <a:latin typeface="Cambria Math" panose="02040503050406030204" pitchFamily="18" charset="0"/>
+                                      </a:rPr>
+                                    </m:ctrlPr>
+                                  </m:dPr>
+                                  <m:e>
+                                    <m:sSub>
+                                      <m:sSubPr>
+                                        <m:ctrlPr>
+                                          <a:rPr lang="en-US" sz="1600" b="1" i="1" dirty="0">
+                                            <a:latin typeface="Cambria Math" panose="02040503050406030204" pitchFamily="18" charset="0"/>
+                                          </a:rPr>
+                                        </m:ctrlPr>
+                                      </m:sSubPr>
+                                      <m:e>
+                                        <m:r>
+                                          <a:rPr lang="en-US" sz="1600" b="1" i="1" dirty="0">
+                                            <a:latin typeface="Cambria Math" panose="02040503050406030204" pitchFamily="18" charset="0"/>
+                                          </a:rPr>
+                                          <m:t>𝒑</m:t>
+                                        </m:r>
+                                      </m:e>
+                                      <m:sub>
+                                        <m:r>
+                                          <a:rPr lang="en-US" sz="1600" b="1" i="1" dirty="0">
+                                            <a:latin typeface="Cambria Math" panose="02040503050406030204" pitchFamily="18" charset="0"/>
+                                          </a:rPr>
+                                          <m:t>𝒊</m:t>
+                                        </m:r>
+                                      </m:sub>
+                                    </m:sSub>
+                                  </m:e>
+                                </m:d>
+                              </m:e>
+                            </m:func>
+                          </m:e>
+                        </m:nary>
+                      </m:sup>
+                    </m:sSup>
+                  </m:oMath>
+                </a14:m>
+                <a:endParaRPr lang="en-US" sz="1200" b="1" dirty="0"/>
+              </a:p>
+              <a:p>
+                <a:endParaRPr lang="en-US" sz="1200" b="1" dirty="0"/>
+              </a:p>
+              <a:p>
+                <a:r>
+                  <a:rPr lang="en-US" sz="1600" dirty="0"/>
+                  <a:t>Interpretations:  Lower Perplexity </a:t>
+                </a:r>
+                <a:r>
+                  <a:rPr lang="en-US" sz="1600" dirty="0">
+                    <a:sym typeface="Wingdings" panose="05000000000000000000" pitchFamily="2" charset="2"/>
+                  </a:rPr>
+                  <a:t> More Certainty  Stronger model</a:t>
+                </a:r>
+              </a:p>
+              <a:p>
+                <a:r>
+                  <a:rPr lang="en-US" sz="1600" dirty="0">
+                    <a:sym typeface="Wingdings" panose="05000000000000000000" pitchFamily="2" charset="2"/>
+                  </a:rPr>
+                  <a:t>Used case: dialog generation</a:t>
+                </a:r>
+              </a:p>
+              <a:p>
+                <a:endParaRPr lang="en-US" sz="1600" dirty="0">
+                  <a:sym typeface="Wingdings" panose="05000000000000000000" pitchFamily="2" charset="2"/>
+                </a:endParaRPr>
+              </a:p>
+              <a:p>
+                <a:r>
+                  <a:rPr lang="en-US" sz="1600" dirty="0">
+                    <a:sym typeface="Wingdings" panose="05000000000000000000" pitchFamily="2" charset="2"/>
+                  </a:rPr>
+                  <a:t>References:</a:t>
+                </a:r>
+              </a:p>
+              <a:p>
+                <a:pPr lvl="1"/>
+                <a:r>
+                  <a:rPr lang="en-US" sz="1200" dirty="0">
+                    <a:hlinkClick r:id="rId2"/>
+                  </a:rPr>
+                  <a:t>https://www.surgehq.ai/blog/how-good-is-your-chatbot-an-introduction-to-perplexity-in-nlp</a:t>
+                </a:r>
+                <a:endParaRPr lang="en-US" sz="1200" dirty="0">
+                  <a:sym typeface="Wingdings" panose="05000000000000000000" pitchFamily="2" charset="2"/>
+                </a:endParaRPr>
+              </a:p>
+              <a:p>
+                <a:pPr lvl="1"/>
+                <a:r>
+                  <a:rPr lang="en-US" sz="1200" dirty="0">
+                    <a:hlinkClick r:id="rId3"/>
+                  </a:rPr>
+                  <a:t>https://towardsdatascience.com/perplexity-in-language-models-87a196019a94</a:t>
+                </a:r>
+                <a:endParaRPr lang="en-US" sz="1200" dirty="0">
+                  <a:sym typeface="Wingdings" panose="05000000000000000000" pitchFamily="2" charset="2"/>
+                </a:endParaRPr>
+              </a:p>
+              <a:p>
+                <a:pPr lvl="1"/>
+                <a:r>
+                  <a:rPr lang="en-US" sz="1200" dirty="0">
+                    <a:hlinkClick r:id="rId4"/>
+                  </a:rPr>
+                  <a:t>https://towardsdatascience.com/the-relationship-between-perplexity-and-entropy-in-nlp-f81888775ccc</a:t>
+                </a:r>
+                <a:endParaRPr lang="en-US" sz="1200" dirty="0"/>
+              </a:p>
+              <a:p>
+                <a:endParaRPr lang="en-US" sz="1200" b="1" dirty="0"/>
+              </a:p>
+              <a:p>
+                <a:endParaRPr lang="en-US" sz="1200" b="1" dirty="0"/>
+              </a:p>
+            </p:txBody>
+          </p:sp>
+        </mc:Choice>
+        <mc:Fallback>
+          <p:sp>
+            <p:nvSpPr>
+              <p:cNvPr id="13" name="Content Placeholder 2">
+                <a:extLst>
+                  <a:ext uri="{FF2B5EF4-FFF2-40B4-BE49-F238E27FC236}">
+                    <a16:creationId xmlns:a16="http://schemas.microsoft.com/office/drawing/2014/main" id="{7966A3DF-94E6-4A4C-8F9A-60ACD198AAD7}"/>
+                  </a:ext>
+                </a:extLst>
+              </p:cNvPr>
+              <p:cNvSpPr>
+                <a:spLocks noGrp="1" noRot="1" noChangeAspect="1" noMove="1" noResize="1" noEditPoints="1" noAdjustHandles="1" noChangeArrowheads="1" noChangeShapeType="1" noTextEdit="1"/>
+              </p:cNvSpPr>
+              <p:nvPr>
+                <p:ph idx="1"/>
+              </p:nvPr>
+            </p:nvSpPr>
+            <p:spPr>
+              <a:xfrm>
+                <a:off x="838200" y="1253331"/>
+                <a:ext cx="10515600" cy="4351338"/>
+              </a:xfrm>
+              <a:blipFill>
+                <a:blip r:embed="rId5"/>
+                <a:stretch>
+                  <a:fillRect l="-174" t="-1262" r="-522"/>
+                </a:stretch>
+              </a:blipFill>
+            </p:spPr>
+            <p:txBody>
+              <a:bodyPr/>
+              <a:lstStyle/>
+              <a:p>
+                <a:r>
+                  <a:rPr lang="en-US">
+                    <a:noFill/>
+                  </a:rPr>
+                  <a:t> </a:t>
+                </a:r>
+              </a:p>
+            </p:txBody>
+          </p:sp>
+        </mc:Fallback>
+      </mc:AlternateContent>
+    </p:spTree>
+    <p:extLst>
+      <p:ext uri="{BB962C8B-B14F-4D97-AF65-F5344CB8AC3E}">
+        <p14:creationId xmlns:p14="http://schemas.microsoft.com/office/powerpoint/2010/main" val="318722915"/>
+      </p:ext>
+    </p:extLst>
+  </p:cSld>
+  <p:clrMapOvr>
+    <a:masterClrMapping/>
+  </p:clrMapOvr>
+</p:sld>
+</file>
+
+<file path=ppt/slides/slide11.xml><?xml version="1.0" encoding="utf-8"?>
+<p:sld xmlns:a="http://schemas.openxmlformats.org/drawingml/2006/main" xmlns:r="http://schemas.openxmlformats.org/officeDocument/2006/relationships" xmlns:p="http://schemas.openxmlformats.org/presentationml/2006/main">
+  <p:cSld>
+    <p:spTree>
+      <p:nvGrpSpPr>
+        <p:cNvPr id="1" name=""/>
+        <p:cNvGrpSpPr/>
+        <p:nvPr/>
+      </p:nvGrpSpPr>
+      <p:grpSpPr>
+        <a:xfrm>
+          <a:off x="0" y="0"/>
+          <a:ext cx="0" cy="0"/>
+          <a:chOff x="0" y="0"/>
+          <a:chExt cx="0" cy="0"/>
+        </a:xfrm>
+      </p:grpSpPr>
+      <p:sp>
+        <p:nvSpPr>
+          <p:cNvPr id="4" name="Footer Placeholder 3">
+            <a:extLst>
+              <a:ext uri="{FF2B5EF4-FFF2-40B4-BE49-F238E27FC236}">
+                <a16:creationId xmlns:a16="http://schemas.microsoft.com/office/drawing/2014/main" id="{B616B34A-879D-4EE6-BC5A-001F4917872B}"/>
+              </a:ext>
+            </a:extLst>
+          </p:cNvPr>
+          <p:cNvSpPr>
+            <a:spLocks noGrp="1"/>
+          </p:cNvSpPr>
+          <p:nvPr>
+            <p:ph type="ftr" sz="quarter" idx="11"/>
+          </p:nvPr>
+        </p:nvSpPr>
+        <p:spPr/>
+        <p:txBody>
+          <a:bodyPr/>
+          <a:lstStyle/>
+          <a:p>
+            <a:r>
+              <a:rPr lang="en-US"/>
+              <a:t>NLP COE</a:t>
+            </a:r>
+          </a:p>
+        </p:txBody>
+      </p:sp>
+      <p:sp>
+        <p:nvSpPr>
+          <p:cNvPr id="5" name="Slide Number Placeholder 4">
+            <a:extLst>
+              <a:ext uri="{FF2B5EF4-FFF2-40B4-BE49-F238E27FC236}">
+                <a16:creationId xmlns:a16="http://schemas.microsoft.com/office/drawing/2014/main" id="{B4DC7B9C-E7F2-482C-A87D-988E6E9D9B84}"/>
+              </a:ext>
+            </a:extLst>
+          </p:cNvPr>
+          <p:cNvSpPr>
+            <a:spLocks noGrp="1"/>
+          </p:cNvSpPr>
+          <p:nvPr>
+            <p:ph type="sldNum" sz="quarter" idx="12"/>
+          </p:nvPr>
+        </p:nvSpPr>
+        <p:spPr/>
+        <p:txBody>
+          <a:bodyPr/>
+          <a:lstStyle/>
+          <a:p>
+            <a:fld id="{28C167EA-80E2-4EC1-B2DF-B4278EFC6F4B}" type="slidenum">
+              <a:rPr lang="en-US" smtClean="0"/>
+              <a:t>11</a:t>
+            </a:fld>
+            <a:endParaRPr lang="en-US"/>
+          </a:p>
+        </p:txBody>
+      </p:sp>
+      <p:sp>
+        <p:nvSpPr>
+          <p:cNvPr id="8" name="Title 1">
+            <a:extLst>
+              <a:ext uri="{FF2B5EF4-FFF2-40B4-BE49-F238E27FC236}">
+                <a16:creationId xmlns:a16="http://schemas.microsoft.com/office/drawing/2014/main" id="{FED78235-0A34-41FB-BE2B-2055F9BF4C0B}"/>
+              </a:ext>
+            </a:extLst>
+          </p:cNvPr>
+          <p:cNvSpPr>
+            <a:spLocks noGrp="1"/>
+          </p:cNvSpPr>
+          <p:nvPr>
+            <p:ph type="title"/>
+          </p:nvPr>
+        </p:nvSpPr>
+        <p:spPr>
+          <a:xfrm>
+            <a:off x="838200" y="365126"/>
+            <a:ext cx="10515600" cy="771912"/>
+          </a:xfrm>
+        </p:spPr>
+        <p:txBody>
+          <a:bodyPr>
+            <a:normAutofit/>
+          </a:bodyPr>
+          <a:lstStyle/>
+          <a:p>
+            <a:r>
+              <a:rPr lang="en-US" sz="2400" b="1" dirty="0"/>
+              <a:t>Distinct Score</a:t>
+            </a:r>
+          </a:p>
+        </p:txBody>
+      </p:sp>
+      <p:sp>
+        <p:nvSpPr>
+          <p:cNvPr id="9" name="Content Placeholder 2">
+            <a:extLst>
+              <a:ext uri="{FF2B5EF4-FFF2-40B4-BE49-F238E27FC236}">
+                <a16:creationId xmlns:a16="http://schemas.microsoft.com/office/drawing/2014/main" id="{F52E4C19-ED65-42E0-81EE-DEA2BF98F835}"/>
+              </a:ext>
+            </a:extLst>
+          </p:cNvPr>
+          <p:cNvSpPr txBox="1">
+            <a:spLocks/>
+          </p:cNvSpPr>
+          <p:nvPr/>
+        </p:nvSpPr>
+        <p:spPr>
+          <a:xfrm>
+            <a:off x="838200" y="1230083"/>
+            <a:ext cx="10515600" cy="4351338"/>
+          </a:xfrm>
+          <a:prstGeom prst="rect">
+            <a:avLst/>
+          </a:prstGeom>
+        </p:spPr>
+        <p:txBody>
+          <a:bodyPr vert="horz" lIns="91440" tIns="45720" rIns="91440" bIns="45720" rtlCol="0">
+            <a:normAutofit/>
+          </a:bodyPr>
+          <a:lstStyle>
+            <a:lvl1pPr marL="228600" indent="-228600" algn="l" defTabSz="914400" rtl="0" eaLnBrk="1" latinLnBrk="0" hangingPunct="1">
+              <a:lnSpc>
+                <a:spcPct val="90000"/>
+              </a:lnSpc>
+              <a:spcBef>
+                <a:spcPts val="1000"/>
+              </a:spcBef>
+              <a:buFont typeface="Arial" panose="020B0604020202020204" pitchFamily="34" charset="0"/>
+              <a:buChar char="•"/>
+              <a:defRPr sz="2800" kern="1200">
+                <a:solidFill>
+                  <a:schemeClr val="tx1"/>
+                </a:solidFill>
+                <a:latin typeface="+mn-lt"/>
+                <a:ea typeface="+mn-ea"/>
+                <a:cs typeface="+mn-cs"/>
+              </a:defRPr>
+            </a:lvl1pPr>
+            <a:lvl2pPr marL="685800" indent="-228600" algn="l" defTabSz="914400" rtl="0" eaLnBrk="1" latinLnBrk="0" hangingPunct="1">
+              <a:lnSpc>
+                <a:spcPct val="90000"/>
+              </a:lnSpc>
+              <a:spcBef>
+                <a:spcPts val="500"/>
+              </a:spcBef>
+              <a:buFont typeface="Arial" panose="020B0604020202020204" pitchFamily="34" charset="0"/>
+              <a:buChar char="•"/>
+              <a:defRPr sz="2400" kern="1200">
+                <a:solidFill>
+                  <a:schemeClr val="tx1"/>
+                </a:solidFill>
+                <a:latin typeface="+mn-lt"/>
+                <a:ea typeface="+mn-ea"/>
+                <a:cs typeface="+mn-cs"/>
+              </a:defRPr>
+            </a:lvl2pPr>
+            <a:lvl3pPr marL="1143000" indent="-228600" algn="l" defTabSz="914400" rtl="0" eaLnBrk="1" latinLnBrk="0" hangingPunct="1">
+              <a:lnSpc>
+                <a:spcPct val="90000"/>
+              </a:lnSpc>
+              <a:spcBef>
+                <a:spcPts val="500"/>
+              </a:spcBef>
+              <a:buFont typeface="Arial" panose="020B0604020202020204" pitchFamily="34" charset="0"/>
+              <a:buChar char="•"/>
+              <a:defRPr sz="2000" kern="1200">
+                <a:solidFill>
+                  <a:schemeClr val="tx1"/>
+                </a:solidFill>
+                <a:latin typeface="+mn-lt"/>
+                <a:ea typeface="+mn-ea"/>
+                <a:cs typeface="+mn-cs"/>
+              </a:defRPr>
+            </a:lvl3pPr>
+            <a:lvl4pPr marL="1600200" indent="-228600" algn="l" defTabSz="914400" rtl="0" eaLnBrk="1" latinLnBrk="0" hangingPunct="1">
+              <a:lnSpc>
+                <a:spcPct val="90000"/>
+              </a:lnSpc>
+              <a:spcBef>
+                <a:spcPts val="500"/>
+              </a:spcBef>
+              <a:buFont typeface="Arial" panose="020B0604020202020204" pitchFamily="34" charset="0"/>
+              <a:buChar char="•"/>
+              <a:defRPr sz="1800" kern="1200">
+                <a:solidFill>
+                  <a:schemeClr val="tx1"/>
+                </a:solidFill>
+                <a:latin typeface="+mn-lt"/>
+                <a:ea typeface="+mn-ea"/>
+                <a:cs typeface="+mn-cs"/>
+              </a:defRPr>
+            </a:lvl4pPr>
+            <a:lvl5pPr marL="2057400" indent="-228600" algn="l" defTabSz="914400" rtl="0" eaLnBrk="1" latinLnBrk="0" hangingPunct="1">
+              <a:lnSpc>
+                <a:spcPct val="90000"/>
+              </a:lnSpc>
+              <a:spcBef>
+                <a:spcPts val="500"/>
+              </a:spcBef>
+              <a:buFont typeface="Arial" panose="020B0604020202020204" pitchFamily="34" charset="0"/>
+              <a:buChar char="•"/>
+              <a:defRPr sz="1800" kern="1200">
+                <a:solidFill>
+                  <a:schemeClr val="tx1"/>
+                </a:solidFill>
+                <a:latin typeface="+mn-lt"/>
+                <a:ea typeface="+mn-ea"/>
+                <a:cs typeface="+mn-cs"/>
+              </a:defRPr>
+            </a:lvl5pPr>
+            <a:lvl6pPr marL="2514600" indent="-228600" algn="l" defTabSz="914400" rtl="0" eaLnBrk="1" latinLnBrk="0" hangingPunct="1">
+              <a:lnSpc>
+                <a:spcPct val="90000"/>
+              </a:lnSpc>
+              <a:spcBef>
+                <a:spcPts val="500"/>
+              </a:spcBef>
+              <a:buFont typeface="Arial" panose="020B0604020202020204" pitchFamily="34" charset="0"/>
+              <a:buChar char="•"/>
+              <a:defRPr sz="1800" kern="1200">
+                <a:solidFill>
+                  <a:schemeClr val="tx1"/>
+                </a:solidFill>
+                <a:latin typeface="+mn-lt"/>
+                <a:ea typeface="+mn-ea"/>
+                <a:cs typeface="+mn-cs"/>
+              </a:defRPr>
+            </a:lvl6pPr>
+            <a:lvl7pPr marL="2971800" indent="-228600" algn="l" defTabSz="914400" rtl="0" eaLnBrk="1" latinLnBrk="0" hangingPunct="1">
+              <a:lnSpc>
+                <a:spcPct val="90000"/>
+              </a:lnSpc>
+              <a:spcBef>
+                <a:spcPts val="500"/>
+              </a:spcBef>
+              <a:buFont typeface="Arial" panose="020B0604020202020204" pitchFamily="34" charset="0"/>
+              <a:buChar char="•"/>
+              <a:defRPr sz="1800" kern="1200">
+                <a:solidFill>
+                  <a:schemeClr val="tx1"/>
+                </a:solidFill>
+                <a:latin typeface="+mn-lt"/>
+                <a:ea typeface="+mn-ea"/>
+                <a:cs typeface="+mn-cs"/>
+              </a:defRPr>
+            </a:lvl7pPr>
+            <a:lvl8pPr marL="3429000" indent="-228600" algn="l" defTabSz="914400" rtl="0" eaLnBrk="1" latinLnBrk="0" hangingPunct="1">
+              <a:lnSpc>
+                <a:spcPct val="90000"/>
+              </a:lnSpc>
+              <a:spcBef>
+                <a:spcPts val="500"/>
+              </a:spcBef>
+              <a:buFont typeface="Arial" panose="020B0604020202020204" pitchFamily="34" charset="0"/>
+              <a:buChar char="•"/>
+              <a:defRPr sz="1800" kern="1200">
+                <a:solidFill>
+                  <a:schemeClr val="tx1"/>
+                </a:solidFill>
+                <a:latin typeface="+mn-lt"/>
+                <a:ea typeface="+mn-ea"/>
+                <a:cs typeface="+mn-cs"/>
+              </a:defRPr>
+            </a:lvl8pPr>
+            <a:lvl9pPr marL="3886200" indent="-228600" algn="l" defTabSz="914400" rtl="0" eaLnBrk="1" latinLnBrk="0" hangingPunct="1">
+              <a:lnSpc>
+                <a:spcPct val="90000"/>
+              </a:lnSpc>
+              <a:spcBef>
+                <a:spcPts val="500"/>
+              </a:spcBef>
+              <a:buFont typeface="Arial" panose="020B0604020202020204" pitchFamily="34" charset="0"/>
+              <a:buChar char="•"/>
+              <a:defRPr sz="1800" kern="1200">
+                <a:solidFill>
+                  <a:schemeClr val="tx1"/>
+                </a:solidFill>
+                <a:latin typeface="+mn-lt"/>
+                <a:ea typeface="+mn-ea"/>
+                <a:cs typeface="+mn-cs"/>
+              </a:defRPr>
+            </a:lvl9pPr>
+          </a:lstStyle>
+          <a:p>
+            <a:endParaRPr lang="en-US" dirty="0"/>
+          </a:p>
+        </p:txBody>
+      </p:sp>
+      <mc:AlternateContent xmlns:mc="http://schemas.openxmlformats.org/markup-compatibility/2006">
+        <mc:Choice xmlns:a14="http://schemas.microsoft.com/office/drawing/2010/main" Requires="a14">
+          <p:sp>
+            <p:nvSpPr>
+              <p:cNvPr id="13" name="Content Placeholder 2">
+                <a:extLst>
+                  <a:ext uri="{FF2B5EF4-FFF2-40B4-BE49-F238E27FC236}">
+                    <a16:creationId xmlns:a16="http://schemas.microsoft.com/office/drawing/2014/main" id="{7966A3DF-94E6-4A4C-8F9A-60ACD198AAD7}"/>
+                  </a:ext>
+                </a:extLst>
+              </p:cNvPr>
+              <p:cNvSpPr>
+                <a:spLocks noGrp="1"/>
+              </p:cNvSpPr>
+              <p:nvPr>
+                <p:ph idx="1"/>
+              </p:nvPr>
+            </p:nvSpPr>
+            <p:spPr>
+              <a:xfrm>
+                <a:off x="838200" y="1253330"/>
+                <a:ext cx="10515600" cy="5103019"/>
+              </a:xfrm>
+            </p:spPr>
+            <p:txBody>
+              <a:bodyPr>
+                <a:normAutofit/>
+              </a:bodyPr>
+              <a:lstStyle/>
+              <a:p>
+                <a:r>
+                  <a:rPr lang="en-US" sz="1600" dirty="0"/>
+                  <a:t>To capture the textual diversity of the generated text by calculating the number of distinct n-grams</a:t>
+                </a:r>
+              </a:p>
+              <a:p>
+                <a:r>
+                  <a:rPr lang="en-US" sz="1600" dirty="0"/>
+                  <a:t>Used case </a:t>
+                </a:r>
+                <a:r>
+                  <a:rPr lang="en-US" sz="1600" dirty="0">
+                    <a:sym typeface="Wingdings" panose="05000000000000000000" pitchFamily="2" charset="2"/>
+                  </a:rPr>
+                  <a:t> when we need to diversify the outputs</a:t>
+                </a:r>
+              </a:p>
+              <a:p>
+                <a:endParaRPr lang="en-US" sz="1600" dirty="0">
+                  <a:sym typeface="Wingdings" panose="05000000000000000000" pitchFamily="2" charset="2"/>
+                </a:endParaRPr>
+              </a:p>
+              <a:p>
+                <a:endParaRPr lang="en-US" sz="1600" dirty="0">
+                  <a:sym typeface="Wingdings" panose="05000000000000000000" pitchFamily="2" charset="2"/>
+                </a:endParaRPr>
+              </a:p>
+              <a:p>
+                <a:endParaRPr lang="en-US" sz="1600" dirty="0">
+                  <a:sym typeface="Wingdings" panose="05000000000000000000" pitchFamily="2" charset="2"/>
+                </a:endParaRPr>
+              </a:p>
+              <a:p>
+                <a:endParaRPr lang="en-US" sz="1600" dirty="0">
+                  <a:sym typeface="Wingdings" panose="05000000000000000000" pitchFamily="2" charset="2"/>
+                </a:endParaRPr>
+              </a:p>
+              <a:p>
+                <a:endParaRPr lang="en-US" sz="1600" dirty="0">
+                  <a:sym typeface="Wingdings" panose="05000000000000000000" pitchFamily="2" charset="2"/>
+                </a:endParaRPr>
+              </a:p>
+              <a:p>
+                <a:endParaRPr lang="en-US" sz="1600" dirty="0">
+                  <a:sym typeface="Wingdings" panose="05000000000000000000" pitchFamily="2" charset="2"/>
+                </a:endParaRPr>
+              </a:p>
+              <a:p>
+                <a:r>
+                  <a:rPr lang="en-US" sz="1600" dirty="0">
+                    <a:sym typeface="Wingdings" panose="05000000000000000000" pitchFamily="2" charset="2"/>
+                  </a:rPr>
+                  <a:t>Good reply ≠ Good model</a:t>
+                </a:r>
+              </a:p>
+              <a:p>
+                <a14:m>
+                  <m:oMath xmlns:m="http://schemas.openxmlformats.org/officeDocument/2006/math">
+                    <m:r>
+                      <a:rPr lang="en-US" sz="1600" b="0" i="1" smtClean="0">
+                        <a:latin typeface="Cambria Math" panose="02040503050406030204" pitchFamily="18" charset="0"/>
+                      </a:rPr>
+                      <m:t>𝑠𝑐𝑜𝑟𝑒</m:t>
+                    </m:r>
+                    <m:r>
+                      <a:rPr lang="en-US" sz="1600" b="0" i="1" smtClean="0">
+                        <a:latin typeface="Cambria Math" panose="02040503050406030204" pitchFamily="18" charset="0"/>
+                      </a:rPr>
+                      <m:t>=</m:t>
+                    </m:r>
+                    <m:f>
+                      <m:fPr>
+                        <m:ctrlPr>
+                          <a:rPr lang="en-US" sz="1600" b="0" i="1" smtClean="0">
+                            <a:latin typeface="Cambria Math" panose="02040503050406030204" pitchFamily="18" charset="0"/>
+                          </a:rPr>
+                        </m:ctrlPr>
+                      </m:fPr>
+                      <m:num>
+                        <m:r>
+                          <a:rPr lang="en-US" sz="1600" b="0" i="1" smtClean="0">
+                            <a:latin typeface="Cambria Math" panose="02040503050406030204" pitchFamily="18" charset="0"/>
+                          </a:rPr>
+                          <m:t>𝑡𝑜𝑡𝑎𝑙</m:t>
+                        </m:r>
+                        <m:r>
+                          <a:rPr lang="en-US" sz="1600" b="0" i="1" smtClean="0">
+                            <a:latin typeface="Cambria Math" panose="02040503050406030204" pitchFamily="18" charset="0"/>
+                          </a:rPr>
+                          <m:t> </m:t>
+                        </m:r>
+                        <m:r>
+                          <a:rPr lang="en-US" sz="1600" b="0" i="1" smtClean="0">
+                            <a:latin typeface="Cambria Math" panose="02040503050406030204" pitchFamily="18" charset="0"/>
+                          </a:rPr>
+                          <m:t>𝑛𝑢𝑚𝑏𝑒𝑟</m:t>
+                        </m:r>
+                        <m:r>
+                          <a:rPr lang="en-US" sz="1600" b="0" i="1" smtClean="0">
+                            <a:latin typeface="Cambria Math" panose="02040503050406030204" pitchFamily="18" charset="0"/>
+                          </a:rPr>
+                          <m:t> </m:t>
+                        </m:r>
+                        <m:r>
+                          <a:rPr lang="en-US" sz="1600" b="0" i="1" smtClean="0">
+                            <a:latin typeface="Cambria Math" panose="02040503050406030204" pitchFamily="18" charset="0"/>
+                          </a:rPr>
+                          <m:t>𝑜𝑓</m:t>
+                        </m:r>
+                        <m:r>
+                          <a:rPr lang="en-US" sz="1600" b="0" i="1" smtClean="0">
+                            <a:latin typeface="Cambria Math" panose="02040503050406030204" pitchFamily="18" charset="0"/>
+                          </a:rPr>
+                          <m:t> </m:t>
+                        </m:r>
+                        <m:r>
+                          <a:rPr lang="en-US" sz="1600" b="0" i="1" smtClean="0">
+                            <a:latin typeface="Cambria Math" panose="02040503050406030204" pitchFamily="18" charset="0"/>
+                          </a:rPr>
+                          <m:t>𝑢𝑛𝑖𝑔𝑟𝑎𝑚𝑠</m:t>
+                        </m:r>
+                        <m:r>
+                          <a:rPr lang="en-US" sz="1600" b="0" i="1" smtClean="0">
+                            <a:latin typeface="Cambria Math" panose="02040503050406030204" pitchFamily="18" charset="0"/>
+                          </a:rPr>
+                          <m:t> </m:t>
+                        </m:r>
+                        <m:r>
+                          <a:rPr lang="en-US" sz="1600" b="0" i="1" smtClean="0">
+                            <a:latin typeface="Cambria Math" panose="02040503050406030204" pitchFamily="18" charset="0"/>
+                          </a:rPr>
+                          <m:t>𝑎𝑛𝑑</m:t>
+                        </m:r>
+                        <m:r>
+                          <a:rPr lang="en-US" sz="1600" b="0" i="1" smtClean="0">
+                            <a:latin typeface="Cambria Math" panose="02040503050406030204" pitchFamily="18" charset="0"/>
+                          </a:rPr>
+                          <m:t> </m:t>
+                        </m:r>
+                        <m:r>
+                          <a:rPr lang="en-US" sz="1600" b="0" i="1" smtClean="0">
+                            <a:latin typeface="Cambria Math" panose="02040503050406030204" pitchFamily="18" charset="0"/>
+                          </a:rPr>
+                          <m:t>𝑏𝑖𝑔𝑟𝑎𝑚𝑠</m:t>
+                        </m:r>
+                        <m:r>
+                          <a:rPr lang="en-US" sz="1600" b="0" i="1" smtClean="0">
+                            <a:latin typeface="Cambria Math" panose="02040503050406030204" pitchFamily="18" charset="0"/>
+                          </a:rPr>
+                          <m:t> </m:t>
+                        </m:r>
+                        <m:r>
+                          <a:rPr lang="en-US" sz="1600" b="0" i="1" smtClean="0">
+                            <a:latin typeface="Cambria Math" panose="02040503050406030204" pitchFamily="18" charset="0"/>
+                          </a:rPr>
+                          <m:t>𝑔𝑒𝑛𝑒𝑟𝑎𝑡𝑒𝑑</m:t>
+                        </m:r>
+                        <m:r>
+                          <a:rPr lang="en-US" sz="1600" b="0" i="1" smtClean="0">
+                            <a:latin typeface="Cambria Math" panose="02040503050406030204" pitchFamily="18" charset="0"/>
+                          </a:rPr>
+                          <m:t> </m:t>
+                        </m:r>
+                        <m:r>
+                          <a:rPr lang="en-US" sz="1600" b="0" i="1" smtClean="0">
+                            <a:latin typeface="Cambria Math" panose="02040503050406030204" pitchFamily="18" charset="0"/>
+                          </a:rPr>
+                          <m:t>𝑖𝑛</m:t>
+                        </m:r>
+                        <m:r>
+                          <a:rPr lang="en-US" sz="1600" b="0" i="1" smtClean="0">
+                            <a:latin typeface="Cambria Math" panose="02040503050406030204" pitchFamily="18" charset="0"/>
+                          </a:rPr>
+                          <m:t> </m:t>
+                        </m:r>
+                        <m:r>
+                          <a:rPr lang="en-US" sz="1600" b="0" i="1" smtClean="0">
+                            <a:latin typeface="Cambria Math" panose="02040503050406030204" pitchFamily="18" charset="0"/>
+                          </a:rPr>
+                          <m:t>𝑡h𝑒</m:t>
+                        </m:r>
+                        <m:r>
+                          <a:rPr lang="en-US" sz="1600" b="0" i="1" smtClean="0">
+                            <a:latin typeface="Cambria Math" panose="02040503050406030204" pitchFamily="18" charset="0"/>
+                          </a:rPr>
+                          <m:t> </m:t>
+                        </m:r>
+                        <m:r>
+                          <a:rPr lang="en-US" sz="1600" b="0" i="1" smtClean="0">
+                            <a:latin typeface="Cambria Math" panose="02040503050406030204" pitchFamily="18" charset="0"/>
+                          </a:rPr>
+                          <m:t>h𝑦𝑝𝑜𝑡h𝑒𝑠𝑖𝑠</m:t>
+                        </m:r>
+                      </m:num>
+                      <m:den>
+                        <m:r>
+                          <a:rPr lang="en-US" sz="1600" b="0" i="1" smtClean="0">
+                            <a:latin typeface="Cambria Math" panose="02040503050406030204" pitchFamily="18" charset="0"/>
+                          </a:rPr>
+                          <m:t>𝑡𝑜𝑡𝑎𝑙</m:t>
+                        </m:r>
+                        <m:r>
+                          <a:rPr lang="en-US" sz="1600" b="0" i="1" smtClean="0">
+                            <a:latin typeface="Cambria Math" panose="02040503050406030204" pitchFamily="18" charset="0"/>
+                          </a:rPr>
+                          <m:t> </m:t>
+                        </m:r>
+                        <m:r>
+                          <a:rPr lang="en-US" sz="1600" b="0" i="1" smtClean="0">
+                            <a:latin typeface="Cambria Math" panose="02040503050406030204" pitchFamily="18" charset="0"/>
+                          </a:rPr>
+                          <m:t>𝑛𝑢𝑚𝑏𝑒𝑟</m:t>
+                        </m:r>
+                        <m:r>
+                          <a:rPr lang="en-US" sz="1600" b="0" i="1" smtClean="0">
+                            <a:latin typeface="Cambria Math" panose="02040503050406030204" pitchFamily="18" charset="0"/>
+                          </a:rPr>
+                          <m:t> </m:t>
+                        </m:r>
+                        <m:r>
+                          <a:rPr lang="en-US" sz="1600" b="0" i="1" smtClean="0">
+                            <a:latin typeface="Cambria Math" panose="02040503050406030204" pitchFamily="18" charset="0"/>
+                          </a:rPr>
+                          <m:t>𝑜𝑓</m:t>
+                        </m:r>
+                        <m:r>
+                          <a:rPr lang="en-US" sz="1600" b="0" i="1" smtClean="0">
+                            <a:latin typeface="Cambria Math" panose="02040503050406030204" pitchFamily="18" charset="0"/>
+                          </a:rPr>
+                          <m:t> </m:t>
+                        </m:r>
+                        <m:r>
+                          <a:rPr lang="en-US" sz="1600" b="0" i="1" smtClean="0">
+                            <a:latin typeface="Cambria Math" panose="02040503050406030204" pitchFamily="18" charset="0"/>
+                          </a:rPr>
+                          <m:t>𝑡𝑜𝑘𝑒𝑛𝑠</m:t>
+                        </m:r>
+                        <m:r>
+                          <a:rPr lang="en-US" sz="1600" b="0" i="1" smtClean="0">
+                            <a:latin typeface="Cambria Math" panose="02040503050406030204" pitchFamily="18" charset="0"/>
+                          </a:rPr>
+                          <m:t> </m:t>
+                        </m:r>
+                        <m:r>
+                          <a:rPr lang="en-US" sz="1600" b="0" i="1" smtClean="0">
+                            <a:latin typeface="Cambria Math" panose="02040503050406030204" pitchFamily="18" charset="0"/>
+                          </a:rPr>
+                          <m:t>𝑖𝑛</m:t>
+                        </m:r>
+                        <m:r>
+                          <a:rPr lang="en-US" sz="1600" b="0" i="1" smtClean="0">
+                            <a:latin typeface="Cambria Math" panose="02040503050406030204" pitchFamily="18" charset="0"/>
+                          </a:rPr>
+                          <m:t> </m:t>
+                        </m:r>
+                        <m:r>
+                          <a:rPr lang="en-US" sz="1600" b="0" i="1" smtClean="0">
+                            <a:latin typeface="Cambria Math" panose="02040503050406030204" pitchFamily="18" charset="0"/>
+                          </a:rPr>
+                          <m:t>𝑡h𝑒</m:t>
+                        </m:r>
+                        <m:r>
+                          <a:rPr lang="en-US" sz="1600" b="0" i="1" smtClean="0">
+                            <a:latin typeface="Cambria Math" panose="02040503050406030204" pitchFamily="18" charset="0"/>
+                          </a:rPr>
+                          <m:t> </m:t>
+                        </m:r>
+                        <m:r>
+                          <a:rPr lang="en-US" sz="1600" b="0" i="1" smtClean="0">
+                            <a:latin typeface="Cambria Math" panose="02040503050406030204" pitchFamily="18" charset="0"/>
+                          </a:rPr>
+                          <m:t>h𝑦𝑝𝑜𝑡h𝑒𝑠𝑖𝑠</m:t>
+                        </m:r>
+                      </m:den>
+                    </m:f>
+                  </m:oMath>
+                </a14:m>
+                <a:endParaRPr lang="en-US" sz="1600" b="0" i="1" dirty="0">
+                  <a:latin typeface="Cambria Math" panose="02040503050406030204" pitchFamily="18" charset="0"/>
+                </a:endParaRPr>
+              </a:p>
+              <a:p>
+                <a:pPr marL="0" indent="0">
+                  <a:buNone/>
+                </a:pPr>
+                <a14:m>
+                  <m:oMathPara xmlns:m="http://schemas.openxmlformats.org/officeDocument/2006/math">
+                    <m:oMathParaPr>
+                      <m:jc m:val="centerGroup"/>
+                    </m:oMathParaPr>
+                    <m:oMath xmlns:m="http://schemas.openxmlformats.org/officeDocument/2006/math">
+                      <m:r>
+                        <a:rPr lang="en-US" sz="1600" b="0" i="1" smtClean="0">
+                          <a:latin typeface="Cambria Math" panose="02040503050406030204" pitchFamily="18" charset="0"/>
+                        </a:rPr>
+                        <m:t> </m:t>
+                      </m:r>
+                    </m:oMath>
+                  </m:oMathPara>
+                </a14:m>
+                <a:endParaRPr lang="en-US" sz="1600" dirty="0"/>
+              </a:p>
+              <a:p>
+                <a:r>
+                  <a:rPr lang="en-US" sz="1600" dirty="0"/>
+                  <a:t>References:</a:t>
+                </a:r>
+              </a:p>
+              <a:p>
+                <a:r>
+                  <a:rPr lang="en-US" sz="1600" dirty="0">
+                    <a:hlinkClick r:id="rId3"/>
+                  </a:rPr>
+                  <a:t>https://arxiv.org/pdf/1510.03055.pdf</a:t>
+                </a:r>
+                <a:endParaRPr lang="en-US" sz="1600" dirty="0"/>
+              </a:p>
+              <a:p>
+                <a:r>
+                  <a:rPr lang="en-US" sz="1600" dirty="0">
+                    <a:hlinkClick r:id="rId4"/>
+                  </a:rPr>
+                  <a:t>https://paddlenlp.readthedocs.io/en/latest/source/paddlenlp.metrics.distinct.html</a:t>
+                </a:r>
+                <a:endParaRPr lang="en-US" sz="1600" dirty="0"/>
+              </a:p>
+              <a:p>
+                <a:pPr marL="0" indent="0">
+                  <a:buNone/>
+                </a:pPr>
+                <a:endParaRPr lang="en-US" sz="1600" dirty="0"/>
+              </a:p>
+              <a:p>
+                <a:endParaRPr lang="en-US" sz="1600" dirty="0"/>
+              </a:p>
+            </p:txBody>
+          </p:sp>
+        </mc:Choice>
+        <mc:Fallback>
+          <p:sp>
+            <p:nvSpPr>
+              <p:cNvPr id="13" name="Content Placeholder 2">
+                <a:extLst>
+                  <a:ext uri="{FF2B5EF4-FFF2-40B4-BE49-F238E27FC236}">
+                    <a16:creationId xmlns:a16="http://schemas.microsoft.com/office/drawing/2014/main" id="{7966A3DF-94E6-4A4C-8F9A-60ACD198AAD7}"/>
+                  </a:ext>
+                </a:extLst>
+              </p:cNvPr>
+              <p:cNvSpPr>
+                <a:spLocks noGrp="1" noRot="1" noChangeAspect="1" noMove="1" noResize="1" noEditPoints="1" noAdjustHandles="1" noChangeArrowheads="1" noChangeShapeType="1" noTextEdit="1"/>
+              </p:cNvSpPr>
+              <p:nvPr>
+                <p:ph idx="1"/>
+              </p:nvPr>
+            </p:nvSpPr>
+            <p:spPr>
+              <a:xfrm>
+                <a:off x="838200" y="1253330"/>
+                <a:ext cx="10515600" cy="5103019"/>
+              </a:xfrm>
+              <a:blipFill>
+                <a:blip r:embed="rId5"/>
+                <a:stretch>
+                  <a:fillRect l="-232" t="-836"/>
+                </a:stretch>
+              </a:blipFill>
+            </p:spPr>
+            <p:txBody>
+              <a:bodyPr/>
+              <a:lstStyle/>
+              <a:p>
+                <a:r>
+                  <a:rPr lang="en-US">
+                    <a:noFill/>
+                  </a:rPr>
+                  <a:t> </a:t>
+                </a:r>
+              </a:p>
+            </p:txBody>
+          </p:sp>
+        </mc:Fallback>
+      </mc:AlternateContent>
+      <p:graphicFrame>
+        <p:nvGraphicFramePr>
+          <p:cNvPr id="2" name="Table 2">
+            <a:extLst>
+              <a:ext uri="{FF2B5EF4-FFF2-40B4-BE49-F238E27FC236}">
+                <a16:creationId xmlns:a16="http://schemas.microsoft.com/office/drawing/2014/main" id="{D8B5A18D-9022-44CE-93BC-3FBCF5AF3E16}"/>
+              </a:ext>
+            </a:extLst>
+          </p:cNvPr>
+          <p:cNvGraphicFramePr>
+            <a:graphicFrameLocks noGrp="1"/>
+          </p:cNvGraphicFramePr>
+          <p:nvPr>
+            <p:extLst>
+              <p:ext uri="{D42A27DB-BD31-4B8C-83A1-F6EECF244321}">
+                <p14:modId xmlns:p14="http://schemas.microsoft.com/office/powerpoint/2010/main" val="1894479283"/>
+              </p:ext>
+            </p:extLst>
+          </p:nvPr>
+        </p:nvGraphicFramePr>
+        <p:xfrm>
+          <a:off x="1124800" y="2022867"/>
+          <a:ext cx="4734462" cy="1805940"/>
+        </p:xfrm>
+        <a:graphic>
+          <a:graphicData uri="http://schemas.openxmlformats.org/drawingml/2006/table">
+            <a:tbl>
+              <a:tblPr firstRow="1" bandRow="1">
+                <a:tableStyleId>{5C22544A-7EE6-4342-B048-85BDC9FD1C3A}</a:tableStyleId>
+              </a:tblPr>
+              <a:tblGrid>
+                <a:gridCol w="2367231">
+                  <a:extLst>
+                    <a:ext uri="{9D8B030D-6E8A-4147-A177-3AD203B41FA5}">
+                      <a16:colId xmlns:a16="http://schemas.microsoft.com/office/drawing/2014/main" val="1948907323"/>
+                    </a:ext>
+                  </a:extLst>
+                </a:gridCol>
+                <a:gridCol w="2367231">
+                  <a:extLst>
+                    <a:ext uri="{9D8B030D-6E8A-4147-A177-3AD203B41FA5}">
+                      <a16:colId xmlns:a16="http://schemas.microsoft.com/office/drawing/2014/main" val="1634661624"/>
+                    </a:ext>
+                  </a:extLst>
+                </a:gridCol>
+              </a:tblGrid>
+              <a:tr h="222676">
+                <a:tc>
+                  <a:txBody>
+                    <a:bodyPr/>
+                    <a:lstStyle/>
+                    <a:p>
+                      <a:r>
+                        <a:rPr lang="en-US" sz="1050" dirty="0"/>
+                        <a:t>Message</a:t>
+                      </a:r>
+                    </a:p>
+                  </a:txBody>
+                  <a:tcPr/>
+                </a:tc>
+                <a:tc>
+                  <a:txBody>
+                    <a:bodyPr/>
+                    <a:lstStyle/>
+                    <a:p>
+                      <a:r>
+                        <a:rPr lang="en-US" sz="1050" dirty="0"/>
+                        <a:t>Chatbot Reply</a:t>
+                      </a:r>
+                    </a:p>
+                  </a:txBody>
+                  <a:tcPr/>
+                </a:tc>
+                <a:extLst>
+                  <a:ext uri="{0D108BD9-81ED-4DB2-BD59-A6C34878D82A}">
+                    <a16:rowId xmlns:a16="http://schemas.microsoft.com/office/drawing/2014/main" val="1364547109"/>
+                  </a:ext>
+                </a:extLst>
+              </a:tr>
+              <a:tr h="364380">
+                <a:tc>
+                  <a:txBody>
+                    <a:bodyPr/>
+                    <a:lstStyle/>
+                    <a:p>
+                      <a:r>
+                        <a:rPr lang="en-US" sz="1050" dirty="0"/>
+                        <a:t>Hello, I missed my flight SW4589 from BWI to DAL, can I get a refund?</a:t>
+                      </a:r>
+                    </a:p>
+                  </a:txBody>
+                  <a:tcPr/>
+                </a:tc>
+                <a:tc>
+                  <a:txBody>
+                    <a:bodyPr/>
+                    <a:lstStyle/>
+                    <a:p>
+                      <a:r>
+                        <a:rPr lang="en-US" sz="1050" dirty="0"/>
+                        <a:t>Hi, thank you for reaching out to us, we will connect you with an agent</a:t>
+                      </a:r>
+                    </a:p>
+                  </a:txBody>
+                  <a:tcPr/>
+                </a:tc>
+                <a:extLst>
+                  <a:ext uri="{0D108BD9-81ED-4DB2-BD59-A6C34878D82A}">
+                    <a16:rowId xmlns:a16="http://schemas.microsoft.com/office/drawing/2014/main" val="3637427818"/>
+                  </a:ext>
+                </a:extLst>
+              </a:tr>
+              <a:tr h="506083">
+                <a:tc>
+                  <a:txBody>
+                    <a:bodyPr/>
+                    <a:lstStyle/>
+                    <a:p>
+                      <a:r>
+                        <a:rPr lang="en-US" sz="1050" dirty="0"/>
+                        <a:t>Terrible service, have been waiting for an agent for 4 hours and no one seems to respond</a:t>
+                      </a:r>
+                    </a:p>
+                  </a:txBody>
+                  <a:tcPr/>
+                </a:tc>
+                <a:tc>
+                  <a:txBody>
+                    <a:bodyPr/>
+                    <a:lstStyle/>
+                    <a:p>
+                      <a:pPr marL="0" marR="0" lvl="0" indent="0" algn="l" defTabSz="914400" rtl="0" eaLnBrk="1" fontAlgn="auto" latinLnBrk="0" hangingPunct="1">
+                        <a:lnSpc>
+                          <a:spcPct val="100000"/>
+                        </a:lnSpc>
+                        <a:spcBef>
+                          <a:spcPts val="0"/>
+                        </a:spcBef>
+                        <a:spcAft>
+                          <a:spcPts val="0"/>
+                        </a:spcAft>
+                        <a:buClrTx/>
+                        <a:buSzTx/>
+                        <a:buFontTx/>
+                        <a:buNone/>
+                        <a:tabLst/>
+                        <a:defRPr/>
+                      </a:pPr>
+                      <a:r>
+                        <a:rPr lang="en-US" sz="1050" dirty="0"/>
+                        <a:t>Hi, thank you for reaching out to us, we will connect you with an agent</a:t>
+                      </a:r>
+                    </a:p>
+                    <a:p>
+                      <a:endParaRPr lang="en-US" sz="1050" dirty="0"/>
+                    </a:p>
+                  </a:txBody>
+                  <a:tcPr/>
+                </a:tc>
+                <a:extLst>
+                  <a:ext uri="{0D108BD9-81ED-4DB2-BD59-A6C34878D82A}">
+                    <a16:rowId xmlns:a16="http://schemas.microsoft.com/office/drawing/2014/main" val="1482140424"/>
+                  </a:ext>
+                </a:extLst>
+              </a:tr>
+              <a:tr h="506083">
+                <a:tc>
+                  <a:txBody>
+                    <a:bodyPr/>
+                    <a:lstStyle/>
+                    <a:p>
+                      <a:r>
+                        <a:rPr lang="en-US" sz="1050" dirty="0"/>
+                        <a:t>Loved the Fajitas! The queso was rich and creamy</a:t>
+                      </a:r>
+                    </a:p>
+                  </a:txBody>
+                  <a:tcPr/>
+                </a:tc>
+                <a:tc>
+                  <a:txBody>
+                    <a:bodyPr/>
+                    <a:lstStyle/>
+                    <a:p>
+                      <a:pPr marL="0" marR="0" lvl="0" indent="0" algn="l" defTabSz="914400" rtl="0" eaLnBrk="1" fontAlgn="auto" latinLnBrk="0" hangingPunct="1">
+                        <a:lnSpc>
+                          <a:spcPct val="100000"/>
+                        </a:lnSpc>
+                        <a:spcBef>
+                          <a:spcPts val="0"/>
+                        </a:spcBef>
+                        <a:spcAft>
+                          <a:spcPts val="0"/>
+                        </a:spcAft>
+                        <a:buClrTx/>
+                        <a:buSzTx/>
+                        <a:buFontTx/>
+                        <a:buNone/>
+                        <a:tabLst/>
+                        <a:defRPr/>
+                      </a:pPr>
+                      <a:r>
+                        <a:rPr lang="en-US" sz="1050" dirty="0"/>
+                        <a:t>Hi, thank you for reaching out to us, we will connect you with an agent</a:t>
+                      </a:r>
+                    </a:p>
+                    <a:p>
+                      <a:endParaRPr lang="en-US" sz="1050" dirty="0"/>
+                    </a:p>
+                  </a:txBody>
+                  <a:tcPr/>
+                </a:tc>
+                <a:extLst>
+                  <a:ext uri="{0D108BD9-81ED-4DB2-BD59-A6C34878D82A}">
+                    <a16:rowId xmlns:a16="http://schemas.microsoft.com/office/drawing/2014/main" val="2878747159"/>
+                  </a:ext>
+                </a:extLst>
+              </a:tr>
+            </a:tbl>
+          </a:graphicData>
+        </a:graphic>
+      </p:graphicFrame>
+      <p:pic>
+        <p:nvPicPr>
+          <p:cNvPr id="6" name="Picture 5" descr="Table&#10;&#10;Description automatically generated">
+            <a:extLst>
+              <a:ext uri="{FF2B5EF4-FFF2-40B4-BE49-F238E27FC236}">
+                <a16:creationId xmlns:a16="http://schemas.microsoft.com/office/drawing/2014/main" id="{5D970CAF-3EE0-4C27-A2A3-45E4B4A12833}"/>
+              </a:ext>
+            </a:extLst>
+          </p:cNvPr>
+          <p:cNvPicPr>
+            <a:picLocks noChangeAspect="1"/>
+          </p:cNvPicPr>
+          <p:nvPr/>
+        </p:nvPicPr>
+        <p:blipFill>
+          <a:blip r:embed="rId6">
+            <a:extLst>
+              <a:ext uri="{28A0092B-C50C-407E-A947-70E740481C1C}">
+                <a14:useLocalDpi xmlns:a14="http://schemas.microsoft.com/office/drawing/2010/main" val="0"/>
+              </a:ext>
+            </a:extLst>
+          </a:blip>
+          <a:stretch>
+            <a:fillRect/>
+          </a:stretch>
+        </p:blipFill>
+        <p:spPr>
+          <a:xfrm>
+            <a:off x="6096000" y="2022866"/>
+            <a:ext cx="5257800" cy="1812973"/>
+          </a:xfrm>
+          <a:prstGeom prst="rect">
+            <a:avLst/>
+          </a:prstGeom>
+        </p:spPr>
+      </p:pic>
+    </p:spTree>
+    <p:extLst>
+      <p:ext uri="{BB962C8B-B14F-4D97-AF65-F5344CB8AC3E}">
+        <p14:creationId xmlns:p14="http://schemas.microsoft.com/office/powerpoint/2010/main" val="2234757156"/>
+      </p:ext>
+    </p:extLst>
+  </p:cSld>
+  <p:clrMapOvr>
+    <a:masterClrMapping/>
+  </p:clrMapOvr>
+</p:sld>
+</file>
+
+<file path=ppt/slides/slide12.xml><?xml version="1.0" encoding="utf-8"?>
+<p:sld xmlns:a="http://schemas.openxmlformats.org/drawingml/2006/main" xmlns:r="http://schemas.openxmlformats.org/officeDocument/2006/relationships" xmlns:p="http://schemas.openxmlformats.org/presentationml/2006/main">
+  <p:cSld>
+    <p:spTree>
+      <p:nvGrpSpPr>
+        <p:cNvPr id="1" name=""/>
+        <p:cNvGrpSpPr/>
+        <p:nvPr/>
+      </p:nvGrpSpPr>
+      <p:grpSpPr>
+        <a:xfrm>
+          <a:off x="0" y="0"/>
+          <a:ext cx="0" cy="0"/>
+          <a:chOff x="0" y="0"/>
+          <a:chExt cx="0" cy="0"/>
+        </a:xfrm>
+      </p:grpSpPr>
+      <p:sp>
+        <p:nvSpPr>
+          <p:cNvPr id="4" name="Footer Placeholder 3">
+            <a:extLst>
+              <a:ext uri="{FF2B5EF4-FFF2-40B4-BE49-F238E27FC236}">
+                <a16:creationId xmlns:a16="http://schemas.microsoft.com/office/drawing/2014/main" id="{B616B34A-879D-4EE6-BC5A-001F4917872B}"/>
+              </a:ext>
+            </a:extLst>
+          </p:cNvPr>
+          <p:cNvSpPr>
+            <a:spLocks noGrp="1"/>
+          </p:cNvSpPr>
+          <p:nvPr>
+            <p:ph type="ftr" sz="quarter" idx="11"/>
+          </p:nvPr>
+        </p:nvSpPr>
+        <p:spPr/>
+        <p:txBody>
+          <a:bodyPr/>
+          <a:lstStyle/>
+          <a:p>
+            <a:r>
+              <a:rPr lang="en-US"/>
+              <a:t>NLP COE</a:t>
+            </a:r>
+          </a:p>
+        </p:txBody>
+      </p:sp>
+      <p:sp>
+        <p:nvSpPr>
+          <p:cNvPr id="5" name="Slide Number Placeholder 4">
+            <a:extLst>
+              <a:ext uri="{FF2B5EF4-FFF2-40B4-BE49-F238E27FC236}">
+                <a16:creationId xmlns:a16="http://schemas.microsoft.com/office/drawing/2014/main" id="{B4DC7B9C-E7F2-482C-A87D-988E6E9D9B84}"/>
+              </a:ext>
+            </a:extLst>
+          </p:cNvPr>
+          <p:cNvSpPr>
+            <a:spLocks noGrp="1"/>
+          </p:cNvSpPr>
+          <p:nvPr>
+            <p:ph type="sldNum" sz="quarter" idx="12"/>
+          </p:nvPr>
+        </p:nvSpPr>
+        <p:spPr/>
+        <p:txBody>
+          <a:bodyPr/>
+          <a:lstStyle/>
+          <a:p>
+            <a:fld id="{28C167EA-80E2-4EC1-B2DF-B4278EFC6F4B}" type="slidenum">
+              <a:rPr lang="en-US" smtClean="0"/>
+              <a:t>12</a:t>
+            </a:fld>
+            <a:endParaRPr lang="en-US"/>
+          </a:p>
+        </p:txBody>
+      </p:sp>
+      <p:sp>
+        <p:nvSpPr>
+          <p:cNvPr id="8" name="Title 1">
+            <a:extLst>
+              <a:ext uri="{FF2B5EF4-FFF2-40B4-BE49-F238E27FC236}">
+                <a16:creationId xmlns:a16="http://schemas.microsoft.com/office/drawing/2014/main" id="{FED78235-0A34-41FB-BE2B-2055F9BF4C0B}"/>
+              </a:ext>
+            </a:extLst>
+          </p:cNvPr>
+          <p:cNvSpPr>
+            <a:spLocks noGrp="1"/>
+          </p:cNvSpPr>
+          <p:nvPr>
+            <p:ph type="title"/>
+          </p:nvPr>
+        </p:nvSpPr>
+        <p:spPr>
+          <a:xfrm>
+            <a:off x="838200" y="365126"/>
+            <a:ext cx="10515600" cy="771912"/>
+          </a:xfrm>
+        </p:spPr>
+        <p:txBody>
+          <a:bodyPr>
+            <a:normAutofit/>
+          </a:bodyPr>
+          <a:lstStyle/>
+          <a:p>
+            <a:r>
+              <a:rPr lang="en-US" sz="2400" b="1" dirty="0"/>
+              <a:t>References</a:t>
+            </a:r>
+          </a:p>
+        </p:txBody>
+      </p:sp>
+      <p:sp>
+        <p:nvSpPr>
+          <p:cNvPr id="9" name="Content Placeholder 2">
+            <a:extLst>
+              <a:ext uri="{FF2B5EF4-FFF2-40B4-BE49-F238E27FC236}">
+                <a16:creationId xmlns:a16="http://schemas.microsoft.com/office/drawing/2014/main" id="{F52E4C19-ED65-42E0-81EE-DEA2BF98F835}"/>
+              </a:ext>
+            </a:extLst>
+          </p:cNvPr>
+          <p:cNvSpPr txBox="1">
+            <a:spLocks/>
+          </p:cNvSpPr>
+          <p:nvPr/>
+        </p:nvSpPr>
+        <p:spPr>
+          <a:xfrm>
+            <a:off x="838200" y="1230083"/>
+            <a:ext cx="10515600" cy="4351338"/>
+          </a:xfrm>
+          <a:prstGeom prst="rect">
+            <a:avLst/>
+          </a:prstGeom>
+        </p:spPr>
+        <p:txBody>
+          <a:bodyPr vert="horz" lIns="91440" tIns="45720" rIns="91440" bIns="45720" rtlCol="0">
+            <a:normAutofit/>
+          </a:bodyPr>
+          <a:lstStyle>
+            <a:lvl1pPr marL="228600" indent="-228600" algn="l" defTabSz="914400" rtl="0" eaLnBrk="1" latinLnBrk="0" hangingPunct="1">
+              <a:lnSpc>
+                <a:spcPct val="90000"/>
+              </a:lnSpc>
+              <a:spcBef>
+                <a:spcPts val="1000"/>
+              </a:spcBef>
+              <a:buFont typeface="Arial" panose="020B0604020202020204" pitchFamily="34" charset="0"/>
+              <a:buChar char="•"/>
+              <a:defRPr sz="2800" kern="1200">
+                <a:solidFill>
+                  <a:schemeClr val="tx1"/>
+                </a:solidFill>
+                <a:latin typeface="+mn-lt"/>
+                <a:ea typeface="+mn-ea"/>
+                <a:cs typeface="+mn-cs"/>
+              </a:defRPr>
+            </a:lvl1pPr>
+            <a:lvl2pPr marL="685800" indent="-228600" algn="l" defTabSz="914400" rtl="0" eaLnBrk="1" latinLnBrk="0" hangingPunct="1">
+              <a:lnSpc>
+                <a:spcPct val="90000"/>
+              </a:lnSpc>
+              <a:spcBef>
+                <a:spcPts val="500"/>
+              </a:spcBef>
+              <a:buFont typeface="Arial" panose="020B0604020202020204" pitchFamily="34" charset="0"/>
+              <a:buChar char="•"/>
+              <a:defRPr sz="2400" kern="1200">
+                <a:solidFill>
+                  <a:schemeClr val="tx1"/>
+                </a:solidFill>
+                <a:latin typeface="+mn-lt"/>
+                <a:ea typeface="+mn-ea"/>
+                <a:cs typeface="+mn-cs"/>
+              </a:defRPr>
+            </a:lvl2pPr>
+            <a:lvl3pPr marL="1143000" indent="-228600" algn="l" defTabSz="914400" rtl="0" eaLnBrk="1" latinLnBrk="0" hangingPunct="1">
+              <a:lnSpc>
+                <a:spcPct val="90000"/>
+              </a:lnSpc>
+              <a:spcBef>
+                <a:spcPts val="500"/>
+              </a:spcBef>
+              <a:buFont typeface="Arial" panose="020B0604020202020204" pitchFamily="34" charset="0"/>
+              <a:buChar char="•"/>
+              <a:defRPr sz="2000" kern="1200">
+                <a:solidFill>
+                  <a:schemeClr val="tx1"/>
+                </a:solidFill>
+                <a:latin typeface="+mn-lt"/>
+                <a:ea typeface="+mn-ea"/>
+                <a:cs typeface="+mn-cs"/>
+              </a:defRPr>
+            </a:lvl3pPr>
+            <a:lvl4pPr marL="1600200" indent="-228600" algn="l" defTabSz="914400" rtl="0" eaLnBrk="1" latinLnBrk="0" hangingPunct="1">
+              <a:lnSpc>
+                <a:spcPct val="90000"/>
+              </a:lnSpc>
+              <a:spcBef>
+                <a:spcPts val="500"/>
+              </a:spcBef>
+              <a:buFont typeface="Arial" panose="020B0604020202020204" pitchFamily="34" charset="0"/>
+              <a:buChar char="•"/>
+              <a:defRPr sz="1800" kern="1200">
+                <a:solidFill>
+                  <a:schemeClr val="tx1"/>
+                </a:solidFill>
+                <a:latin typeface="+mn-lt"/>
+                <a:ea typeface="+mn-ea"/>
+                <a:cs typeface="+mn-cs"/>
+              </a:defRPr>
+            </a:lvl4pPr>
+            <a:lvl5pPr marL="2057400" indent="-228600" algn="l" defTabSz="914400" rtl="0" eaLnBrk="1" latinLnBrk="0" hangingPunct="1">
+              <a:lnSpc>
+                <a:spcPct val="90000"/>
+              </a:lnSpc>
+              <a:spcBef>
+                <a:spcPts val="500"/>
+              </a:spcBef>
+              <a:buFont typeface="Arial" panose="020B0604020202020204" pitchFamily="34" charset="0"/>
+              <a:buChar char="•"/>
+              <a:defRPr sz="1800" kern="1200">
+                <a:solidFill>
+                  <a:schemeClr val="tx1"/>
+                </a:solidFill>
+                <a:latin typeface="+mn-lt"/>
+                <a:ea typeface="+mn-ea"/>
+                <a:cs typeface="+mn-cs"/>
+              </a:defRPr>
+            </a:lvl5pPr>
+            <a:lvl6pPr marL="2514600" indent="-228600" algn="l" defTabSz="914400" rtl="0" eaLnBrk="1" latinLnBrk="0" hangingPunct="1">
+              <a:lnSpc>
+                <a:spcPct val="90000"/>
+              </a:lnSpc>
+              <a:spcBef>
+                <a:spcPts val="500"/>
+              </a:spcBef>
+              <a:buFont typeface="Arial" panose="020B0604020202020204" pitchFamily="34" charset="0"/>
+              <a:buChar char="•"/>
+              <a:defRPr sz="1800" kern="1200">
+                <a:solidFill>
+                  <a:schemeClr val="tx1"/>
+                </a:solidFill>
+                <a:latin typeface="+mn-lt"/>
+                <a:ea typeface="+mn-ea"/>
+                <a:cs typeface="+mn-cs"/>
+              </a:defRPr>
+            </a:lvl6pPr>
+            <a:lvl7pPr marL="2971800" indent="-228600" algn="l" defTabSz="914400" rtl="0" eaLnBrk="1" latinLnBrk="0" hangingPunct="1">
+              <a:lnSpc>
+                <a:spcPct val="90000"/>
+              </a:lnSpc>
+              <a:spcBef>
+                <a:spcPts val="500"/>
+              </a:spcBef>
+              <a:buFont typeface="Arial" panose="020B0604020202020204" pitchFamily="34" charset="0"/>
+              <a:buChar char="•"/>
+              <a:defRPr sz="1800" kern="1200">
+                <a:solidFill>
+                  <a:schemeClr val="tx1"/>
+                </a:solidFill>
+                <a:latin typeface="+mn-lt"/>
+                <a:ea typeface="+mn-ea"/>
+                <a:cs typeface="+mn-cs"/>
+              </a:defRPr>
+            </a:lvl7pPr>
+            <a:lvl8pPr marL="3429000" indent="-228600" algn="l" defTabSz="914400" rtl="0" eaLnBrk="1" latinLnBrk="0" hangingPunct="1">
+              <a:lnSpc>
+                <a:spcPct val="90000"/>
+              </a:lnSpc>
+              <a:spcBef>
+                <a:spcPts val="500"/>
+              </a:spcBef>
+              <a:buFont typeface="Arial" panose="020B0604020202020204" pitchFamily="34" charset="0"/>
+              <a:buChar char="•"/>
+              <a:defRPr sz="1800" kern="1200">
+                <a:solidFill>
+                  <a:schemeClr val="tx1"/>
+                </a:solidFill>
+                <a:latin typeface="+mn-lt"/>
+                <a:ea typeface="+mn-ea"/>
+                <a:cs typeface="+mn-cs"/>
+              </a:defRPr>
+            </a:lvl8pPr>
+            <a:lvl9pPr marL="3886200" indent="-228600" algn="l" defTabSz="914400" rtl="0" eaLnBrk="1" latinLnBrk="0" hangingPunct="1">
+              <a:lnSpc>
+                <a:spcPct val="90000"/>
+              </a:lnSpc>
+              <a:spcBef>
+                <a:spcPts val="500"/>
+              </a:spcBef>
+              <a:buFont typeface="Arial" panose="020B0604020202020204" pitchFamily="34" charset="0"/>
+              <a:buChar char="•"/>
+              <a:defRPr sz="1800" kern="1200">
+                <a:solidFill>
+                  <a:schemeClr val="tx1"/>
+                </a:solidFill>
+                <a:latin typeface="+mn-lt"/>
+                <a:ea typeface="+mn-ea"/>
+                <a:cs typeface="+mn-cs"/>
+              </a:defRPr>
+            </a:lvl9pPr>
+          </a:lstStyle>
+          <a:p>
+            <a:endParaRPr lang="en-US" dirty="0"/>
+          </a:p>
+        </p:txBody>
+      </p:sp>
+      <p:sp>
+        <p:nvSpPr>
+          <p:cNvPr id="13" name="Content Placeholder 2">
+            <a:extLst>
+              <a:ext uri="{FF2B5EF4-FFF2-40B4-BE49-F238E27FC236}">
+                <a16:creationId xmlns:a16="http://schemas.microsoft.com/office/drawing/2014/main" id="{7966A3DF-94E6-4A4C-8F9A-60ACD198AAD7}"/>
+              </a:ext>
+            </a:extLst>
+          </p:cNvPr>
+          <p:cNvSpPr>
+            <a:spLocks noGrp="1"/>
+          </p:cNvSpPr>
+          <p:nvPr>
+            <p:ph idx="1"/>
+          </p:nvPr>
+        </p:nvSpPr>
+        <p:spPr>
+          <a:xfrm>
+            <a:off x="838200" y="1253330"/>
+            <a:ext cx="10515600" cy="5103019"/>
+          </a:xfrm>
+        </p:spPr>
+        <p:txBody>
+          <a:bodyPr>
+            <a:normAutofit/>
+          </a:bodyPr>
+          <a:lstStyle/>
+          <a:p>
+            <a:r>
+              <a:rPr lang="en-US" sz="1600" dirty="0"/>
+              <a:t>NIST:</a:t>
+            </a:r>
+          </a:p>
+          <a:p>
+            <a:pPr lvl="1"/>
+            <a:r>
+              <a:rPr lang="en-US" sz="1200" dirty="0"/>
+              <a:t>Source code: </a:t>
+            </a:r>
+            <a:r>
+              <a:rPr lang="en-US" sz="1200" dirty="0">
+                <a:hlinkClick r:id="rId3"/>
+              </a:rPr>
+              <a:t>https://www.nltk.org/_modules/nltk/translate/nist_score.html</a:t>
+            </a:r>
+            <a:endParaRPr lang="en-US" sz="1200" dirty="0"/>
+          </a:p>
+          <a:p>
+            <a:pPr lvl="1"/>
+            <a:r>
+              <a:rPr lang="en-US" sz="1200" dirty="0"/>
+              <a:t>Theory and formula: </a:t>
+            </a:r>
+            <a:r>
+              <a:rPr lang="en-US" sz="1200" dirty="0">
+                <a:hlinkClick r:id="rId4"/>
+              </a:rPr>
+              <a:t>https://www2.spsc.tugraz.at/www-archive/AdvancedSignalProcessing/WS06-MachineTranslation/MTEvaluation_Sakir.pdf</a:t>
+            </a:r>
+            <a:endParaRPr lang="en-US" sz="1200" dirty="0"/>
+          </a:p>
+          <a:p>
+            <a:pPr lvl="1"/>
+            <a:r>
+              <a:rPr lang="en-US" sz="1200" dirty="0"/>
+              <a:t>Good research papers: </a:t>
+            </a:r>
+            <a:r>
+              <a:rPr lang="en-US" sz="1200" dirty="0">
+                <a:hlinkClick r:id="rId5"/>
+              </a:rPr>
+              <a:t>https://aclanthology.org/www.mt-archive.info/HLT-2002-Doddington.pdf</a:t>
+            </a:r>
+            <a:endParaRPr lang="en-US" sz="1200" dirty="0"/>
+          </a:p>
+          <a:p>
+            <a:r>
+              <a:rPr lang="en-US" sz="1600" dirty="0"/>
+              <a:t>Entropy/ Perplexity:</a:t>
+            </a:r>
+          </a:p>
+          <a:p>
+            <a:pPr lvl="1"/>
+            <a:r>
+              <a:rPr lang="en-US" sz="1200" dirty="0" err="1"/>
+              <a:t>Maths</a:t>
+            </a:r>
+            <a:r>
+              <a:rPr lang="en-US" sz="1200" dirty="0"/>
+              <a:t> and derivation of formula: </a:t>
+            </a:r>
+            <a:r>
+              <a:rPr lang="en-US" sz="1200" dirty="0">
+                <a:hlinkClick r:id="rId6"/>
+              </a:rPr>
+              <a:t>https://towardsdatascience.com/perplexity-in-language-models-87a196019a94</a:t>
+            </a:r>
+            <a:endParaRPr lang="en-US" sz="1200" dirty="0"/>
+          </a:p>
+          <a:p>
+            <a:pPr lvl="1"/>
+            <a:r>
+              <a:rPr lang="en-US" sz="1200" dirty="0"/>
+              <a:t>Understanding concept of perplexity with example: </a:t>
+            </a:r>
+            <a:r>
+              <a:rPr lang="en-US" sz="1200" dirty="0">
+                <a:hlinkClick r:id="rId7"/>
+              </a:rPr>
+              <a:t>https://www.surgehq.ai/blog/how-good-is-your-chatbot-an-introduction-to-perplexity-in-nlp</a:t>
+            </a:r>
+            <a:endParaRPr lang="en-US" sz="1200" dirty="0"/>
+          </a:p>
+          <a:p>
+            <a:pPr lvl="1"/>
+            <a:r>
+              <a:rPr lang="en-US" sz="1200" dirty="0"/>
+              <a:t>Article explaining relation between perplexity and entropy (formula): </a:t>
+            </a:r>
+            <a:r>
+              <a:rPr lang="en-US" sz="1200" dirty="0">
+                <a:hlinkClick r:id="rId8"/>
+              </a:rPr>
+              <a:t>https://www.analyticsvidhya.com/blog/2020/11/entropy-a-key-concept-for-all-data-science-beginners/</a:t>
+            </a:r>
+            <a:endParaRPr lang="en-US" sz="1200" dirty="0"/>
+          </a:p>
+          <a:p>
+            <a:pPr lvl="1"/>
+            <a:r>
+              <a:rPr lang="en-US" sz="1200" dirty="0"/>
+              <a:t>Code using Perplexity as a metric for chatbot problem: </a:t>
+            </a:r>
+            <a:r>
+              <a:rPr lang="en-US" sz="1200" dirty="0">
+                <a:hlinkClick r:id="rId9"/>
+              </a:rPr>
+              <a:t>https://medium.com/@oberoiheman/building-a-generative-chat-bot-using-deep-learning-and-nlp-3b6e09d45fe9</a:t>
+            </a:r>
+            <a:endParaRPr lang="en-US" sz="1200" dirty="0"/>
+          </a:p>
+          <a:p>
+            <a:pPr lvl="1"/>
+            <a:r>
+              <a:rPr lang="en-US" sz="1200" dirty="0" err="1"/>
+              <a:t>Paddlenlp.metrics</a:t>
+            </a:r>
+            <a:r>
+              <a:rPr lang="en-US" sz="1200" dirty="0"/>
+              <a:t> library: </a:t>
+            </a:r>
+            <a:r>
+              <a:rPr lang="en-US" sz="1200" dirty="0">
+                <a:hlinkClick r:id="rId10"/>
+              </a:rPr>
+              <a:t>https://paddlenlp.readthedocs.io/en/latest/source/paddlenlp.metrics.perplexity.html</a:t>
+            </a:r>
+            <a:endParaRPr lang="en-US" sz="1200" dirty="0"/>
+          </a:p>
+          <a:p>
+            <a:r>
+              <a:rPr lang="en-US" sz="1600" dirty="0"/>
+              <a:t>Distinct score:</a:t>
+            </a:r>
+          </a:p>
+          <a:p>
+            <a:pPr lvl="1"/>
+            <a:r>
+              <a:rPr lang="en-US" sz="1200" dirty="0"/>
+              <a:t>Source code: </a:t>
+            </a:r>
+            <a:r>
+              <a:rPr lang="en-US" sz="1200" dirty="0">
+                <a:hlinkClick r:id="rId11"/>
+              </a:rPr>
+              <a:t>https://github.com/neural-dialogue-metrics/Distinct-N/blob/master/distinct_n/metrics.py</a:t>
+            </a:r>
+            <a:endParaRPr lang="en-US" sz="1200" dirty="0"/>
+          </a:p>
+          <a:p>
+            <a:pPr lvl="1"/>
+            <a:r>
+              <a:rPr lang="en-US" sz="1200" dirty="0" err="1"/>
+              <a:t>Paddlenlp.metrics</a:t>
+            </a:r>
+            <a:r>
+              <a:rPr lang="en-US" sz="1200" dirty="0"/>
+              <a:t> library: </a:t>
+            </a:r>
+            <a:r>
+              <a:rPr lang="en-US" sz="1200" dirty="0">
+                <a:hlinkClick r:id="rId12"/>
+              </a:rPr>
+              <a:t>https://paddlenlp.readthedocs.io/en/latest/source/paddlenlp.metrics.distinct.html</a:t>
+            </a:r>
+            <a:endParaRPr lang="en-US" sz="1200" dirty="0"/>
+          </a:p>
+          <a:p>
+            <a:pPr lvl="1"/>
+            <a:r>
+              <a:rPr lang="en-US" sz="1200" dirty="0"/>
+              <a:t>Research paper using distinct score for twitter chatbot: </a:t>
+            </a:r>
+            <a:r>
+              <a:rPr lang="en-US" sz="1200" dirty="0">
+                <a:hlinkClick r:id="rId13"/>
+              </a:rPr>
+              <a:t>https://arxiv.org/pdf/1510.03055.pdf</a:t>
+            </a:r>
+            <a:endParaRPr lang="en-US" sz="1200" dirty="0"/>
+          </a:p>
+          <a:p>
+            <a:r>
+              <a:rPr lang="en-US" sz="1600" dirty="0"/>
+              <a:t>Other important links:</a:t>
+            </a:r>
+          </a:p>
+          <a:p>
+            <a:pPr lvl="1"/>
+            <a:r>
+              <a:rPr lang="en-US" sz="1200" dirty="0"/>
+              <a:t>Research paper for all metrics: </a:t>
+            </a:r>
+            <a:r>
+              <a:rPr lang="en-US" sz="1200" dirty="0">
+                <a:hlinkClick r:id="rId14"/>
+              </a:rPr>
+              <a:t>https://arxiv.org/ftp/arxiv/papers/1601/1601.02789.pdf</a:t>
+            </a:r>
+            <a:endParaRPr lang="en-US" sz="1200" dirty="0"/>
+          </a:p>
+          <a:p>
+            <a:pPr lvl="1"/>
+            <a:r>
+              <a:rPr lang="en-US" sz="1200" dirty="0"/>
+              <a:t>Research paper for used cases of metrics: </a:t>
+            </a:r>
+            <a:r>
+              <a:rPr lang="en-US" sz="1200" dirty="0">
+                <a:hlinkClick r:id="rId15"/>
+              </a:rPr>
+              <a:t>https://towardsdatascience.com/evaluation-metrics-assessing-the-quality-of-nlg-outputs-39749a115ff3</a:t>
+            </a:r>
+            <a:endParaRPr lang="en-US" sz="1200" dirty="0"/>
+          </a:p>
+          <a:p>
+            <a:pPr lvl="1"/>
+            <a:r>
+              <a:rPr lang="en-US" sz="1200" dirty="0">
+                <a:highlight>
+                  <a:srgbClr val="FFFF00"/>
+                </a:highlight>
+              </a:rPr>
+              <a:t>Commonly used metrics: </a:t>
+            </a:r>
+            <a:r>
+              <a:rPr lang="en-US" sz="1200" dirty="0">
+                <a:highlight>
+                  <a:srgbClr val="FFFF00"/>
+                </a:highlight>
+                <a:hlinkClick r:id="rId16"/>
+              </a:rPr>
+              <a:t>https://arxiv.org/pdf/2008.12009.pdf</a:t>
+            </a:r>
+            <a:endParaRPr lang="en-US" sz="1200" dirty="0"/>
+          </a:p>
+          <a:p>
+            <a:pPr lvl="1"/>
+            <a:endParaRPr lang="en-US" sz="1200" dirty="0"/>
+          </a:p>
+          <a:p>
+            <a:pPr lvl="1"/>
+            <a:endParaRPr lang="en-US" sz="1200" dirty="0"/>
+          </a:p>
+          <a:p>
+            <a:pPr lvl="1"/>
+            <a:endParaRPr lang="en-US" sz="1200" dirty="0"/>
+          </a:p>
+          <a:p>
+            <a:pPr marL="457200" lvl="1" indent="0">
+              <a:buNone/>
+            </a:pPr>
+            <a:endParaRPr lang="en-US" sz="800" dirty="0"/>
+          </a:p>
+          <a:p>
+            <a:pPr marL="0" indent="0">
+              <a:buNone/>
+            </a:pPr>
+            <a:endParaRPr lang="en-US" sz="1600" dirty="0"/>
+          </a:p>
+          <a:p>
+            <a:endParaRPr lang="en-US" sz="1600" dirty="0"/>
+          </a:p>
+        </p:txBody>
+      </p:sp>
+    </p:spTree>
+    <p:extLst>
+      <p:ext uri="{BB962C8B-B14F-4D97-AF65-F5344CB8AC3E}">
+        <p14:creationId xmlns:p14="http://schemas.microsoft.com/office/powerpoint/2010/main" val="2067535910"/>
+      </p:ext>
+    </p:extLst>
+  </p:cSld>
+  <p:clrMapOvr>
+    <a:masterClrMapping/>
+  </p:clrMapOvr>
+</p:sld>
+</file>
+
 <file path=ppt/slides/slide2.xml><?xml version="1.0" encoding="utf-8"?>
 <p:sld xmlns:a="http://schemas.openxmlformats.org/drawingml/2006/main" xmlns:r="http://schemas.openxmlformats.org/officeDocument/2006/relationships" xmlns:p="http://schemas.openxmlformats.org/presentationml/2006/main">
   <p:cSld>
@@ -7438,8 +10409,8 @@
           <a:chExt cx="0" cy="0"/>
         </a:xfrm>
       </p:grpSpPr>
-      <mc:AlternateContent xmlns:mc="http://schemas.openxmlformats.org/markup-compatibility/2006">
-        <mc:Choice xmlns:a14="http://schemas.microsoft.com/office/drawing/2010/main" Requires="a14">
+      <mc:AlternateContent xmlns:mc="http://schemas.openxmlformats.org/markup-compatibility/2006" xmlns:a14="http://schemas.microsoft.com/office/drawing/2010/main">
+        <mc:Choice Requires="a14">
           <p:sp>
             <p:nvSpPr>
               <p:cNvPr id="3" name="Content Placeholder 2">
@@ -8114,7 +11085,7 @@
             </p:txBody>
           </p:sp>
         </mc:Choice>
-        <mc:Fallback>
+        <mc:Fallback xmlns="">
           <p:sp>
             <p:nvSpPr>
               <p:cNvPr id="3" name="Content Placeholder 2">
@@ -8995,10 +11966,298 @@
       </p:grpSpPr>
       <p:sp>
         <p:nvSpPr>
-          <p:cNvPr id="3" name="Content Placeholder 2">
+          <p:cNvPr id="4" name="Footer Placeholder 3">
             <a:extLst>
               <a:ext uri="{FF2B5EF4-FFF2-40B4-BE49-F238E27FC236}">
-                <a16:creationId xmlns:a16="http://schemas.microsoft.com/office/drawing/2014/main" id="{F36858AC-28FA-4846-A89D-6BD2957586D9}"/>
+                <a16:creationId xmlns:a16="http://schemas.microsoft.com/office/drawing/2014/main" id="{B616B34A-879D-4EE6-BC5A-001F4917872B}"/>
+              </a:ext>
+            </a:extLst>
+          </p:cNvPr>
+          <p:cNvSpPr>
+            <a:spLocks noGrp="1"/>
+          </p:cNvSpPr>
+          <p:nvPr>
+            <p:ph type="ftr" sz="quarter" idx="11"/>
+          </p:nvPr>
+        </p:nvSpPr>
+        <p:spPr/>
+        <p:txBody>
+          <a:bodyPr/>
+          <a:lstStyle/>
+          <a:p>
+            <a:r>
+              <a:rPr lang="en-US"/>
+              <a:t>NLP COE</a:t>
+            </a:r>
+          </a:p>
+        </p:txBody>
+      </p:sp>
+      <p:sp>
+        <p:nvSpPr>
+          <p:cNvPr id="5" name="Slide Number Placeholder 4">
+            <a:extLst>
+              <a:ext uri="{FF2B5EF4-FFF2-40B4-BE49-F238E27FC236}">
+                <a16:creationId xmlns:a16="http://schemas.microsoft.com/office/drawing/2014/main" id="{B4DC7B9C-E7F2-482C-A87D-988E6E9D9B84}"/>
+              </a:ext>
+            </a:extLst>
+          </p:cNvPr>
+          <p:cNvSpPr>
+            <a:spLocks noGrp="1"/>
+          </p:cNvSpPr>
+          <p:nvPr>
+            <p:ph type="sldNum" sz="quarter" idx="12"/>
+          </p:nvPr>
+        </p:nvSpPr>
+        <p:spPr/>
+        <p:txBody>
+          <a:bodyPr/>
+          <a:lstStyle/>
+          <a:p>
+            <a:fld id="{28C167EA-80E2-4EC1-B2DF-B4278EFC6F4B}" type="slidenum">
+              <a:rPr lang="en-US" smtClean="0"/>
+              <a:t>7</a:t>
+            </a:fld>
+            <a:endParaRPr lang="en-US"/>
+          </a:p>
+        </p:txBody>
+      </p:sp>
+      <p:sp>
+        <p:nvSpPr>
+          <p:cNvPr id="8" name="Title 1">
+            <a:extLst>
+              <a:ext uri="{FF2B5EF4-FFF2-40B4-BE49-F238E27FC236}">
+                <a16:creationId xmlns:a16="http://schemas.microsoft.com/office/drawing/2014/main" id="{FED78235-0A34-41FB-BE2B-2055F9BF4C0B}"/>
+              </a:ext>
+            </a:extLst>
+          </p:cNvPr>
+          <p:cNvSpPr>
+            <a:spLocks noGrp="1"/>
+          </p:cNvSpPr>
+          <p:nvPr>
+            <p:ph type="title"/>
+          </p:nvPr>
+        </p:nvSpPr>
+        <p:spPr>
+          <a:xfrm>
+            <a:off x="838200" y="365126"/>
+            <a:ext cx="10515600" cy="771912"/>
+          </a:xfrm>
+        </p:spPr>
+        <p:txBody>
+          <a:bodyPr>
+            <a:normAutofit/>
+          </a:bodyPr>
+          <a:lstStyle/>
+          <a:p>
+            <a:r>
+              <a:rPr lang="en-US" sz="2400" b="1" dirty="0"/>
+              <a:t>NIST Score</a:t>
+            </a:r>
+          </a:p>
+        </p:txBody>
+      </p:sp>
+      <p:sp>
+        <p:nvSpPr>
+          <p:cNvPr id="9" name="Content Placeholder 2">
+            <a:extLst>
+              <a:ext uri="{FF2B5EF4-FFF2-40B4-BE49-F238E27FC236}">
+                <a16:creationId xmlns:a16="http://schemas.microsoft.com/office/drawing/2014/main" id="{F52E4C19-ED65-42E0-81EE-DEA2BF98F835}"/>
+              </a:ext>
+            </a:extLst>
+          </p:cNvPr>
+          <p:cNvSpPr txBox="1">
+            <a:spLocks/>
+          </p:cNvSpPr>
+          <p:nvPr/>
+        </p:nvSpPr>
+        <p:spPr>
+          <a:xfrm>
+            <a:off x="838200" y="1230083"/>
+            <a:ext cx="10515600" cy="4351338"/>
+          </a:xfrm>
+          <a:prstGeom prst="rect">
+            <a:avLst/>
+          </a:prstGeom>
+        </p:spPr>
+        <p:txBody>
+          <a:bodyPr vert="horz" lIns="91440" tIns="45720" rIns="91440" bIns="45720" rtlCol="0">
+            <a:normAutofit/>
+          </a:bodyPr>
+          <a:lstStyle>
+            <a:lvl1pPr marL="228600" indent="-228600" algn="l" defTabSz="914400" rtl="0" eaLnBrk="1" latinLnBrk="0" hangingPunct="1">
+              <a:lnSpc>
+                <a:spcPct val="90000"/>
+              </a:lnSpc>
+              <a:spcBef>
+                <a:spcPts val="1000"/>
+              </a:spcBef>
+              <a:buFont typeface="Arial" panose="020B0604020202020204" pitchFamily="34" charset="0"/>
+              <a:buChar char="•"/>
+              <a:defRPr sz="2800" kern="1200">
+                <a:solidFill>
+                  <a:schemeClr val="tx1"/>
+                </a:solidFill>
+                <a:latin typeface="+mn-lt"/>
+                <a:ea typeface="+mn-ea"/>
+                <a:cs typeface="+mn-cs"/>
+              </a:defRPr>
+            </a:lvl1pPr>
+            <a:lvl2pPr marL="685800" indent="-228600" algn="l" defTabSz="914400" rtl="0" eaLnBrk="1" latinLnBrk="0" hangingPunct="1">
+              <a:lnSpc>
+                <a:spcPct val="90000"/>
+              </a:lnSpc>
+              <a:spcBef>
+                <a:spcPts val="500"/>
+              </a:spcBef>
+              <a:buFont typeface="Arial" panose="020B0604020202020204" pitchFamily="34" charset="0"/>
+              <a:buChar char="•"/>
+              <a:defRPr sz="2400" kern="1200">
+                <a:solidFill>
+                  <a:schemeClr val="tx1"/>
+                </a:solidFill>
+                <a:latin typeface="+mn-lt"/>
+                <a:ea typeface="+mn-ea"/>
+                <a:cs typeface="+mn-cs"/>
+              </a:defRPr>
+            </a:lvl2pPr>
+            <a:lvl3pPr marL="1143000" indent="-228600" algn="l" defTabSz="914400" rtl="0" eaLnBrk="1" latinLnBrk="0" hangingPunct="1">
+              <a:lnSpc>
+                <a:spcPct val="90000"/>
+              </a:lnSpc>
+              <a:spcBef>
+                <a:spcPts val="500"/>
+              </a:spcBef>
+              <a:buFont typeface="Arial" panose="020B0604020202020204" pitchFamily="34" charset="0"/>
+              <a:buChar char="•"/>
+              <a:defRPr sz="2000" kern="1200">
+                <a:solidFill>
+                  <a:schemeClr val="tx1"/>
+                </a:solidFill>
+                <a:latin typeface="+mn-lt"/>
+                <a:ea typeface="+mn-ea"/>
+                <a:cs typeface="+mn-cs"/>
+              </a:defRPr>
+            </a:lvl3pPr>
+            <a:lvl4pPr marL="1600200" indent="-228600" algn="l" defTabSz="914400" rtl="0" eaLnBrk="1" latinLnBrk="0" hangingPunct="1">
+              <a:lnSpc>
+                <a:spcPct val="90000"/>
+              </a:lnSpc>
+              <a:spcBef>
+                <a:spcPts val="500"/>
+              </a:spcBef>
+              <a:buFont typeface="Arial" panose="020B0604020202020204" pitchFamily="34" charset="0"/>
+              <a:buChar char="•"/>
+              <a:defRPr sz="1800" kern="1200">
+                <a:solidFill>
+                  <a:schemeClr val="tx1"/>
+                </a:solidFill>
+                <a:latin typeface="+mn-lt"/>
+                <a:ea typeface="+mn-ea"/>
+                <a:cs typeface="+mn-cs"/>
+              </a:defRPr>
+            </a:lvl4pPr>
+            <a:lvl5pPr marL="2057400" indent="-228600" algn="l" defTabSz="914400" rtl="0" eaLnBrk="1" latinLnBrk="0" hangingPunct="1">
+              <a:lnSpc>
+                <a:spcPct val="90000"/>
+              </a:lnSpc>
+              <a:spcBef>
+                <a:spcPts val="500"/>
+              </a:spcBef>
+              <a:buFont typeface="Arial" panose="020B0604020202020204" pitchFamily="34" charset="0"/>
+              <a:buChar char="•"/>
+              <a:defRPr sz="1800" kern="1200">
+                <a:solidFill>
+                  <a:schemeClr val="tx1"/>
+                </a:solidFill>
+                <a:latin typeface="+mn-lt"/>
+                <a:ea typeface="+mn-ea"/>
+                <a:cs typeface="+mn-cs"/>
+              </a:defRPr>
+            </a:lvl5pPr>
+            <a:lvl6pPr marL="2514600" indent="-228600" algn="l" defTabSz="914400" rtl="0" eaLnBrk="1" latinLnBrk="0" hangingPunct="1">
+              <a:lnSpc>
+                <a:spcPct val="90000"/>
+              </a:lnSpc>
+              <a:spcBef>
+                <a:spcPts val="500"/>
+              </a:spcBef>
+              <a:buFont typeface="Arial" panose="020B0604020202020204" pitchFamily="34" charset="0"/>
+              <a:buChar char="•"/>
+              <a:defRPr sz="1800" kern="1200">
+                <a:solidFill>
+                  <a:schemeClr val="tx1"/>
+                </a:solidFill>
+                <a:latin typeface="+mn-lt"/>
+                <a:ea typeface="+mn-ea"/>
+                <a:cs typeface="+mn-cs"/>
+              </a:defRPr>
+            </a:lvl6pPr>
+            <a:lvl7pPr marL="2971800" indent="-228600" algn="l" defTabSz="914400" rtl="0" eaLnBrk="1" latinLnBrk="0" hangingPunct="1">
+              <a:lnSpc>
+                <a:spcPct val="90000"/>
+              </a:lnSpc>
+              <a:spcBef>
+                <a:spcPts val="500"/>
+              </a:spcBef>
+              <a:buFont typeface="Arial" panose="020B0604020202020204" pitchFamily="34" charset="0"/>
+              <a:buChar char="•"/>
+              <a:defRPr sz="1800" kern="1200">
+                <a:solidFill>
+                  <a:schemeClr val="tx1"/>
+                </a:solidFill>
+                <a:latin typeface="+mn-lt"/>
+                <a:ea typeface="+mn-ea"/>
+                <a:cs typeface="+mn-cs"/>
+              </a:defRPr>
+            </a:lvl7pPr>
+            <a:lvl8pPr marL="3429000" indent="-228600" algn="l" defTabSz="914400" rtl="0" eaLnBrk="1" latinLnBrk="0" hangingPunct="1">
+              <a:lnSpc>
+                <a:spcPct val="90000"/>
+              </a:lnSpc>
+              <a:spcBef>
+                <a:spcPts val="500"/>
+              </a:spcBef>
+              <a:buFont typeface="Arial" panose="020B0604020202020204" pitchFamily="34" charset="0"/>
+              <a:buChar char="•"/>
+              <a:defRPr sz="1800" kern="1200">
+                <a:solidFill>
+                  <a:schemeClr val="tx1"/>
+                </a:solidFill>
+                <a:latin typeface="+mn-lt"/>
+                <a:ea typeface="+mn-ea"/>
+                <a:cs typeface="+mn-cs"/>
+              </a:defRPr>
+            </a:lvl8pPr>
+            <a:lvl9pPr marL="3886200" indent="-228600" algn="l" defTabSz="914400" rtl="0" eaLnBrk="1" latinLnBrk="0" hangingPunct="1">
+              <a:lnSpc>
+                <a:spcPct val="90000"/>
+              </a:lnSpc>
+              <a:spcBef>
+                <a:spcPts val="500"/>
+              </a:spcBef>
+              <a:buFont typeface="Arial" panose="020B0604020202020204" pitchFamily="34" charset="0"/>
+              <a:buChar char="•"/>
+              <a:defRPr sz="1800" kern="1200">
+                <a:solidFill>
+                  <a:schemeClr val="tx1"/>
+                </a:solidFill>
+                <a:latin typeface="+mn-lt"/>
+                <a:ea typeface="+mn-ea"/>
+                <a:cs typeface="+mn-cs"/>
+              </a:defRPr>
+            </a:lvl9pPr>
+          </a:lstStyle>
+          <a:p>
+            <a:endParaRPr lang="en-US" dirty="0"/>
+          </a:p>
+        </p:txBody>
+      </p:sp>
+      <p:sp>
+        <p:nvSpPr>
+          <p:cNvPr id="13" name="Content Placeholder 2">
+            <a:extLst>
+              <a:ext uri="{FF2B5EF4-FFF2-40B4-BE49-F238E27FC236}">
+                <a16:creationId xmlns:a16="http://schemas.microsoft.com/office/drawing/2014/main" id="{7966A3DF-94E6-4A4C-8F9A-60ACD198AAD7}"/>
               </a:ext>
             </a:extLst>
           </p:cNvPr>
@@ -9021,122 +12280,808 @@
           </a:bodyPr>
           <a:lstStyle/>
           <a:p>
+            <a:endParaRPr lang="en-US" sz="1600" dirty="0"/>
+          </a:p>
+          <a:p>
+            <a:endParaRPr lang="en-US" sz="1600" dirty="0"/>
+          </a:p>
+          <a:p>
+            <a:endParaRPr lang="en-US" sz="1600" dirty="0"/>
+          </a:p>
+        </p:txBody>
+      </p:sp>
+      <p:sp>
+        <p:nvSpPr>
+          <p:cNvPr id="2" name="Rectangle 1">
+            <a:extLst>
+              <a:ext uri="{FF2B5EF4-FFF2-40B4-BE49-F238E27FC236}">
+                <a16:creationId xmlns:a16="http://schemas.microsoft.com/office/drawing/2014/main" id="{C56662EE-66C7-42AD-8E49-C2627C93CD35}"/>
+              </a:ext>
+            </a:extLst>
+          </p:cNvPr>
+          <p:cNvSpPr/>
+          <p:nvPr/>
+        </p:nvSpPr>
+        <p:spPr>
+          <a:xfrm>
+            <a:off x="1015200" y="1519200"/>
+            <a:ext cx="1490400" cy="835200"/>
+          </a:xfrm>
+          <a:prstGeom prst="rect">
+            <a:avLst/>
+          </a:prstGeom>
+        </p:spPr>
+        <p:style>
+          <a:lnRef idx="2">
+            <a:schemeClr val="accent1">
+              <a:shade val="50000"/>
+            </a:schemeClr>
+          </a:lnRef>
+          <a:fillRef idx="1">
+            <a:schemeClr val="accent1"/>
+          </a:fillRef>
+          <a:effectRef idx="0">
+            <a:schemeClr val="accent1"/>
+          </a:effectRef>
+          <a:fontRef idx="minor">
+            <a:schemeClr val="lt1"/>
+          </a:fontRef>
+        </p:style>
+        <p:txBody>
+          <a:bodyPr rtlCol="0" anchor="ctr"/>
+          <a:lstStyle/>
+          <a:p>
+            <a:pPr algn="ctr"/>
+            <a:r>
+              <a:rPr lang="en-US" dirty="0"/>
+              <a:t>BLEU</a:t>
+            </a:r>
+          </a:p>
+        </p:txBody>
+      </p:sp>
+      <p:sp>
+        <p:nvSpPr>
+          <p:cNvPr id="10" name="Rectangle 9">
+            <a:extLst>
+              <a:ext uri="{FF2B5EF4-FFF2-40B4-BE49-F238E27FC236}">
+                <a16:creationId xmlns:a16="http://schemas.microsoft.com/office/drawing/2014/main" id="{9CDD411F-B4CD-483E-B578-BDBC8F9B81F2}"/>
+              </a:ext>
+            </a:extLst>
+          </p:cNvPr>
+          <p:cNvSpPr/>
+          <p:nvPr/>
+        </p:nvSpPr>
+        <p:spPr>
+          <a:xfrm>
+            <a:off x="8951400" y="1519200"/>
+            <a:ext cx="1490400" cy="835200"/>
+          </a:xfrm>
+          <a:prstGeom prst="rect">
+            <a:avLst/>
+          </a:prstGeom>
+        </p:spPr>
+        <p:style>
+          <a:lnRef idx="2">
+            <a:schemeClr val="accent1">
+              <a:shade val="50000"/>
+            </a:schemeClr>
+          </a:lnRef>
+          <a:fillRef idx="1">
+            <a:schemeClr val="accent1"/>
+          </a:fillRef>
+          <a:effectRef idx="0">
+            <a:schemeClr val="accent1"/>
+          </a:effectRef>
+          <a:fontRef idx="minor">
+            <a:schemeClr val="lt1"/>
+          </a:fontRef>
+        </p:style>
+        <p:txBody>
+          <a:bodyPr rtlCol="0" anchor="ctr"/>
+          <a:lstStyle/>
+          <a:p>
+            <a:pPr algn="ctr"/>
+            <a:r>
+              <a:rPr lang="en-US" dirty="0"/>
+              <a:t>NIST</a:t>
+            </a:r>
+          </a:p>
+        </p:txBody>
+      </p:sp>
+      <p:sp>
+        <p:nvSpPr>
+          <p:cNvPr id="11" name="Rectangle 10">
+            <a:extLst>
+              <a:ext uri="{FF2B5EF4-FFF2-40B4-BE49-F238E27FC236}">
+                <a16:creationId xmlns:a16="http://schemas.microsoft.com/office/drawing/2014/main" id="{8B9D614C-B426-4CCE-9775-E7E98719BF3D}"/>
+              </a:ext>
+            </a:extLst>
+          </p:cNvPr>
+          <p:cNvSpPr/>
+          <p:nvPr/>
+        </p:nvSpPr>
+        <p:spPr>
+          <a:xfrm>
+            <a:off x="6306000" y="1519200"/>
+            <a:ext cx="1490400" cy="835200"/>
+          </a:xfrm>
+          <a:prstGeom prst="rect">
+            <a:avLst/>
+          </a:prstGeom>
+        </p:spPr>
+        <p:style>
+          <a:lnRef idx="2">
+            <a:schemeClr val="accent1">
+              <a:shade val="50000"/>
+            </a:schemeClr>
+          </a:lnRef>
+          <a:fillRef idx="1">
+            <a:schemeClr val="accent1"/>
+          </a:fillRef>
+          <a:effectRef idx="0">
+            <a:schemeClr val="accent1"/>
+          </a:effectRef>
+          <a:fontRef idx="minor">
+            <a:schemeClr val="lt1"/>
+          </a:fontRef>
+        </p:style>
+        <p:txBody>
+          <a:bodyPr rtlCol="0" anchor="ctr"/>
+          <a:lstStyle/>
+          <a:p>
+            <a:pPr algn="ctr"/>
+            <a:r>
+              <a:rPr lang="en-US" dirty="0"/>
+              <a:t>More information = more weight</a:t>
+            </a:r>
+          </a:p>
+        </p:txBody>
+      </p:sp>
+      <p:sp>
+        <p:nvSpPr>
+          <p:cNvPr id="12" name="Rectangle 11">
+            <a:extLst>
+              <a:ext uri="{FF2B5EF4-FFF2-40B4-BE49-F238E27FC236}">
+                <a16:creationId xmlns:a16="http://schemas.microsoft.com/office/drawing/2014/main" id="{B4B73FFB-F947-4F81-8A97-0DB7C80021D9}"/>
+              </a:ext>
+            </a:extLst>
+          </p:cNvPr>
+          <p:cNvSpPr/>
+          <p:nvPr/>
+        </p:nvSpPr>
+        <p:spPr>
+          <a:xfrm>
+            <a:off x="3660600" y="1519200"/>
+            <a:ext cx="1490400" cy="835200"/>
+          </a:xfrm>
+          <a:prstGeom prst="rect">
+            <a:avLst/>
+          </a:prstGeom>
+        </p:spPr>
+        <p:style>
+          <a:lnRef idx="2">
+            <a:schemeClr val="accent1">
+              <a:shade val="50000"/>
+            </a:schemeClr>
+          </a:lnRef>
+          <a:fillRef idx="1">
+            <a:schemeClr val="accent1"/>
+          </a:fillRef>
+          <a:effectRef idx="0">
+            <a:schemeClr val="accent1"/>
+          </a:effectRef>
+          <a:fontRef idx="minor">
+            <a:schemeClr val="lt1"/>
+          </a:fontRef>
+        </p:style>
+        <p:txBody>
+          <a:bodyPr rtlCol="0" anchor="ctr"/>
+          <a:lstStyle/>
+          <a:p>
+            <a:pPr algn="ctr"/>
+            <a:r>
+              <a:rPr lang="en-US" dirty="0"/>
+              <a:t>Arithmetic mean</a:t>
+            </a:r>
+          </a:p>
+        </p:txBody>
+      </p:sp>
+      <p:cxnSp>
+        <p:nvCxnSpPr>
+          <p:cNvPr id="6" name="Straight Arrow Connector 5">
+            <a:extLst>
+              <a:ext uri="{FF2B5EF4-FFF2-40B4-BE49-F238E27FC236}">
+                <a16:creationId xmlns:a16="http://schemas.microsoft.com/office/drawing/2014/main" id="{C2EB7CAD-78A0-4949-9D0E-67798C464382}"/>
+              </a:ext>
+            </a:extLst>
+          </p:cNvPr>
+          <p:cNvCxnSpPr>
+            <a:stCxn id="2" idx="3"/>
+            <a:endCxn id="12" idx="1"/>
+          </p:cNvCxnSpPr>
+          <p:nvPr/>
+        </p:nvCxnSpPr>
+        <p:spPr>
+          <a:xfrm>
+            <a:off x="2505600" y="1936800"/>
+            <a:ext cx="1155000" cy="0"/>
+          </a:xfrm>
+          <a:prstGeom prst="straightConnector1">
+            <a:avLst/>
+          </a:prstGeom>
+          <a:ln>
+            <a:tailEnd type="triangle"/>
+          </a:ln>
+        </p:spPr>
+        <p:style>
+          <a:lnRef idx="1">
+            <a:schemeClr val="accent1"/>
+          </a:lnRef>
+          <a:fillRef idx="0">
+            <a:schemeClr val="accent1"/>
+          </a:fillRef>
+          <a:effectRef idx="0">
+            <a:schemeClr val="accent1"/>
+          </a:effectRef>
+          <a:fontRef idx="minor">
+            <a:schemeClr val="tx1"/>
+          </a:fontRef>
+        </p:style>
+      </p:cxnSp>
+      <p:cxnSp>
+        <p:nvCxnSpPr>
+          <p:cNvPr id="17" name="Straight Arrow Connector 16">
+            <a:extLst>
+              <a:ext uri="{FF2B5EF4-FFF2-40B4-BE49-F238E27FC236}">
+                <a16:creationId xmlns:a16="http://schemas.microsoft.com/office/drawing/2014/main" id="{0AC5C6FC-DC29-4A31-9EEA-1B91225E34E9}"/>
+              </a:ext>
+            </a:extLst>
+          </p:cNvPr>
+          <p:cNvCxnSpPr>
+            <a:stCxn id="12" idx="3"/>
+            <a:endCxn id="11" idx="1"/>
+          </p:cNvCxnSpPr>
+          <p:nvPr/>
+        </p:nvCxnSpPr>
+        <p:spPr>
+          <a:xfrm>
+            <a:off x="5151000" y="1936800"/>
+            <a:ext cx="1155000" cy="0"/>
+          </a:xfrm>
+          <a:prstGeom prst="straightConnector1">
+            <a:avLst/>
+          </a:prstGeom>
+          <a:ln>
+            <a:tailEnd type="triangle"/>
+          </a:ln>
+        </p:spPr>
+        <p:style>
+          <a:lnRef idx="1">
+            <a:schemeClr val="accent1"/>
+          </a:lnRef>
+          <a:fillRef idx="0">
+            <a:schemeClr val="accent1"/>
+          </a:fillRef>
+          <a:effectRef idx="0">
+            <a:schemeClr val="accent1"/>
+          </a:effectRef>
+          <a:fontRef idx="minor">
+            <a:schemeClr val="tx1"/>
+          </a:fontRef>
+        </p:style>
+      </p:cxnSp>
+      <p:cxnSp>
+        <p:nvCxnSpPr>
+          <p:cNvPr id="19" name="Straight Arrow Connector 18">
+            <a:extLst>
+              <a:ext uri="{FF2B5EF4-FFF2-40B4-BE49-F238E27FC236}">
+                <a16:creationId xmlns:a16="http://schemas.microsoft.com/office/drawing/2014/main" id="{A50B985D-4266-44E2-80FB-6D9C50527754}"/>
+              </a:ext>
+            </a:extLst>
+          </p:cNvPr>
+          <p:cNvCxnSpPr>
+            <a:stCxn id="11" idx="3"/>
+            <a:endCxn id="10" idx="1"/>
+          </p:cNvCxnSpPr>
+          <p:nvPr/>
+        </p:nvCxnSpPr>
+        <p:spPr>
+          <a:xfrm>
+            <a:off x="7796400" y="1936800"/>
+            <a:ext cx="1155000" cy="0"/>
+          </a:xfrm>
+          <a:prstGeom prst="straightConnector1">
+            <a:avLst/>
+          </a:prstGeom>
+          <a:ln>
+            <a:tailEnd type="triangle"/>
+          </a:ln>
+        </p:spPr>
+        <p:style>
+          <a:lnRef idx="1">
+            <a:schemeClr val="accent1"/>
+          </a:lnRef>
+          <a:fillRef idx="0">
+            <a:schemeClr val="accent1"/>
+          </a:fillRef>
+          <a:effectRef idx="0">
+            <a:schemeClr val="accent1"/>
+          </a:effectRef>
+          <a:fontRef idx="minor">
+            <a:schemeClr val="tx1"/>
+          </a:fontRef>
+        </p:style>
+      </p:cxnSp>
+      <p:sp>
+        <p:nvSpPr>
+          <p:cNvPr id="22" name="Content Placeholder 2">
+            <a:extLst>
+              <a:ext uri="{FF2B5EF4-FFF2-40B4-BE49-F238E27FC236}">
+                <a16:creationId xmlns:a16="http://schemas.microsoft.com/office/drawing/2014/main" id="{69FAE743-4FFF-4886-BC5F-70C0A95A92FA}"/>
+              </a:ext>
+            </a:extLst>
+          </p:cNvPr>
+          <p:cNvSpPr txBox="1">
+            <a:spLocks/>
+          </p:cNvSpPr>
+          <p:nvPr/>
+        </p:nvSpPr>
+        <p:spPr>
+          <a:xfrm>
+            <a:off x="990600" y="2541599"/>
+            <a:ext cx="10515600" cy="3215469"/>
+          </a:xfrm>
+          <a:prstGeom prst="rect">
+            <a:avLst/>
+          </a:prstGeom>
+        </p:spPr>
+        <p:txBody>
+          <a:bodyPr vert="horz" lIns="91440" tIns="45720" rIns="91440" bIns="45720" rtlCol="0">
+            <a:normAutofit/>
+          </a:bodyPr>
+          <a:lstStyle>
+            <a:lvl1pPr marL="228600" indent="-228600" algn="l" defTabSz="914400" rtl="0" eaLnBrk="1" latinLnBrk="0" hangingPunct="1">
+              <a:lnSpc>
+                <a:spcPct val="90000"/>
+              </a:lnSpc>
+              <a:spcBef>
+                <a:spcPts val="1000"/>
+              </a:spcBef>
+              <a:buFont typeface="Arial" panose="020B0604020202020204" pitchFamily="34" charset="0"/>
+              <a:buChar char="•"/>
+              <a:defRPr sz="2800" kern="1200">
+                <a:solidFill>
+                  <a:schemeClr val="tx1"/>
+                </a:solidFill>
+                <a:latin typeface="+mn-lt"/>
+                <a:ea typeface="+mn-ea"/>
+                <a:cs typeface="+mn-cs"/>
+              </a:defRPr>
+            </a:lvl1pPr>
+            <a:lvl2pPr marL="685800" indent="-228600" algn="l" defTabSz="914400" rtl="0" eaLnBrk="1" latinLnBrk="0" hangingPunct="1">
+              <a:lnSpc>
+                <a:spcPct val="90000"/>
+              </a:lnSpc>
+              <a:spcBef>
+                <a:spcPts val="500"/>
+              </a:spcBef>
+              <a:buFont typeface="Arial" panose="020B0604020202020204" pitchFamily="34" charset="0"/>
+              <a:buChar char="•"/>
+              <a:defRPr sz="2400" kern="1200">
+                <a:solidFill>
+                  <a:schemeClr val="tx1"/>
+                </a:solidFill>
+                <a:latin typeface="+mn-lt"/>
+                <a:ea typeface="+mn-ea"/>
+                <a:cs typeface="+mn-cs"/>
+              </a:defRPr>
+            </a:lvl2pPr>
+            <a:lvl3pPr marL="1143000" indent="-228600" algn="l" defTabSz="914400" rtl="0" eaLnBrk="1" latinLnBrk="0" hangingPunct="1">
+              <a:lnSpc>
+                <a:spcPct val="90000"/>
+              </a:lnSpc>
+              <a:spcBef>
+                <a:spcPts val="500"/>
+              </a:spcBef>
+              <a:buFont typeface="Arial" panose="020B0604020202020204" pitchFamily="34" charset="0"/>
+              <a:buChar char="•"/>
+              <a:defRPr sz="2000" kern="1200">
+                <a:solidFill>
+                  <a:schemeClr val="tx1"/>
+                </a:solidFill>
+                <a:latin typeface="+mn-lt"/>
+                <a:ea typeface="+mn-ea"/>
+                <a:cs typeface="+mn-cs"/>
+              </a:defRPr>
+            </a:lvl3pPr>
+            <a:lvl4pPr marL="1600200" indent="-228600" algn="l" defTabSz="914400" rtl="0" eaLnBrk="1" latinLnBrk="0" hangingPunct="1">
+              <a:lnSpc>
+                <a:spcPct val="90000"/>
+              </a:lnSpc>
+              <a:spcBef>
+                <a:spcPts val="500"/>
+              </a:spcBef>
+              <a:buFont typeface="Arial" panose="020B0604020202020204" pitchFamily="34" charset="0"/>
+              <a:buChar char="•"/>
+              <a:defRPr sz="1800" kern="1200">
+                <a:solidFill>
+                  <a:schemeClr val="tx1"/>
+                </a:solidFill>
+                <a:latin typeface="+mn-lt"/>
+                <a:ea typeface="+mn-ea"/>
+                <a:cs typeface="+mn-cs"/>
+              </a:defRPr>
+            </a:lvl4pPr>
+            <a:lvl5pPr marL="2057400" indent="-228600" algn="l" defTabSz="914400" rtl="0" eaLnBrk="1" latinLnBrk="0" hangingPunct="1">
+              <a:lnSpc>
+                <a:spcPct val="90000"/>
+              </a:lnSpc>
+              <a:spcBef>
+                <a:spcPts val="500"/>
+              </a:spcBef>
+              <a:buFont typeface="Arial" panose="020B0604020202020204" pitchFamily="34" charset="0"/>
+              <a:buChar char="•"/>
+              <a:defRPr sz="1800" kern="1200">
+                <a:solidFill>
+                  <a:schemeClr val="tx1"/>
+                </a:solidFill>
+                <a:latin typeface="+mn-lt"/>
+                <a:ea typeface="+mn-ea"/>
+                <a:cs typeface="+mn-cs"/>
+              </a:defRPr>
+            </a:lvl5pPr>
+            <a:lvl6pPr marL="2514600" indent="-228600" algn="l" defTabSz="914400" rtl="0" eaLnBrk="1" latinLnBrk="0" hangingPunct="1">
+              <a:lnSpc>
+                <a:spcPct val="90000"/>
+              </a:lnSpc>
+              <a:spcBef>
+                <a:spcPts val="500"/>
+              </a:spcBef>
+              <a:buFont typeface="Arial" panose="020B0604020202020204" pitchFamily="34" charset="0"/>
+              <a:buChar char="•"/>
+              <a:defRPr sz="1800" kern="1200">
+                <a:solidFill>
+                  <a:schemeClr val="tx1"/>
+                </a:solidFill>
+                <a:latin typeface="+mn-lt"/>
+                <a:ea typeface="+mn-ea"/>
+                <a:cs typeface="+mn-cs"/>
+              </a:defRPr>
+            </a:lvl6pPr>
+            <a:lvl7pPr marL="2971800" indent="-228600" algn="l" defTabSz="914400" rtl="0" eaLnBrk="1" latinLnBrk="0" hangingPunct="1">
+              <a:lnSpc>
+                <a:spcPct val="90000"/>
+              </a:lnSpc>
+              <a:spcBef>
+                <a:spcPts val="500"/>
+              </a:spcBef>
+              <a:buFont typeface="Arial" panose="020B0604020202020204" pitchFamily="34" charset="0"/>
+              <a:buChar char="•"/>
+              <a:defRPr sz="1800" kern="1200">
+                <a:solidFill>
+                  <a:schemeClr val="tx1"/>
+                </a:solidFill>
+                <a:latin typeface="+mn-lt"/>
+                <a:ea typeface="+mn-ea"/>
+                <a:cs typeface="+mn-cs"/>
+              </a:defRPr>
+            </a:lvl7pPr>
+            <a:lvl8pPr marL="3429000" indent="-228600" algn="l" defTabSz="914400" rtl="0" eaLnBrk="1" latinLnBrk="0" hangingPunct="1">
+              <a:lnSpc>
+                <a:spcPct val="90000"/>
+              </a:lnSpc>
+              <a:spcBef>
+                <a:spcPts val="500"/>
+              </a:spcBef>
+              <a:buFont typeface="Arial" panose="020B0604020202020204" pitchFamily="34" charset="0"/>
+              <a:buChar char="•"/>
+              <a:defRPr sz="1800" kern="1200">
+                <a:solidFill>
+                  <a:schemeClr val="tx1"/>
+                </a:solidFill>
+                <a:latin typeface="+mn-lt"/>
+                <a:ea typeface="+mn-ea"/>
+                <a:cs typeface="+mn-cs"/>
+              </a:defRPr>
+            </a:lvl8pPr>
+            <a:lvl9pPr marL="3886200" indent="-228600" algn="l" defTabSz="914400" rtl="0" eaLnBrk="1" latinLnBrk="0" hangingPunct="1">
+              <a:lnSpc>
+                <a:spcPct val="90000"/>
+              </a:lnSpc>
+              <a:spcBef>
+                <a:spcPts val="500"/>
+              </a:spcBef>
+              <a:buFont typeface="Arial" panose="020B0604020202020204" pitchFamily="34" charset="0"/>
+              <a:buChar char="•"/>
+              <a:defRPr sz="1800" kern="1200">
+                <a:solidFill>
+                  <a:schemeClr val="tx1"/>
+                </a:solidFill>
+                <a:latin typeface="+mn-lt"/>
+                <a:ea typeface="+mn-ea"/>
+                <a:cs typeface="+mn-cs"/>
+              </a:defRPr>
+            </a:lvl9pPr>
+          </a:lstStyle>
+          <a:p>
+            <a:endParaRPr lang="en-US" sz="1600" dirty="0"/>
+          </a:p>
+          <a:p>
+            <a:endParaRPr lang="en-US" sz="1600" dirty="0"/>
+          </a:p>
+          <a:p>
+            <a:endParaRPr lang="en-US" sz="1600" dirty="0"/>
+          </a:p>
+        </p:txBody>
+      </p:sp>
+      <p:sp>
+        <p:nvSpPr>
+          <p:cNvPr id="23" name="Content Placeholder 2">
+            <a:extLst>
+              <a:ext uri="{FF2B5EF4-FFF2-40B4-BE49-F238E27FC236}">
+                <a16:creationId xmlns:a16="http://schemas.microsoft.com/office/drawing/2014/main" id="{17DEB21C-4125-48F3-BA62-C6A3D5AF55FB}"/>
+              </a:ext>
+            </a:extLst>
+          </p:cNvPr>
+          <p:cNvSpPr txBox="1">
+            <a:spLocks/>
+          </p:cNvSpPr>
+          <p:nvPr/>
+        </p:nvSpPr>
+        <p:spPr>
+          <a:xfrm>
+            <a:off x="990600" y="2536083"/>
+            <a:ext cx="10515600" cy="3220986"/>
+          </a:xfrm>
+          <a:prstGeom prst="rect">
+            <a:avLst/>
+          </a:prstGeom>
+        </p:spPr>
+        <p:txBody>
+          <a:bodyPr vert="horz" lIns="91440" tIns="45720" rIns="91440" bIns="45720" rtlCol="0">
+            <a:normAutofit/>
+          </a:bodyPr>
+          <a:lstStyle>
+            <a:lvl1pPr marL="228600" indent="-228600" algn="l" defTabSz="914400" rtl="0" eaLnBrk="1" latinLnBrk="0" hangingPunct="1">
+              <a:lnSpc>
+                <a:spcPct val="90000"/>
+              </a:lnSpc>
+              <a:spcBef>
+                <a:spcPts val="1000"/>
+              </a:spcBef>
+              <a:buFont typeface="Arial" panose="020B0604020202020204" pitchFamily="34" charset="0"/>
+              <a:buChar char="•"/>
+              <a:defRPr sz="2800" kern="1200">
+                <a:solidFill>
+                  <a:schemeClr val="tx1"/>
+                </a:solidFill>
+                <a:latin typeface="+mn-lt"/>
+                <a:ea typeface="+mn-ea"/>
+                <a:cs typeface="+mn-cs"/>
+              </a:defRPr>
+            </a:lvl1pPr>
+            <a:lvl2pPr marL="685800" indent="-228600" algn="l" defTabSz="914400" rtl="0" eaLnBrk="1" latinLnBrk="0" hangingPunct="1">
+              <a:lnSpc>
+                <a:spcPct val="90000"/>
+              </a:lnSpc>
+              <a:spcBef>
+                <a:spcPts val="500"/>
+              </a:spcBef>
+              <a:buFont typeface="Arial" panose="020B0604020202020204" pitchFamily="34" charset="0"/>
+              <a:buChar char="•"/>
+              <a:defRPr sz="2400" kern="1200">
+                <a:solidFill>
+                  <a:schemeClr val="tx1"/>
+                </a:solidFill>
+                <a:latin typeface="+mn-lt"/>
+                <a:ea typeface="+mn-ea"/>
+                <a:cs typeface="+mn-cs"/>
+              </a:defRPr>
+            </a:lvl2pPr>
+            <a:lvl3pPr marL="1143000" indent="-228600" algn="l" defTabSz="914400" rtl="0" eaLnBrk="1" latinLnBrk="0" hangingPunct="1">
+              <a:lnSpc>
+                <a:spcPct val="90000"/>
+              </a:lnSpc>
+              <a:spcBef>
+                <a:spcPts val="500"/>
+              </a:spcBef>
+              <a:buFont typeface="Arial" panose="020B0604020202020204" pitchFamily="34" charset="0"/>
+              <a:buChar char="•"/>
+              <a:defRPr sz="2000" kern="1200">
+                <a:solidFill>
+                  <a:schemeClr val="tx1"/>
+                </a:solidFill>
+                <a:latin typeface="+mn-lt"/>
+                <a:ea typeface="+mn-ea"/>
+                <a:cs typeface="+mn-cs"/>
+              </a:defRPr>
+            </a:lvl3pPr>
+            <a:lvl4pPr marL="1600200" indent="-228600" algn="l" defTabSz="914400" rtl="0" eaLnBrk="1" latinLnBrk="0" hangingPunct="1">
+              <a:lnSpc>
+                <a:spcPct val="90000"/>
+              </a:lnSpc>
+              <a:spcBef>
+                <a:spcPts val="500"/>
+              </a:spcBef>
+              <a:buFont typeface="Arial" panose="020B0604020202020204" pitchFamily="34" charset="0"/>
+              <a:buChar char="•"/>
+              <a:defRPr sz="1800" kern="1200">
+                <a:solidFill>
+                  <a:schemeClr val="tx1"/>
+                </a:solidFill>
+                <a:latin typeface="+mn-lt"/>
+                <a:ea typeface="+mn-ea"/>
+                <a:cs typeface="+mn-cs"/>
+              </a:defRPr>
+            </a:lvl4pPr>
+            <a:lvl5pPr marL="2057400" indent="-228600" algn="l" defTabSz="914400" rtl="0" eaLnBrk="1" latinLnBrk="0" hangingPunct="1">
+              <a:lnSpc>
+                <a:spcPct val="90000"/>
+              </a:lnSpc>
+              <a:spcBef>
+                <a:spcPts val="500"/>
+              </a:spcBef>
+              <a:buFont typeface="Arial" panose="020B0604020202020204" pitchFamily="34" charset="0"/>
+              <a:buChar char="•"/>
+              <a:defRPr sz="1800" kern="1200">
+                <a:solidFill>
+                  <a:schemeClr val="tx1"/>
+                </a:solidFill>
+                <a:latin typeface="+mn-lt"/>
+                <a:ea typeface="+mn-ea"/>
+                <a:cs typeface="+mn-cs"/>
+              </a:defRPr>
+            </a:lvl5pPr>
+            <a:lvl6pPr marL="2514600" indent="-228600" algn="l" defTabSz="914400" rtl="0" eaLnBrk="1" latinLnBrk="0" hangingPunct="1">
+              <a:lnSpc>
+                <a:spcPct val="90000"/>
+              </a:lnSpc>
+              <a:spcBef>
+                <a:spcPts val="500"/>
+              </a:spcBef>
+              <a:buFont typeface="Arial" panose="020B0604020202020204" pitchFamily="34" charset="0"/>
+              <a:buChar char="•"/>
+              <a:defRPr sz="1800" kern="1200">
+                <a:solidFill>
+                  <a:schemeClr val="tx1"/>
+                </a:solidFill>
+                <a:latin typeface="+mn-lt"/>
+                <a:ea typeface="+mn-ea"/>
+                <a:cs typeface="+mn-cs"/>
+              </a:defRPr>
+            </a:lvl6pPr>
+            <a:lvl7pPr marL="2971800" indent="-228600" algn="l" defTabSz="914400" rtl="0" eaLnBrk="1" latinLnBrk="0" hangingPunct="1">
+              <a:lnSpc>
+                <a:spcPct val="90000"/>
+              </a:lnSpc>
+              <a:spcBef>
+                <a:spcPts val="500"/>
+              </a:spcBef>
+              <a:buFont typeface="Arial" panose="020B0604020202020204" pitchFamily="34" charset="0"/>
+              <a:buChar char="•"/>
+              <a:defRPr sz="1800" kern="1200">
+                <a:solidFill>
+                  <a:schemeClr val="tx1"/>
+                </a:solidFill>
+                <a:latin typeface="+mn-lt"/>
+                <a:ea typeface="+mn-ea"/>
+                <a:cs typeface="+mn-cs"/>
+              </a:defRPr>
+            </a:lvl7pPr>
+            <a:lvl8pPr marL="3429000" indent="-228600" algn="l" defTabSz="914400" rtl="0" eaLnBrk="1" latinLnBrk="0" hangingPunct="1">
+              <a:lnSpc>
+                <a:spcPct val="90000"/>
+              </a:lnSpc>
+              <a:spcBef>
+                <a:spcPts val="500"/>
+              </a:spcBef>
+              <a:buFont typeface="Arial" panose="020B0604020202020204" pitchFamily="34" charset="0"/>
+              <a:buChar char="•"/>
+              <a:defRPr sz="1800" kern="1200">
+                <a:solidFill>
+                  <a:schemeClr val="tx1"/>
+                </a:solidFill>
+                <a:latin typeface="+mn-lt"/>
+                <a:ea typeface="+mn-ea"/>
+                <a:cs typeface="+mn-cs"/>
+              </a:defRPr>
+            </a:lvl8pPr>
+            <a:lvl9pPr marL="3886200" indent="-228600" algn="l" defTabSz="914400" rtl="0" eaLnBrk="1" latinLnBrk="0" hangingPunct="1">
+              <a:lnSpc>
+                <a:spcPct val="90000"/>
+              </a:lnSpc>
+              <a:spcBef>
+                <a:spcPts val="500"/>
+              </a:spcBef>
+              <a:buFont typeface="Arial" panose="020B0604020202020204" pitchFamily="34" charset="0"/>
+              <a:buChar char="•"/>
+              <a:defRPr sz="1800" kern="1200">
+                <a:solidFill>
+                  <a:schemeClr val="tx1"/>
+                </a:solidFill>
+                <a:latin typeface="+mn-lt"/>
+                <a:ea typeface="+mn-ea"/>
+                <a:cs typeface="+mn-cs"/>
+              </a:defRPr>
+            </a:lvl9pPr>
+          </a:lstStyle>
+          <a:p>
+            <a:r>
+              <a:rPr lang="en-US" sz="1600" dirty="0"/>
+              <a:t>Improve BLEU by rewarding the translation of infrequently used words</a:t>
+            </a:r>
+          </a:p>
+          <a:p>
+            <a:r>
+              <a:rPr lang="en-US" sz="1600" dirty="0"/>
+              <a:t>Heavier weights </a:t>
+            </a:r>
+            <a:r>
+              <a:rPr lang="en-US" sz="1600" dirty="0">
+                <a:sym typeface="Wingdings" panose="05000000000000000000" pitchFamily="2" charset="2"/>
+              </a:rPr>
+              <a:t> infrequent words</a:t>
+            </a:r>
+          </a:p>
+          <a:p>
+            <a:r>
+              <a:rPr lang="en-US" sz="1600" dirty="0">
+                <a:sym typeface="Wingdings" panose="05000000000000000000" pitchFamily="2" charset="2"/>
+              </a:rPr>
+              <a:t>Arithmetic mean over Geometric mean</a:t>
+            </a:r>
+          </a:p>
+          <a:p>
             <a:pPr marL="0" indent="0">
               <a:buNone/>
             </a:pPr>
             <a:endParaRPr lang="en-US" sz="1600" dirty="0"/>
           </a:p>
           <a:p>
-            <a:pPr marL="0" indent="0">
-              <a:buNone/>
-            </a:pPr>
-            <a:r>
-              <a:rPr lang="en-US" sz="1600" dirty="0"/>
-              <a:t>https://en.wikipedia.org/wiki/NIST_(metric)</a:t>
-            </a:r>
-          </a:p>
-          <a:p>
-            <a:pPr lvl="1"/>
             <a:endParaRPr lang="en-US" sz="1600" dirty="0"/>
           </a:p>
         </p:txBody>
       </p:sp>
-      <p:sp>
-        <p:nvSpPr>
-          <p:cNvPr id="6" name="Title 1">
+      <p:pic>
+        <p:nvPicPr>
+          <p:cNvPr id="25" name="Picture 24" descr="Diagram, text, letter&#10;&#10;Description automatically generated">
             <a:extLst>
               <a:ext uri="{FF2B5EF4-FFF2-40B4-BE49-F238E27FC236}">
-                <a16:creationId xmlns:a16="http://schemas.microsoft.com/office/drawing/2014/main" id="{45160E43-D6E0-43F6-A9D3-37C4263B6C86}"/>
+                <a16:creationId xmlns:a16="http://schemas.microsoft.com/office/drawing/2014/main" id="{066A3FCD-7A3A-4BCD-AD09-A658363A3CF3}"/>
               </a:ext>
             </a:extLst>
           </p:cNvPr>
-          <p:cNvSpPr>
-            <a:spLocks noGrp="1"/>
-          </p:cNvSpPr>
-          <p:nvPr>
-            <p:ph type="title"/>
-          </p:nvPr>
-        </p:nvSpPr>
+          <p:cNvPicPr>
+            <a:picLocks noChangeAspect="1"/>
+          </p:cNvPicPr>
+          <p:nvPr/>
+        </p:nvPicPr>
+        <p:blipFill>
+          <a:blip r:embed="rId3">
+            <a:extLst>
+              <a:ext uri="{28A0092B-C50C-407E-A947-70E740481C1C}">
+                <a14:useLocalDpi xmlns:a14="http://schemas.microsoft.com/office/drawing/2010/main" val="0"/>
+              </a:ext>
+            </a:extLst>
+          </a:blip>
+          <a:stretch>
+            <a:fillRect/>
+          </a:stretch>
+        </p:blipFill>
         <p:spPr>
           <a:xfrm>
-            <a:off x="838200" y="365126"/>
-            <a:ext cx="10515600" cy="771912"/>
+            <a:off x="1141388" y="3785845"/>
+            <a:ext cx="4692823" cy="1701647"/>
           </a:xfrm>
+          <a:prstGeom prst="rect">
+            <a:avLst/>
+          </a:prstGeom>
         </p:spPr>
-        <p:txBody>
-          <a:bodyPr>
-            <a:normAutofit/>
-          </a:bodyPr>
-          <a:lstStyle/>
-          <a:p>
-            <a:r>
-              <a:rPr lang="en-US" sz="2400" b="1" dirty="0"/>
-              <a:t>NIST Metric</a:t>
-            </a:r>
-          </a:p>
-        </p:txBody>
-      </p:sp>
-      <p:sp>
-        <p:nvSpPr>
-          <p:cNvPr id="7" name="Footer Placeholder 6">
-            <a:extLst>
-              <a:ext uri="{FF2B5EF4-FFF2-40B4-BE49-F238E27FC236}">
-                <a16:creationId xmlns:a16="http://schemas.microsoft.com/office/drawing/2014/main" id="{4D08325B-C998-4B06-BBBF-5AA92E9498B3}"/>
-              </a:ext>
-            </a:extLst>
-          </p:cNvPr>
-          <p:cNvSpPr>
-            <a:spLocks noGrp="1"/>
-          </p:cNvSpPr>
-          <p:nvPr>
-            <p:ph type="ftr" sz="quarter" idx="11"/>
-          </p:nvPr>
-        </p:nvSpPr>
-        <p:spPr/>
-        <p:txBody>
-          <a:bodyPr/>
-          <a:lstStyle/>
-          <a:p>
-            <a:r>
-              <a:rPr lang="en-US"/>
-              <a:t>NLP COE</a:t>
-            </a:r>
-          </a:p>
-        </p:txBody>
-      </p:sp>
-      <p:sp>
-        <p:nvSpPr>
-          <p:cNvPr id="8" name="Slide Number Placeholder 7">
-            <a:extLst>
-              <a:ext uri="{FF2B5EF4-FFF2-40B4-BE49-F238E27FC236}">
-                <a16:creationId xmlns:a16="http://schemas.microsoft.com/office/drawing/2014/main" id="{5AC68E0A-89FD-42C9-8C6D-B5A1CBA735E0}"/>
-              </a:ext>
-            </a:extLst>
-          </p:cNvPr>
-          <p:cNvSpPr>
-            <a:spLocks noGrp="1"/>
-          </p:cNvSpPr>
-          <p:nvPr>
-            <p:ph type="sldNum" sz="quarter" idx="12"/>
-          </p:nvPr>
-        </p:nvSpPr>
-        <p:spPr/>
-        <p:txBody>
-          <a:bodyPr/>
-          <a:lstStyle/>
-          <a:p>
-            <a:fld id="{28C167EA-80E2-4EC1-B2DF-B4278EFC6F4B}" type="slidenum">
-              <a:rPr lang="en-US" smtClean="0"/>
-              <a:t>7</a:t>
-            </a:fld>
-            <a:endParaRPr lang="en-US"/>
-          </a:p>
-        </p:txBody>
-      </p:sp>
+      </p:pic>
     </p:spTree>
     <p:extLst>
       <p:ext uri="{BB962C8B-B14F-4D97-AF65-F5344CB8AC3E}">
-        <p14:creationId xmlns:p14="http://schemas.microsoft.com/office/powerpoint/2010/main" val="1971966141"/>
+        <p14:creationId xmlns:p14="http://schemas.microsoft.com/office/powerpoint/2010/main" val="3014315745"/>
       </p:ext>
     </p:extLst>
   </p:cSld>
@@ -9165,10 +13110,298 @@
       </p:grpSpPr>
       <p:sp>
         <p:nvSpPr>
-          <p:cNvPr id="3" name="Content Placeholder 2">
+          <p:cNvPr id="4" name="Footer Placeholder 3">
             <a:extLst>
               <a:ext uri="{FF2B5EF4-FFF2-40B4-BE49-F238E27FC236}">
-                <a16:creationId xmlns:a16="http://schemas.microsoft.com/office/drawing/2014/main" id="{F36858AC-28FA-4846-A89D-6BD2957586D9}"/>
+                <a16:creationId xmlns:a16="http://schemas.microsoft.com/office/drawing/2014/main" id="{B616B34A-879D-4EE6-BC5A-001F4917872B}"/>
+              </a:ext>
+            </a:extLst>
+          </p:cNvPr>
+          <p:cNvSpPr>
+            <a:spLocks noGrp="1"/>
+          </p:cNvSpPr>
+          <p:nvPr>
+            <p:ph type="ftr" sz="quarter" idx="11"/>
+          </p:nvPr>
+        </p:nvSpPr>
+        <p:spPr/>
+        <p:txBody>
+          <a:bodyPr/>
+          <a:lstStyle/>
+          <a:p>
+            <a:r>
+              <a:rPr lang="en-US"/>
+              <a:t>NLP COE</a:t>
+            </a:r>
+          </a:p>
+        </p:txBody>
+      </p:sp>
+      <p:sp>
+        <p:nvSpPr>
+          <p:cNvPr id="5" name="Slide Number Placeholder 4">
+            <a:extLst>
+              <a:ext uri="{FF2B5EF4-FFF2-40B4-BE49-F238E27FC236}">
+                <a16:creationId xmlns:a16="http://schemas.microsoft.com/office/drawing/2014/main" id="{B4DC7B9C-E7F2-482C-A87D-988E6E9D9B84}"/>
+              </a:ext>
+            </a:extLst>
+          </p:cNvPr>
+          <p:cNvSpPr>
+            <a:spLocks noGrp="1"/>
+          </p:cNvSpPr>
+          <p:nvPr>
+            <p:ph type="sldNum" sz="quarter" idx="12"/>
+          </p:nvPr>
+        </p:nvSpPr>
+        <p:spPr/>
+        <p:txBody>
+          <a:bodyPr/>
+          <a:lstStyle/>
+          <a:p>
+            <a:fld id="{28C167EA-80E2-4EC1-B2DF-B4278EFC6F4B}" type="slidenum">
+              <a:rPr lang="en-US" smtClean="0"/>
+              <a:t>8</a:t>
+            </a:fld>
+            <a:endParaRPr lang="en-US"/>
+          </a:p>
+        </p:txBody>
+      </p:sp>
+      <p:sp>
+        <p:nvSpPr>
+          <p:cNvPr id="8" name="Title 1">
+            <a:extLst>
+              <a:ext uri="{FF2B5EF4-FFF2-40B4-BE49-F238E27FC236}">
+                <a16:creationId xmlns:a16="http://schemas.microsoft.com/office/drawing/2014/main" id="{FED78235-0A34-41FB-BE2B-2055F9BF4C0B}"/>
+              </a:ext>
+            </a:extLst>
+          </p:cNvPr>
+          <p:cNvSpPr>
+            <a:spLocks noGrp="1"/>
+          </p:cNvSpPr>
+          <p:nvPr>
+            <p:ph type="title"/>
+          </p:nvPr>
+        </p:nvSpPr>
+        <p:spPr>
+          <a:xfrm>
+            <a:off x="838200" y="365126"/>
+            <a:ext cx="10515600" cy="771912"/>
+          </a:xfrm>
+        </p:spPr>
+        <p:txBody>
+          <a:bodyPr>
+            <a:normAutofit/>
+          </a:bodyPr>
+          <a:lstStyle/>
+          <a:p>
+            <a:r>
+              <a:rPr lang="en-US" sz="2400" b="1" dirty="0"/>
+              <a:t>NIST References</a:t>
+            </a:r>
+          </a:p>
+        </p:txBody>
+      </p:sp>
+      <p:sp>
+        <p:nvSpPr>
+          <p:cNvPr id="9" name="Content Placeholder 2">
+            <a:extLst>
+              <a:ext uri="{FF2B5EF4-FFF2-40B4-BE49-F238E27FC236}">
+                <a16:creationId xmlns:a16="http://schemas.microsoft.com/office/drawing/2014/main" id="{F52E4C19-ED65-42E0-81EE-DEA2BF98F835}"/>
+              </a:ext>
+            </a:extLst>
+          </p:cNvPr>
+          <p:cNvSpPr txBox="1">
+            <a:spLocks/>
+          </p:cNvSpPr>
+          <p:nvPr/>
+        </p:nvSpPr>
+        <p:spPr>
+          <a:xfrm>
+            <a:off x="838200" y="1230083"/>
+            <a:ext cx="10515600" cy="4351338"/>
+          </a:xfrm>
+          <a:prstGeom prst="rect">
+            <a:avLst/>
+          </a:prstGeom>
+        </p:spPr>
+        <p:txBody>
+          <a:bodyPr vert="horz" lIns="91440" tIns="45720" rIns="91440" bIns="45720" rtlCol="0">
+            <a:normAutofit/>
+          </a:bodyPr>
+          <a:lstStyle>
+            <a:lvl1pPr marL="228600" indent="-228600" algn="l" defTabSz="914400" rtl="0" eaLnBrk="1" latinLnBrk="0" hangingPunct="1">
+              <a:lnSpc>
+                <a:spcPct val="90000"/>
+              </a:lnSpc>
+              <a:spcBef>
+                <a:spcPts val="1000"/>
+              </a:spcBef>
+              <a:buFont typeface="Arial" panose="020B0604020202020204" pitchFamily="34" charset="0"/>
+              <a:buChar char="•"/>
+              <a:defRPr sz="2800" kern="1200">
+                <a:solidFill>
+                  <a:schemeClr val="tx1"/>
+                </a:solidFill>
+                <a:latin typeface="+mn-lt"/>
+                <a:ea typeface="+mn-ea"/>
+                <a:cs typeface="+mn-cs"/>
+              </a:defRPr>
+            </a:lvl1pPr>
+            <a:lvl2pPr marL="685800" indent="-228600" algn="l" defTabSz="914400" rtl="0" eaLnBrk="1" latinLnBrk="0" hangingPunct="1">
+              <a:lnSpc>
+                <a:spcPct val="90000"/>
+              </a:lnSpc>
+              <a:spcBef>
+                <a:spcPts val="500"/>
+              </a:spcBef>
+              <a:buFont typeface="Arial" panose="020B0604020202020204" pitchFamily="34" charset="0"/>
+              <a:buChar char="•"/>
+              <a:defRPr sz="2400" kern="1200">
+                <a:solidFill>
+                  <a:schemeClr val="tx1"/>
+                </a:solidFill>
+                <a:latin typeface="+mn-lt"/>
+                <a:ea typeface="+mn-ea"/>
+                <a:cs typeface="+mn-cs"/>
+              </a:defRPr>
+            </a:lvl2pPr>
+            <a:lvl3pPr marL="1143000" indent="-228600" algn="l" defTabSz="914400" rtl="0" eaLnBrk="1" latinLnBrk="0" hangingPunct="1">
+              <a:lnSpc>
+                <a:spcPct val="90000"/>
+              </a:lnSpc>
+              <a:spcBef>
+                <a:spcPts val="500"/>
+              </a:spcBef>
+              <a:buFont typeface="Arial" panose="020B0604020202020204" pitchFamily="34" charset="0"/>
+              <a:buChar char="•"/>
+              <a:defRPr sz="2000" kern="1200">
+                <a:solidFill>
+                  <a:schemeClr val="tx1"/>
+                </a:solidFill>
+                <a:latin typeface="+mn-lt"/>
+                <a:ea typeface="+mn-ea"/>
+                <a:cs typeface="+mn-cs"/>
+              </a:defRPr>
+            </a:lvl3pPr>
+            <a:lvl4pPr marL="1600200" indent="-228600" algn="l" defTabSz="914400" rtl="0" eaLnBrk="1" latinLnBrk="0" hangingPunct="1">
+              <a:lnSpc>
+                <a:spcPct val="90000"/>
+              </a:lnSpc>
+              <a:spcBef>
+                <a:spcPts val="500"/>
+              </a:spcBef>
+              <a:buFont typeface="Arial" panose="020B0604020202020204" pitchFamily="34" charset="0"/>
+              <a:buChar char="•"/>
+              <a:defRPr sz="1800" kern="1200">
+                <a:solidFill>
+                  <a:schemeClr val="tx1"/>
+                </a:solidFill>
+                <a:latin typeface="+mn-lt"/>
+                <a:ea typeface="+mn-ea"/>
+                <a:cs typeface="+mn-cs"/>
+              </a:defRPr>
+            </a:lvl4pPr>
+            <a:lvl5pPr marL="2057400" indent="-228600" algn="l" defTabSz="914400" rtl="0" eaLnBrk="1" latinLnBrk="0" hangingPunct="1">
+              <a:lnSpc>
+                <a:spcPct val="90000"/>
+              </a:lnSpc>
+              <a:spcBef>
+                <a:spcPts val="500"/>
+              </a:spcBef>
+              <a:buFont typeface="Arial" panose="020B0604020202020204" pitchFamily="34" charset="0"/>
+              <a:buChar char="•"/>
+              <a:defRPr sz="1800" kern="1200">
+                <a:solidFill>
+                  <a:schemeClr val="tx1"/>
+                </a:solidFill>
+                <a:latin typeface="+mn-lt"/>
+                <a:ea typeface="+mn-ea"/>
+                <a:cs typeface="+mn-cs"/>
+              </a:defRPr>
+            </a:lvl5pPr>
+            <a:lvl6pPr marL="2514600" indent="-228600" algn="l" defTabSz="914400" rtl="0" eaLnBrk="1" latinLnBrk="0" hangingPunct="1">
+              <a:lnSpc>
+                <a:spcPct val="90000"/>
+              </a:lnSpc>
+              <a:spcBef>
+                <a:spcPts val="500"/>
+              </a:spcBef>
+              <a:buFont typeface="Arial" panose="020B0604020202020204" pitchFamily="34" charset="0"/>
+              <a:buChar char="•"/>
+              <a:defRPr sz="1800" kern="1200">
+                <a:solidFill>
+                  <a:schemeClr val="tx1"/>
+                </a:solidFill>
+                <a:latin typeface="+mn-lt"/>
+                <a:ea typeface="+mn-ea"/>
+                <a:cs typeface="+mn-cs"/>
+              </a:defRPr>
+            </a:lvl6pPr>
+            <a:lvl7pPr marL="2971800" indent="-228600" algn="l" defTabSz="914400" rtl="0" eaLnBrk="1" latinLnBrk="0" hangingPunct="1">
+              <a:lnSpc>
+                <a:spcPct val="90000"/>
+              </a:lnSpc>
+              <a:spcBef>
+                <a:spcPts val="500"/>
+              </a:spcBef>
+              <a:buFont typeface="Arial" panose="020B0604020202020204" pitchFamily="34" charset="0"/>
+              <a:buChar char="•"/>
+              <a:defRPr sz="1800" kern="1200">
+                <a:solidFill>
+                  <a:schemeClr val="tx1"/>
+                </a:solidFill>
+                <a:latin typeface="+mn-lt"/>
+                <a:ea typeface="+mn-ea"/>
+                <a:cs typeface="+mn-cs"/>
+              </a:defRPr>
+            </a:lvl7pPr>
+            <a:lvl8pPr marL="3429000" indent="-228600" algn="l" defTabSz="914400" rtl="0" eaLnBrk="1" latinLnBrk="0" hangingPunct="1">
+              <a:lnSpc>
+                <a:spcPct val="90000"/>
+              </a:lnSpc>
+              <a:spcBef>
+                <a:spcPts val="500"/>
+              </a:spcBef>
+              <a:buFont typeface="Arial" panose="020B0604020202020204" pitchFamily="34" charset="0"/>
+              <a:buChar char="•"/>
+              <a:defRPr sz="1800" kern="1200">
+                <a:solidFill>
+                  <a:schemeClr val="tx1"/>
+                </a:solidFill>
+                <a:latin typeface="+mn-lt"/>
+                <a:ea typeface="+mn-ea"/>
+                <a:cs typeface="+mn-cs"/>
+              </a:defRPr>
+            </a:lvl8pPr>
+            <a:lvl9pPr marL="3886200" indent="-228600" algn="l" defTabSz="914400" rtl="0" eaLnBrk="1" latinLnBrk="0" hangingPunct="1">
+              <a:lnSpc>
+                <a:spcPct val="90000"/>
+              </a:lnSpc>
+              <a:spcBef>
+                <a:spcPts val="500"/>
+              </a:spcBef>
+              <a:buFont typeface="Arial" panose="020B0604020202020204" pitchFamily="34" charset="0"/>
+              <a:buChar char="•"/>
+              <a:defRPr sz="1800" kern="1200">
+                <a:solidFill>
+                  <a:schemeClr val="tx1"/>
+                </a:solidFill>
+                <a:latin typeface="+mn-lt"/>
+                <a:ea typeface="+mn-ea"/>
+                <a:cs typeface="+mn-cs"/>
+              </a:defRPr>
+            </a:lvl9pPr>
+          </a:lstStyle>
+          <a:p>
+            <a:endParaRPr lang="en-US" dirty="0"/>
+          </a:p>
+        </p:txBody>
+      </p:sp>
+      <p:sp>
+        <p:nvSpPr>
+          <p:cNvPr id="13" name="Content Placeholder 2">
+            <a:extLst>
+              <a:ext uri="{FF2B5EF4-FFF2-40B4-BE49-F238E27FC236}">
+                <a16:creationId xmlns:a16="http://schemas.microsoft.com/office/drawing/2014/main" id="{7966A3DF-94E6-4A4C-8F9A-60ACD198AAD7}"/>
               </a:ext>
             </a:extLst>
           </p:cNvPr>
@@ -9191,78 +13424,144 @@
           </a:bodyPr>
           <a:lstStyle/>
           <a:p>
-            <a:pPr marL="0" indent="0">
-              <a:buNone/>
-            </a:pPr>
-            <a:endParaRPr lang="en-US" sz="1600" dirty="0"/>
-          </a:p>
-          <a:p>
-            <a:pPr marL="0" indent="0">
-              <a:buNone/>
-            </a:pPr>
-            <a:r>
-              <a:rPr lang="en-US" sz="1100" b="0" i="0" dirty="0">
-                <a:solidFill>
-                  <a:srgbClr val="24292F"/>
-                </a:solidFill>
-                <a:effectLst/>
-                <a:latin typeface="-apple-system"/>
-              </a:rPr>
-              <a:t>ENT/</a:t>
-            </a:r>
-            <a:r>
-              <a:rPr lang="en-US" sz="1100" b="0" i="0" u="sng" dirty="0">
-                <a:effectLst/>
-                <a:latin typeface="-apple-system"/>
+            <a:r>
+              <a:rPr lang="en-US" sz="1600" dirty="0">
                 <a:hlinkClick r:id="rId2"/>
               </a:rPr>
-              <a:t>Entropy score</a:t>
-            </a:r>
-            <a:endParaRPr lang="en-US" sz="1100" b="0" i="0" u="sng" dirty="0">
-              <a:effectLst/>
-              <a:latin typeface="-apple-system"/>
-            </a:endParaRPr>
-          </a:p>
-          <a:p>
-            <a:pPr marL="0" indent="0">
-              <a:buNone/>
-            </a:pPr>
-            <a:r>
-              <a:rPr lang="en-US" sz="1100" b="0" i="0">
-                <a:solidFill>
-                  <a:srgbClr val="24292F"/>
-                </a:solidFill>
-                <a:effectLst/>
-                <a:latin typeface="-apple-system"/>
+              <a:t>https://aclanthology.org/www.mt-archive.info/HLT-2002-Doddington.pdf</a:t>
+            </a:r>
+          </a:p>
+          <a:p>
+            <a:r>
+              <a:rPr lang="en-US" sz="1600" dirty="0">
+                <a:hlinkClick r:id="rId2"/>
               </a:rPr>
-              <a:t>DIST/</a:t>
-            </a:r>
-            <a:r>
-              <a:rPr lang="en-US" sz="1100" b="0" i="0" u="sng">
-                <a:effectLst/>
-                <a:latin typeface="-apple-system"/>
+              <a:t>https://www2.spsc.tugraz.at/www-archive/AdvancedSignalProcessing/WS06-MachineTranslation/MTEvaluation_Sakir.pdf</a:t>
+            </a:r>
+            <a:endParaRPr lang="en-US" sz="1600" dirty="0"/>
+          </a:p>
+          <a:p>
+            <a:r>
+              <a:rPr lang="en-US" sz="1600" dirty="0">
                 <a:hlinkClick r:id="rId3"/>
               </a:rPr>
-              <a:t>Distinct </a:t>
-            </a:r>
-            <a:r>
-              <a:rPr lang="en-US" sz="1100" b="0" i="0" u="sng" dirty="0">
-                <a:effectLst/>
-                <a:latin typeface="-apple-system"/>
-                <a:hlinkClick r:id="rId3"/>
+              <a:t>https://isl.anthropomatik.kit.edu/pdf/Zhang2004.pdf</a:t>
+            </a:r>
+            <a:endParaRPr lang="en-US" sz="1600" dirty="0"/>
+          </a:p>
+          <a:p>
+            <a:r>
+              <a:rPr lang="en-US" sz="1600" dirty="0">
+                <a:hlinkClick r:id="rId4"/>
               </a:rPr>
-              <a:t>score</a:t>
+              <a:t>https://arxiv.org/ftp/arxiv/papers/1601/1601.02789.pdf</a:t>
             </a:r>
             <a:endParaRPr lang="en-US" sz="1600" dirty="0"/>
+          </a:p>
+          <a:p>
+            <a:endParaRPr lang="en-US" sz="1600" dirty="0"/>
+          </a:p>
+          <a:p>
+            <a:endParaRPr lang="en-US" sz="1600" dirty="0"/>
+          </a:p>
+          <a:p>
+            <a:endParaRPr lang="en-US" sz="1600" dirty="0"/>
+          </a:p>
+        </p:txBody>
+      </p:sp>
+    </p:spTree>
+    <p:extLst>
+      <p:ext uri="{BB962C8B-B14F-4D97-AF65-F5344CB8AC3E}">
+        <p14:creationId xmlns:p14="http://schemas.microsoft.com/office/powerpoint/2010/main" val="622294828"/>
+      </p:ext>
+    </p:extLst>
+  </p:cSld>
+  <p:clrMapOvr>
+    <a:masterClrMapping/>
+  </p:clrMapOvr>
+</p:sld>
+</file>
+
+<file path=ppt/slides/slide9.xml><?xml version="1.0" encoding="utf-8"?>
+<p:sld xmlns:a="http://schemas.openxmlformats.org/drawingml/2006/main" xmlns:r="http://schemas.openxmlformats.org/officeDocument/2006/relationships" xmlns:p="http://schemas.openxmlformats.org/presentationml/2006/main">
+  <p:cSld>
+    <p:spTree>
+      <p:nvGrpSpPr>
+        <p:cNvPr id="1" name=""/>
+        <p:cNvGrpSpPr/>
+        <p:nvPr/>
+      </p:nvGrpSpPr>
+      <p:grpSpPr>
+        <a:xfrm>
+          <a:off x="0" y="0"/>
+          <a:ext cx="0" cy="0"/>
+          <a:chOff x="0" y="0"/>
+          <a:chExt cx="0" cy="0"/>
+        </a:xfrm>
+      </p:grpSpPr>
+      <p:sp>
+        <p:nvSpPr>
+          <p:cNvPr id="4" name="Footer Placeholder 3">
+            <a:extLst>
+              <a:ext uri="{FF2B5EF4-FFF2-40B4-BE49-F238E27FC236}">
+                <a16:creationId xmlns:a16="http://schemas.microsoft.com/office/drawing/2014/main" id="{B616B34A-879D-4EE6-BC5A-001F4917872B}"/>
+              </a:ext>
+            </a:extLst>
+          </p:cNvPr>
+          <p:cNvSpPr>
+            <a:spLocks noGrp="1"/>
+          </p:cNvSpPr>
+          <p:nvPr>
+            <p:ph type="ftr" sz="quarter" idx="11"/>
+          </p:nvPr>
+        </p:nvSpPr>
+        <p:spPr/>
+        <p:txBody>
+          <a:bodyPr/>
+          <a:lstStyle/>
+          <a:p>
+            <a:r>
+              <a:rPr lang="en-US"/>
+              <a:t>NLP COE</a:t>
+            </a:r>
           </a:p>
         </p:txBody>
       </p:sp>
       <p:sp>
         <p:nvSpPr>
-          <p:cNvPr id="6" name="Title 1">
+          <p:cNvPr id="5" name="Slide Number Placeholder 4">
             <a:extLst>
               <a:ext uri="{FF2B5EF4-FFF2-40B4-BE49-F238E27FC236}">
-                <a16:creationId xmlns:a16="http://schemas.microsoft.com/office/drawing/2014/main" id="{45160E43-D6E0-43F6-A9D3-37C4263B6C86}"/>
+                <a16:creationId xmlns:a16="http://schemas.microsoft.com/office/drawing/2014/main" id="{B4DC7B9C-E7F2-482C-A87D-988E6E9D9B84}"/>
+              </a:ext>
+            </a:extLst>
+          </p:cNvPr>
+          <p:cNvSpPr>
+            <a:spLocks noGrp="1"/>
+          </p:cNvSpPr>
+          <p:nvPr>
+            <p:ph type="sldNum" sz="quarter" idx="12"/>
+          </p:nvPr>
+        </p:nvSpPr>
+        <p:spPr/>
+        <p:txBody>
+          <a:bodyPr/>
+          <a:lstStyle/>
+          <a:p>
+            <a:fld id="{28C167EA-80E2-4EC1-B2DF-B4278EFC6F4B}" type="slidenum">
+              <a:rPr lang="en-US" smtClean="0"/>
+              <a:t>9</a:t>
+            </a:fld>
+            <a:endParaRPr lang="en-US"/>
+          </a:p>
+        </p:txBody>
+      </p:sp>
+      <p:sp>
+        <p:nvSpPr>
+          <p:cNvPr id="8" name="Title 1">
+            <a:extLst>
+              <a:ext uri="{FF2B5EF4-FFF2-40B4-BE49-F238E27FC236}">
+                <a16:creationId xmlns:a16="http://schemas.microsoft.com/office/drawing/2014/main" id="{FED78235-0A34-41FB-BE2B-2055F9BF4C0B}"/>
               </a:ext>
             </a:extLst>
           </p:cNvPr>
@@ -9287,17 +13586,213 @@
           <a:p>
             <a:r>
               <a:rPr lang="en-US" sz="2400" b="1" dirty="0"/>
-              <a:t>Chatbot-related Metrics</a:t>
+              <a:t>Entropy and Perplexity</a:t>
             </a:r>
           </a:p>
         </p:txBody>
       </p:sp>
       <p:sp>
         <p:nvSpPr>
-          <p:cNvPr id="7" name="Footer Placeholder 6">
+          <p:cNvPr id="9" name="Content Placeholder 2">
             <a:extLst>
               <a:ext uri="{FF2B5EF4-FFF2-40B4-BE49-F238E27FC236}">
-                <a16:creationId xmlns:a16="http://schemas.microsoft.com/office/drawing/2014/main" id="{4D08325B-C998-4B06-BBBF-5AA92E9498B3}"/>
+                <a16:creationId xmlns:a16="http://schemas.microsoft.com/office/drawing/2014/main" id="{F52E4C19-ED65-42E0-81EE-DEA2BF98F835}"/>
+              </a:ext>
+            </a:extLst>
+          </p:cNvPr>
+          <p:cNvSpPr txBox="1">
+            <a:spLocks/>
+          </p:cNvSpPr>
+          <p:nvPr/>
+        </p:nvSpPr>
+        <p:spPr>
+          <a:xfrm>
+            <a:off x="838200" y="1230083"/>
+            <a:ext cx="10515600" cy="4351338"/>
+          </a:xfrm>
+          <a:prstGeom prst="rect">
+            <a:avLst/>
+          </a:prstGeom>
+        </p:spPr>
+        <p:txBody>
+          <a:bodyPr vert="horz" lIns="91440" tIns="45720" rIns="91440" bIns="45720" rtlCol="0">
+            <a:normAutofit/>
+          </a:bodyPr>
+          <a:lstStyle>
+            <a:lvl1pPr marL="228600" indent="-228600" algn="l" defTabSz="914400" rtl="0" eaLnBrk="1" latinLnBrk="0" hangingPunct="1">
+              <a:lnSpc>
+                <a:spcPct val="90000"/>
+              </a:lnSpc>
+              <a:spcBef>
+                <a:spcPts val="1000"/>
+              </a:spcBef>
+              <a:buFont typeface="Arial" panose="020B0604020202020204" pitchFamily="34" charset="0"/>
+              <a:buChar char="•"/>
+              <a:defRPr sz="2800" kern="1200">
+                <a:solidFill>
+                  <a:schemeClr val="tx1"/>
+                </a:solidFill>
+                <a:latin typeface="+mn-lt"/>
+                <a:ea typeface="+mn-ea"/>
+                <a:cs typeface="+mn-cs"/>
+              </a:defRPr>
+            </a:lvl1pPr>
+            <a:lvl2pPr marL="685800" indent="-228600" algn="l" defTabSz="914400" rtl="0" eaLnBrk="1" latinLnBrk="0" hangingPunct="1">
+              <a:lnSpc>
+                <a:spcPct val="90000"/>
+              </a:lnSpc>
+              <a:spcBef>
+                <a:spcPts val="500"/>
+              </a:spcBef>
+              <a:buFont typeface="Arial" panose="020B0604020202020204" pitchFamily="34" charset="0"/>
+              <a:buChar char="•"/>
+              <a:defRPr sz="2400" kern="1200">
+                <a:solidFill>
+                  <a:schemeClr val="tx1"/>
+                </a:solidFill>
+                <a:latin typeface="+mn-lt"/>
+                <a:ea typeface="+mn-ea"/>
+                <a:cs typeface="+mn-cs"/>
+              </a:defRPr>
+            </a:lvl2pPr>
+            <a:lvl3pPr marL="1143000" indent="-228600" algn="l" defTabSz="914400" rtl="0" eaLnBrk="1" latinLnBrk="0" hangingPunct="1">
+              <a:lnSpc>
+                <a:spcPct val="90000"/>
+              </a:lnSpc>
+              <a:spcBef>
+                <a:spcPts val="500"/>
+              </a:spcBef>
+              <a:buFont typeface="Arial" panose="020B0604020202020204" pitchFamily="34" charset="0"/>
+              <a:buChar char="•"/>
+              <a:defRPr sz="2000" kern="1200">
+                <a:solidFill>
+                  <a:schemeClr val="tx1"/>
+                </a:solidFill>
+                <a:latin typeface="+mn-lt"/>
+                <a:ea typeface="+mn-ea"/>
+                <a:cs typeface="+mn-cs"/>
+              </a:defRPr>
+            </a:lvl3pPr>
+            <a:lvl4pPr marL="1600200" indent="-228600" algn="l" defTabSz="914400" rtl="0" eaLnBrk="1" latinLnBrk="0" hangingPunct="1">
+              <a:lnSpc>
+                <a:spcPct val="90000"/>
+              </a:lnSpc>
+              <a:spcBef>
+                <a:spcPts val="500"/>
+              </a:spcBef>
+              <a:buFont typeface="Arial" panose="020B0604020202020204" pitchFamily="34" charset="0"/>
+              <a:buChar char="•"/>
+              <a:defRPr sz="1800" kern="1200">
+                <a:solidFill>
+                  <a:schemeClr val="tx1"/>
+                </a:solidFill>
+                <a:latin typeface="+mn-lt"/>
+                <a:ea typeface="+mn-ea"/>
+                <a:cs typeface="+mn-cs"/>
+              </a:defRPr>
+            </a:lvl4pPr>
+            <a:lvl5pPr marL="2057400" indent="-228600" algn="l" defTabSz="914400" rtl="0" eaLnBrk="1" latinLnBrk="0" hangingPunct="1">
+              <a:lnSpc>
+                <a:spcPct val="90000"/>
+              </a:lnSpc>
+              <a:spcBef>
+                <a:spcPts val="500"/>
+              </a:spcBef>
+              <a:buFont typeface="Arial" panose="020B0604020202020204" pitchFamily="34" charset="0"/>
+              <a:buChar char="•"/>
+              <a:defRPr sz="1800" kern="1200">
+                <a:solidFill>
+                  <a:schemeClr val="tx1"/>
+                </a:solidFill>
+                <a:latin typeface="+mn-lt"/>
+                <a:ea typeface="+mn-ea"/>
+                <a:cs typeface="+mn-cs"/>
+              </a:defRPr>
+            </a:lvl5pPr>
+            <a:lvl6pPr marL="2514600" indent="-228600" algn="l" defTabSz="914400" rtl="0" eaLnBrk="1" latinLnBrk="0" hangingPunct="1">
+              <a:lnSpc>
+                <a:spcPct val="90000"/>
+              </a:lnSpc>
+              <a:spcBef>
+                <a:spcPts val="500"/>
+              </a:spcBef>
+              <a:buFont typeface="Arial" panose="020B0604020202020204" pitchFamily="34" charset="0"/>
+              <a:buChar char="•"/>
+              <a:defRPr sz="1800" kern="1200">
+                <a:solidFill>
+                  <a:schemeClr val="tx1"/>
+                </a:solidFill>
+                <a:latin typeface="+mn-lt"/>
+                <a:ea typeface="+mn-ea"/>
+                <a:cs typeface="+mn-cs"/>
+              </a:defRPr>
+            </a:lvl6pPr>
+            <a:lvl7pPr marL="2971800" indent="-228600" algn="l" defTabSz="914400" rtl="0" eaLnBrk="1" latinLnBrk="0" hangingPunct="1">
+              <a:lnSpc>
+                <a:spcPct val="90000"/>
+              </a:lnSpc>
+              <a:spcBef>
+                <a:spcPts val="500"/>
+              </a:spcBef>
+              <a:buFont typeface="Arial" panose="020B0604020202020204" pitchFamily="34" charset="0"/>
+              <a:buChar char="•"/>
+              <a:defRPr sz="1800" kern="1200">
+                <a:solidFill>
+                  <a:schemeClr val="tx1"/>
+                </a:solidFill>
+                <a:latin typeface="+mn-lt"/>
+                <a:ea typeface="+mn-ea"/>
+                <a:cs typeface="+mn-cs"/>
+              </a:defRPr>
+            </a:lvl7pPr>
+            <a:lvl8pPr marL="3429000" indent="-228600" algn="l" defTabSz="914400" rtl="0" eaLnBrk="1" latinLnBrk="0" hangingPunct="1">
+              <a:lnSpc>
+                <a:spcPct val="90000"/>
+              </a:lnSpc>
+              <a:spcBef>
+                <a:spcPts val="500"/>
+              </a:spcBef>
+              <a:buFont typeface="Arial" panose="020B0604020202020204" pitchFamily="34" charset="0"/>
+              <a:buChar char="•"/>
+              <a:defRPr sz="1800" kern="1200">
+                <a:solidFill>
+                  <a:schemeClr val="tx1"/>
+                </a:solidFill>
+                <a:latin typeface="+mn-lt"/>
+                <a:ea typeface="+mn-ea"/>
+                <a:cs typeface="+mn-cs"/>
+              </a:defRPr>
+            </a:lvl8pPr>
+            <a:lvl9pPr marL="3886200" indent="-228600" algn="l" defTabSz="914400" rtl="0" eaLnBrk="1" latinLnBrk="0" hangingPunct="1">
+              <a:lnSpc>
+                <a:spcPct val="90000"/>
+              </a:lnSpc>
+              <a:spcBef>
+                <a:spcPts val="500"/>
+              </a:spcBef>
+              <a:buFont typeface="Arial" panose="020B0604020202020204" pitchFamily="34" charset="0"/>
+              <a:buChar char="•"/>
+              <a:defRPr sz="1800" kern="1200">
+                <a:solidFill>
+                  <a:schemeClr val="tx1"/>
+                </a:solidFill>
+                <a:latin typeface="+mn-lt"/>
+                <a:ea typeface="+mn-ea"/>
+                <a:cs typeface="+mn-cs"/>
+              </a:defRPr>
+            </a:lvl9pPr>
+          </a:lstStyle>
+          <a:p>
+            <a:endParaRPr lang="en-US" dirty="0"/>
+          </a:p>
+        </p:txBody>
+      </p:sp>
+      <p:sp>
+        <p:nvSpPr>
+          <p:cNvPr id="13" name="Content Placeholder 2">
+            <a:extLst>
+              <a:ext uri="{FF2B5EF4-FFF2-40B4-BE49-F238E27FC236}">
+                <a16:creationId xmlns:a16="http://schemas.microsoft.com/office/drawing/2014/main" id="{7966A3DF-94E6-4A4C-8F9A-60ACD198AAD7}"/>
               </a:ext>
             </a:extLst>
           </p:cNvPr>
@@ -9305,54 +13800,241 @@
             <a:spLocks noGrp="1"/>
           </p:cNvSpPr>
           <p:nvPr>
-            <p:ph type="ftr" sz="quarter" idx="11"/>
+            <p:ph idx="1"/>
           </p:nvPr>
         </p:nvSpPr>
-        <p:spPr/>
+        <p:spPr>
+          <a:xfrm>
+            <a:off x="838200" y="1253331"/>
+            <a:ext cx="10515600" cy="4351338"/>
+          </a:xfrm>
+        </p:spPr>
         <p:txBody>
-          <a:bodyPr/>
+          <a:bodyPr>
+            <a:normAutofit/>
+          </a:bodyPr>
           <a:lstStyle/>
           <a:p>
             <a:r>
-              <a:rPr lang="en-US"/>
-              <a:t>NLP COE</a:t>
-            </a:r>
+              <a:rPr lang="en-US" sz="1600" dirty="0"/>
+              <a:t>Definitions:</a:t>
+            </a:r>
+          </a:p>
+          <a:p>
+            <a:pPr lvl="1"/>
+            <a:r>
+              <a:rPr lang="en-US" sz="1200" dirty="0"/>
+              <a:t>Entropy: Amount of information contained in the variable</a:t>
+            </a:r>
+          </a:p>
+          <a:p>
+            <a:pPr lvl="1"/>
+            <a:r>
+              <a:rPr lang="en-US" sz="1200" dirty="0"/>
+              <a:t>Perplexity: Amount of randomness in the variable.</a:t>
+            </a:r>
+          </a:p>
+          <a:p>
+            <a:pPr lvl="1"/>
+            <a:endParaRPr lang="en-US" sz="1200" dirty="0"/>
+          </a:p>
+          <a:p>
+            <a:pPr lvl="1"/>
+            <a:endParaRPr lang="en-US" sz="1200" dirty="0"/>
+          </a:p>
+          <a:p>
+            <a:r>
+              <a:rPr lang="en-US" sz="1600" dirty="0"/>
+              <a:t>Tasty recipes:</a:t>
+            </a:r>
+          </a:p>
+          <a:p>
+            <a:pPr lvl="1"/>
+            <a:r>
+              <a:rPr lang="en-US" sz="1200" dirty="0"/>
+              <a:t>Take 1:</a:t>
+            </a:r>
+          </a:p>
+          <a:p>
+            <a:pPr lvl="1">
+              <a:buFont typeface="Wingdings" panose="05000000000000000000" pitchFamily="2" charset="2"/>
+              <a:buChar char="ü"/>
+            </a:pPr>
+            <a:r>
+              <a:rPr lang="en-US" sz="1200" dirty="0"/>
+              <a:t>Chicken, Butter, Pears</a:t>
+            </a:r>
+          </a:p>
+          <a:p>
+            <a:pPr lvl="1">
+              <a:buFont typeface="Wingdings" panose="05000000000000000000" pitchFamily="2" charset="2"/>
+              <a:buChar char="ü"/>
+            </a:pPr>
+            <a:r>
+              <a:rPr lang="en-US" sz="1200" dirty="0"/>
+              <a:t>Chicken, Butter, Chili</a:t>
+            </a:r>
+          </a:p>
+          <a:p>
+            <a:pPr lvl="1">
+              <a:buFont typeface="Wingdings" panose="05000000000000000000" pitchFamily="2" charset="2"/>
+              <a:buChar char="ü"/>
+            </a:pPr>
+            <a:r>
+              <a:rPr lang="en-US" sz="1200" dirty="0"/>
+              <a:t>Lemon, Pears, Shrimp</a:t>
+            </a:r>
+          </a:p>
+          <a:p>
+            <a:pPr lvl="1">
+              <a:buFont typeface="Wingdings" panose="05000000000000000000" pitchFamily="2" charset="2"/>
+              <a:buChar char="ü"/>
+            </a:pPr>
+            <a:r>
+              <a:rPr lang="en-US" sz="1200" dirty="0"/>
+              <a:t>Chili, Shrimp, Lemon</a:t>
+            </a:r>
+          </a:p>
+          <a:p>
+            <a:pPr lvl="1"/>
+            <a:endParaRPr lang="en-US" sz="1200" dirty="0"/>
+          </a:p>
+          <a:p>
+            <a:pPr lvl="1"/>
+            <a:r>
+              <a:rPr lang="en-US" sz="1200" dirty="0"/>
+              <a:t>Take 2:</a:t>
+            </a:r>
+          </a:p>
+          <a:p>
+            <a:pPr lvl="1">
+              <a:buFont typeface="Wingdings" panose="05000000000000000000" pitchFamily="2" charset="2"/>
+              <a:buChar char="ü"/>
+            </a:pPr>
+            <a:r>
+              <a:rPr lang="en-US" sz="1200" dirty="0"/>
+              <a:t>Chicken, Butter, Pears</a:t>
+            </a:r>
+          </a:p>
+          <a:p>
+            <a:pPr lvl="1">
+              <a:buFont typeface="Wingdings" panose="05000000000000000000" pitchFamily="2" charset="2"/>
+              <a:buChar char="ü"/>
+            </a:pPr>
+            <a:r>
+              <a:rPr lang="en-US" sz="1200" dirty="0"/>
+              <a:t>Chicken, Butter, Lemon</a:t>
+            </a:r>
+          </a:p>
+          <a:p>
+            <a:pPr lvl="1">
+              <a:buFont typeface="Wingdings" panose="05000000000000000000" pitchFamily="2" charset="2"/>
+              <a:buChar char="ü"/>
+            </a:pPr>
+            <a:r>
+              <a:rPr lang="en-US" sz="1200" dirty="0"/>
+              <a:t>Chicken, Lemon, Pears</a:t>
+            </a:r>
+          </a:p>
+          <a:p>
+            <a:pPr lvl="1">
+              <a:buFont typeface="Wingdings" panose="05000000000000000000" pitchFamily="2" charset="2"/>
+              <a:buChar char="ü"/>
+            </a:pPr>
+            <a:r>
+              <a:rPr lang="en-US" sz="1200" dirty="0"/>
+              <a:t>Chili, Shrimp, Lemon</a:t>
+            </a:r>
+          </a:p>
+          <a:p>
+            <a:pPr lvl="1"/>
+            <a:endParaRPr lang="en-US" sz="1200" dirty="0"/>
+          </a:p>
+          <a:p>
+            <a:pPr lvl="1"/>
+            <a:endParaRPr lang="en-US" sz="1200" dirty="0"/>
+          </a:p>
+          <a:p>
+            <a:endParaRPr lang="en-US" sz="1600" dirty="0"/>
           </a:p>
         </p:txBody>
       </p:sp>
-      <p:sp>
-        <p:nvSpPr>
-          <p:cNvPr id="8" name="Slide Number Placeholder 7">
+      <p:pic>
+        <p:nvPicPr>
+          <p:cNvPr id="17" name="Picture 16" descr="Table&#10;&#10;Description automatically generated with medium confidence">
             <a:extLst>
               <a:ext uri="{FF2B5EF4-FFF2-40B4-BE49-F238E27FC236}">
-                <a16:creationId xmlns:a16="http://schemas.microsoft.com/office/drawing/2014/main" id="{5AC68E0A-89FD-42C9-8C6D-B5A1CBA735E0}"/>
+                <a16:creationId xmlns:a16="http://schemas.microsoft.com/office/drawing/2014/main" id="{B0A5ED05-475D-4636-9687-3C196CB4A0E5}"/>
               </a:ext>
             </a:extLst>
           </p:cNvPr>
-          <p:cNvSpPr>
-            <a:spLocks noGrp="1"/>
-          </p:cNvSpPr>
-          <p:nvPr>
-            <p:ph type="sldNum" sz="quarter" idx="12"/>
-          </p:nvPr>
-        </p:nvSpPr>
-        <p:spPr/>
-        <p:txBody>
-          <a:bodyPr/>
-          <a:lstStyle/>
-          <a:p>
-            <a:fld id="{28C167EA-80E2-4EC1-B2DF-B4278EFC6F4B}" type="slidenum">
-              <a:rPr lang="en-US" smtClean="0"/>
-              <a:t>8</a:t>
-            </a:fld>
-            <a:endParaRPr lang="en-US"/>
-          </a:p>
-        </p:txBody>
-      </p:sp>
+          <p:cNvPicPr>
+            <a:picLocks noChangeAspect="1"/>
+          </p:cNvPicPr>
+          <p:nvPr/>
+        </p:nvPicPr>
+        <p:blipFill>
+          <a:blip r:embed="rId2">
+            <a:extLst>
+              <a:ext uri="{28A0092B-C50C-407E-A947-70E740481C1C}">
+                <a14:useLocalDpi xmlns:a14="http://schemas.microsoft.com/office/drawing/2010/main" val="0"/>
+              </a:ext>
+            </a:extLst>
+          </a:blip>
+          <a:stretch>
+            <a:fillRect/>
+          </a:stretch>
+        </p:blipFill>
+        <p:spPr>
+          <a:xfrm>
+            <a:off x="3535002" y="2763176"/>
+            <a:ext cx="7818798" cy="990686"/>
+          </a:xfrm>
+          <a:prstGeom prst="rect">
+            <a:avLst/>
+          </a:prstGeom>
+        </p:spPr>
+      </p:pic>
+      <p:pic>
+        <p:nvPicPr>
+          <p:cNvPr id="19" name="Picture 18" descr="Diagram&#10;&#10;Description automatically generated">
+            <a:extLst>
+              <a:ext uri="{FF2B5EF4-FFF2-40B4-BE49-F238E27FC236}">
+                <a16:creationId xmlns:a16="http://schemas.microsoft.com/office/drawing/2014/main" id="{1E917ED0-D562-4CAE-9982-F7D425C19AAC}"/>
+              </a:ext>
+            </a:extLst>
+          </p:cNvPr>
+          <p:cNvPicPr>
+            <a:picLocks noChangeAspect="1"/>
+          </p:cNvPicPr>
+          <p:nvPr/>
+        </p:nvPicPr>
+        <p:blipFill>
+          <a:blip r:embed="rId3">
+            <a:extLst>
+              <a:ext uri="{28A0092B-C50C-407E-A947-70E740481C1C}">
+                <a14:useLocalDpi xmlns:a14="http://schemas.microsoft.com/office/drawing/2010/main" val="0"/>
+              </a:ext>
+            </a:extLst>
+          </a:blip>
+          <a:stretch>
+            <a:fillRect/>
+          </a:stretch>
+        </p:blipFill>
+        <p:spPr>
+          <a:xfrm>
+            <a:off x="3535002" y="4153247"/>
+            <a:ext cx="7826418" cy="1028789"/>
+          </a:xfrm>
+          <a:prstGeom prst="rect">
+            <a:avLst/>
+          </a:prstGeom>
+        </p:spPr>
+      </p:pic>
     </p:spTree>
     <p:extLst>
       <p:ext uri="{BB962C8B-B14F-4D97-AF65-F5344CB8AC3E}">
-        <p14:creationId xmlns:p14="http://schemas.microsoft.com/office/powerpoint/2010/main" val="1748203639"/>
+        <p14:creationId xmlns:p14="http://schemas.microsoft.com/office/powerpoint/2010/main" val="106257869"/>
       </p:ext>
     </p:extLst>
   </p:cSld>

--- a/updates-and-knowledge-sharing/Performance Metrics for Seq2Seq model.pptx
+++ b/updates-and-knowledge-sharing/Performance Metrics for Seq2Seq model.pptx
@@ -5,7 +5,7 @@
     <p:sldMasterId id="2147483648" r:id="rId1"/>
   </p:sldMasterIdLst>
   <p:notesMasterIdLst>
-    <p:notesMasterId r:id="rId14"/>
+    <p:notesMasterId r:id="rId16"/>
   </p:notesMasterIdLst>
   <p:sldIdLst>
     <p:sldId id="256" r:id="rId2"/>
@@ -20,6 +20,8 @@
     <p:sldId id="271" r:id="rId11"/>
     <p:sldId id="272" r:id="rId12"/>
     <p:sldId id="276" r:id="rId13"/>
+    <p:sldId id="278" r:id="rId14"/>
+    <p:sldId id="279" r:id="rId15"/>
   </p:sldIdLst>
   <p:sldSz cx="12192000" cy="6858000"/>
   <p:notesSz cx="6858000" cy="9144000"/>
@@ -208,7 +210,7 @@
           <a:p>
             <a:fld id="{B7A83E86-98D3-4103-87BC-52B162990F09}" type="datetimeFigureOut">
               <a:rPr lang="en-US" smtClean="0"/>
-              <a:t>4/19/2022</a:t>
+              <a:t>4/25/2022</a:t>
             </a:fld>
             <a:endParaRPr lang="en-US"/>
           </a:p>
@@ -742,10 +744,7 @@
           <a:bodyPr/>
           <a:lstStyle/>
           <a:p>
-            <a:r>
-              <a:rPr lang="en-US" dirty="0"/>
-              <a:t>The value is scaled by total number of generated tokens to avoid favoring long sentences </a:t>
-            </a:r>
+            <a:endParaRPr lang="en-US" dirty="0"/>
           </a:p>
         </p:txBody>
       </p:sp>
@@ -776,6 +775,174 @@
     <p:extLst>
       <p:ext uri="{BB962C8B-B14F-4D97-AF65-F5344CB8AC3E}">
         <p14:creationId xmlns:p14="http://schemas.microsoft.com/office/powerpoint/2010/main" val="2776932368"/>
+      </p:ext>
+    </p:extLst>
+  </p:cSld>
+  <p:clrMapOvr>
+    <a:masterClrMapping/>
+  </p:clrMapOvr>
+</p:notes>
+</file>
+
+<file path=ppt/notesSlides/notesSlide4.xml><?xml version="1.0" encoding="utf-8"?>
+<p:notes xmlns:a="http://schemas.openxmlformats.org/drawingml/2006/main" xmlns:r="http://schemas.openxmlformats.org/officeDocument/2006/relationships" xmlns:p="http://schemas.openxmlformats.org/presentationml/2006/main">
+  <p:cSld>
+    <p:spTree>
+      <p:nvGrpSpPr>
+        <p:cNvPr id="1" name=""/>
+        <p:cNvGrpSpPr/>
+        <p:nvPr/>
+      </p:nvGrpSpPr>
+      <p:grpSpPr>
+        <a:xfrm>
+          <a:off x="0" y="0"/>
+          <a:ext cx="0" cy="0"/>
+          <a:chOff x="0" y="0"/>
+          <a:chExt cx="0" cy="0"/>
+        </a:xfrm>
+      </p:grpSpPr>
+      <p:sp>
+        <p:nvSpPr>
+          <p:cNvPr id="2" name="Slide Image Placeholder 1"/>
+          <p:cNvSpPr>
+            <a:spLocks noGrp="1" noRot="1" noChangeAspect="1"/>
+          </p:cNvSpPr>
+          <p:nvPr>
+            <p:ph type="sldImg"/>
+          </p:nvPr>
+        </p:nvSpPr>
+        <p:spPr/>
+      </p:sp>
+      <p:sp>
+        <p:nvSpPr>
+          <p:cNvPr id="3" name="Notes Placeholder 2"/>
+          <p:cNvSpPr>
+            <a:spLocks noGrp="1"/>
+          </p:cNvSpPr>
+          <p:nvPr>
+            <p:ph type="body" idx="1"/>
+          </p:nvPr>
+        </p:nvSpPr>
+        <p:spPr/>
+        <p:txBody>
+          <a:bodyPr/>
+          <a:lstStyle/>
+          <a:p>
+            <a:endParaRPr lang="en-US" dirty="0"/>
+          </a:p>
+        </p:txBody>
+      </p:sp>
+      <p:sp>
+        <p:nvSpPr>
+          <p:cNvPr id="4" name="Slide Number Placeholder 3"/>
+          <p:cNvSpPr>
+            <a:spLocks noGrp="1"/>
+          </p:cNvSpPr>
+          <p:nvPr>
+            <p:ph type="sldNum" sz="quarter" idx="5"/>
+          </p:nvPr>
+        </p:nvSpPr>
+        <p:spPr/>
+        <p:txBody>
+          <a:bodyPr/>
+          <a:lstStyle/>
+          <a:p>
+            <a:fld id="{CCA47240-FA7B-4CF0-A523-2A344270A9CE}" type="slidenum">
+              <a:rPr lang="en-US" smtClean="0"/>
+              <a:t>13</a:t>
+            </a:fld>
+            <a:endParaRPr lang="en-US"/>
+          </a:p>
+        </p:txBody>
+      </p:sp>
+    </p:spTree>
+    <p:extLst>
+      <p:ext uri="{BB962C8B-B14F-4D97-AF65-F5344CB8AC3E}">
+        <p14:creationId xmlns:p14="http://schemas.microsoft.com/office/powerpoint/2010/main" val="2477210904"/>
+      </p:ext>
+    </p:extLst>
+  </p:cSld>
+  <p:clrMapOvr>
+    <a:masterClrMapping/>
+  </p:clrMapOvr>
+</p:notes>
+</file>
+
+<file path=ppt/notesSlides/notesSlide5.xml><?xml version="1.0" encoding="utf-8"?>
+<p:notes xmlns:a="http://schemas.openxmlformats.org/drawingml/2006/main" xmlns:r="http://schemas.openxmlformats.org/officeDocument/2006/relationships" xmlns:p="http://schemas.openxmlformats.org/presentationml/2006/main">
+  <p:cSld>
+    <p:spTree>
+      <p:nvGrpSpPr>
+        <p:cNvPr id="1" name=""/>
+        <p:cNvGrpSpPr/>
+        <p:nvPr/>
+      </p:nvGrpSpPr>
+      <p:grpSpPr>
+        <a:xfrm>
+          <a:off x="0" y="0"/>
+          <a:ext cx="0" cy="0"/>
+          <a:chOff x="0" y="0"/>
+          <a:chExt cx="0" cy="0"/>
+        </a:xfrm>
+      </p:grpSpPr>
+      <p:sp>
+        <p:nvSpPr>
+          <p:cNvPr id="2" name="Slide Image Placeholder 1"/>
+          <p:cNvSpPr>
+            <a:spLocks noGrp="1" noRot="1" noChangeAspect="1"/>
+          </p:cNvSpPr>
+          <p:nvPr>
+            <p:ph type="sldImg"/>
+          </p:nvPr>
+        </p:nvSpPr>
+        <p:spPr/>
+      </p:sp>
+      <p:sp>
+        <p:nvSpPr>
+          <p:cNvPr id="3" name="Notes Placeholder 2"/>
+          <p:cNvSpPr>
+            <a:spLocks noGrp="1"/>
+          </p:cNvSpPr>
+          <p:nvPr>
+            <p:ph type="body" idx="1"/>
+          </p:nvPr>
+        </p:nvSpPr>
+        <p:spPr/>
+        <p:txBody>
+          <a:bodyPr/>
+          <a:lstStyle/>
+          <a:p>
+            <a:endParaRPr lang="en-US" dirty="0"/>
+          </a:p>
+        </p:txBody>
+      </p:sp>
+      <p:sp>
+        <p:nvSpPr>
+          <p:cNvPr id="4" name="Slide Number Placeholder 3"/>
+          <p:cNvSpPr>
+            <a:spLocks noGrp="1"/>
+          </p:cNvSpPr>
+          <p:nvPr>
+            <p:ph type="sldNum" sz="quarter" idx="5"/>
+          </p:nvPr>
+        </p:nvSpPr>
+        <p:spPr/>
+        <p:txBody>
+          <a:bodyPr/>
+          <a:lstStyle/>
+          <a:p>
+            <a:fld id="{CCA47240-FA7B-4CF0-A523-2A344270A9CE}" type="slidenum">
+              <a:rPr lang="en-US" smtClean="0"/>
+              <a:t>14</a:t>
+            </a:fld>
+            <a:endParaRPr lang="en-US"/>
+          </a:p>
+        </p:txBody>
+      </p:sp>
+    </p:spTree>
+    <p:extLst>
+      <p:ext uri="{BB962C8B-B14F-4D97-AF65-F5344CB8AC3E}">
+        <p14:creationId xmlns:p14="http://schemas.microsoft.com/office/powerpoint/2010/main" val="1551715608"/>
       </p:ext>
     </p:extLst>
   </p:cSld>
@@ -932,7 +1099,7 @@
           <a:p>
             <a:fld id="{B5A90C4D-CF74-4687-AD04-5AE501AE6CB8}" type="datetime1">
               <a:rPr lang="en-US" smtClean="0"/>
-              <a:t>4/19/2022</a:t>
+              <a:t>4/25/2022</a:t>
             </a:fld>
             <a:endParaRPr lang="en-US"/>
           </a:p>
@@ -1133,7 +1300,7 @@
           <a:p>
             <a:fld id="{AC1A0117-B9D9-486A-A5B0-97C2436F48C4}" type="datetime1">
               <a:rPr lang="en-US" smtClean="0"/>
-              <a:t>4/19/2022</a:t>
+              <a:t>4/25/2022</a:t>
             </a:fld>
             <a:endParaRPr lang="en-US"/>
           </a:p>
@@ -1344,7 +1511,7 @@
           <a:p>
             <a:fld id="{509C0A4F-BCF5-46A0-83C9-9B1B5065C4AD}" type="datetime1">
               <a:rPr lang="en-US" smtClean="0"/>
-              <a:t>4/19/2022</a:t>
+              <a:t>4/25/2022</a:t>
             </a:fld>
             <a:endParaRPr lang="en-US"/>
           </a:p>
@@ -1545,7 +1712,7 @@
           <a:p>
             <a:fld id="{DF0CD778-E55E-4DB2-B0A3-A07B35390CE5}" type="datetime1">
               <a:rPr lang="en-US" smtClean="0"/>
-              <a:t>4/19/2022</a:t>
+              <a:t>4/25/2022</a:t>
             </a:fld>
             <a:endParaRPr lang="en-US"/>
           </a:p>
@@ -1823,7 +1990,7 @@
           <a:p>
             <a:fld id="{2B7DD7C6-3A25-4FFE-938A-D4FB7200C9DD}" type="datetime1">
               <a:rPr lang="en-US" smtClean="0"/>
-              <a:t>4/19/2022</a:t>
+              <a:t>4/25/2022</a:t>
             </a:fld>
             <a:endParaRPr lang="en-US"/>
           </a:p>
@@ -2091,7 +2258,7 @@
           <a:p>
             <a:fld id="{02D41F43-EEA3-45F9-8855-0EF262513405}" type="datetime1">
               <a:rPr lang="en-US" smtClean="0"/>
-              <a:t>4/19/2022</a:t>
+              <a:t>4/25/2022</a:t>
             </a:fld>
             <a:endParaRPr lang="en-US"/>
           </a:p>
@@ -2506,7 +2673,7 @@
           <a:p>
             <a:fld id="{CA340D99-081C-4D10-9DC3-352179171829}" type="datetime1">
               <a:rPr lang="en-US" smtClean="0"/>
-              <a:t>4/19/2022</a:t>
+              <a:t>4/25/2022</a:t>
             </a:fld>
             <a:endParaRPr lang="en-US"/>
           </a:p>
@@ -2650,7 +2817,7 @@
           <a:p>
             <a:fld id="{71E138F6-62BA-4CBB-904B-5222148AED49}" type="datetime1">
               <a:rPr lang="en-US" smtClean="0"/>
-              <a:t>4/19/2022</a:t>
+              <a:t>4/25/2022</a:t>
             </a:fld>
             <a:endParaRPr lang="en-US"/>
           </a:p>
@@ -2766,7 +2933,7 @@
           <a:p>
             <a:fld id="{EB19D34D-8643-4DD3-84A8-50868C0B78DE}" type="datetime1">
               <a:rPr lang="en-US" smtClean="0"/>
-              <a:t>4/19/2022</a:t>
+              <a:t>4/25/2022</a:t>
             </a:fld>
             <a:endParaRPr lang="en-US"/>
           </a:p>
@@ -3080,7 +3247,7 @@
           <a:p>
             <a:fld id="{C1C90AD8-1404-48A3-B6F1-2A9BB72CF2A6}" type="datetime1">
               <a:rPr lang="en-US" smtClean="0"/>
-              <a:t>4/19/2022</a:t>
+              <a:t>4/25/2022</a:t>
             </a:fld>
             <a:endParaRPr lang="en-US"/>
           </a:p>
@@ -3371,7 +3538,7 @@
           <a:p>
             <a:fld id="{16E5215D-6D45-406C-B203-3179999A5D76}" type="datetime1">
               <a:rPr lang="en-US" smtClean="0"/>
-              <a:t>4/19/2022</a:t>
+              <a:t>4/25/2022</a:t>
             </a:fld>
             <a:endParaRPr lang="en-US"/>
           </a:p>
@@ -3615,7 +3782,7 @@
           <a:p>
             <a:fld id="{085FB81C-97DA-4D83-B2BD-E2953548DE33}" type="datetime1">
               <a:rPr lang="en-US" smtClean="0"/>
-              <a:t>4/19/2022</a:t>
+              <a:t>4/25/2022</a:t>
             </a:fld>
             <a:endParaRPr lang="en-US"/>
           </a:p>
@@ -4479,8 +4646,8 @@
           </a:p>
         </p:txBody>
       </p:sp>
-      <mc:AlternateContent xmlns:mc="http://schemas.openxmlformats.org/markup-compatibility/2006">
-        <mc:Choice xmlns:a14="http://schemas.microsoft.com/office/drawing/2010/main" Requires="a14">
+      <mc:AlternateContent xmlns:mc="http://schemas.openxmlformats.org/markup-compatibility/2006" xmlns:a14="http://schemas.microsoft.com/office/drawing/2010/main">
+        <mc:Choice Requires="a14">
           <p:sp>
             <p:nvSpPr>
               <p:cNvPr id="13" name="Content Placeholder 2">
@@ -5173,7 +5340,7 @@
             </p:txBody>
           </p:sp>
         </mc:Choice>
-        <mc:Fallback>
+        <mc:Fallback xmlns="">
           <p:sp>
             <p:nvSpPr>
               <p:cNvPr id="13" name="Content Placeholder 2">
@@ -5535,8 +5702,8 @@
           </a:p>
         </p:txBody>
       </p:sp>
-      <mc:AlternateContent xmlns:mc="http://schemas.openxmlformats.org/markup-compatibility/2006">
-        <mc:Choice xmlns:a14="http://schemas.microsoft.com/office/drawing/2010/main" Requires="a14">
+      <mc:AlternateContent xmlns:mc="http://schemas.openxmlformats.org/markup-compatibility/2006" xmlns:a14="http://schemas.microsoft.com/office/drawing/2010/main">
+        <mc:Choice Requires="a14">
           <p:sp>
             <p:nvSpPr>
               <p:cNvPr id="13" name="Content Placeholder 2">
@@ -5903,7 +6070,7 @@
             </p:txBody>
           </p:sp>
         </mc:Choice>
-        <mc:Fallback>
+        <mc:Fallback xmlns="">
           <p:sp>
             <p:nvSpPr>
               <p:cNvPr id="13" name="Content Placeholder 2">
@@ -6822,6 +6989,1238 @@
     <p:extLst>
       <p:ext uri="{BB962C8B-B14F-4D97-AF65-F5344CB8AC3E}">
         <p14:creationId xmlns:p14="http://schemas.microsoft.com/office/powerpoint/2010/main" val="2067535910"/>
+      </p:ext>
+    </p:extLst>
+  </p:cSld>
+  <p:clrMapOvr>
+    <a:masterClrMapping/>
+  </p:clrMapOvr>
+</p:sld>
+</file>
+
+<file path=ppt/slides/slide13.xml><?xml version="1.0" encoding="utf-8"?>
+<p:sld xmlns:a="http://schemas.openxmlformats.org/drawingml/2006/main" xmlns:r="http://schemas.openxmlformats.org/officeDocument/2006/relationships" xmlns:p="http://schemas.openxmlformats.org/presentationml/2006/main">
+  <p:cSld>
+    <p:spTree>
+      <p:nvGrpSpPr>
+        <p:cNvPr id="1" name=""/>
+        <p:cNvGrpSpPr/>
+        <p:nvPr/>
+      </p:nvGrpSpPr>
+      <p:grpSpPr>
+        <a:xfrm>
+          <a:off x="0" y="0"/>
+          <a:ext cx="0" cy="0"/>
+          <a:chOff x="0" y="0"/>
+          <a:chExt cx="0" cy="0"/>
+        </a:xfrm>
+      </p:grpSpPr>
+      <p:sp>
+        <p:nvSpPr>
+          <p:cNvPr id="4" name="Footer Placeholder 3">
+            <a:extLst>
+              <a:ext uri="{FF2B5EF4-FFF2-40B4-BE49-F238E27FC236}">
+                <a16:creationId xmlns:a16="http://schemas.microsoft.com/office/drawing/2014/main" id="{B616B34A-879D-4EE6-BC5A-001F4917872B}"/>
+              </a:ext>
+            </a:extLst>
+          </p:cNvPr>
+          <p:cNvSpPr>
+            <a:spLocks noGrp="1"/>
+          </p:cNvSpPr>
+          <p:nvPr>
+            <p:ph type="ftr" sz="quarter" idx="11"/>
+          </p:nvPr>
+        </p:nvSpPr>
+        <p:spPr/>
+        <p:txBody>
+          <a:bodyPr/>
+          <a:lstStyle/>
+          <a:p>
+            <a:r>
+              <a:rPr lang="en-US"/>
+              <a:t>NLP COE</a:t>
+            </a:r>
+          </a:p>
+        </p:txBody>
+      </p:sp>
+      <p:sp>
+        <p:nvSpPr>
+          <p:cNvPr id="5" name="Slide Number Placeholder 4">
+            <a:extLst>
+              <a:ext uri="{FF2B5EF4-FFF2-40B4-BE49-F238E27FC236}">
+                <a16:creationId xmlns:a16="http://schemas.microsoft.com/office/drawing/2014/main" id="{B4DC7B9C-E7F2-482C-A87D-988E6E9D9B84}"/>
+              </a:ext>
+            </a:extLst>
+          </p:cNvPr>
+          <p:cNvSpPr>
+            <a:spLocks noGrp="1"/>
+          </p:cNvSpPr>
+          <p:nvPr>
+            <p:ph type="sldNum" sz="quarter" idx="12"/>
+          </p:nvPr>
+        </p:nvSpPr>
+        <p:spPr/>
+        <p:txBody>
+          <a:bodyPr/>
+          <a:lstStyle/>
+          <a:p>
+            <a:fld id="{28C167EA-80E2-4EC1-B2DF-B4278EFC6F4B}" type="slidenum">
+              <a:rPr lang="en-US" smtClean="0"/>
+              <a:t>13</a:t>
+            </a:fld>
+            <a:endParaRPr lang="en-US"/>
+          </a:p>
+        </p:txBody>
+      </p:sp>
+      <p:sp>
+        <p:nvSpPr>
+          <p:cNvPr id="8" name="Title 1">
+            <a:extLst>
+              <a:ext uri="{FF2B5EF4-FFF2-40B4-BE49-F238E27FC236}">
+                <a16:creationId xmlns:a16="http://schemas.microsoft.com/office/drawing/2014/main" id="{FED78235-0A34-41FB-BE2B-2055F9BF4C0B}"/>
+              </a:ext>
+            </a:extLst>
+          </p:cNvPr>
+          <p:cNvSpPr>
+            <a:spLocks noGrp="1"/>
+          </p:cNvSpPr>
+          <p:nvPr>
+            <p:ph type="title"/>
+          </p:nvPr>
+        </p:nvSpPr>
+        <p:spPr>
+          <a:xfrm>
+            <a:off x="838200" y="365126"/>
+            <a:ext cx="10515600" cy="771912"/>
+          </a:xfrm>
+        </p:spPr>
+        <p:txBody>
+          <a:bodyPr>
+            <a:normAutofit/>
+          </a:bodyPr>
+          <a:lstStyle/>
+          <a:p>
+            <a:r>
+              <a:rPr lang="en-US" sz="2400" b="1" dirty="0"/>
+              <a:t>BERT Score</a:t>
+            </a:r>
+          </a:p>
+        </p:txBody>
+      </p:sp>
+      <p:sp>
+        <p:nvSpPr>
+          <p:cNvPr id="9" name="Content Placeholder 2">
+            <a:extLst>
+              <a:ext uri="{FF2B5EF4-FFF2-40B4-BE49-F238E27FC236}">
+                <a16:creationId xmlns:a16="http://schemas.microsoft.com/office/drawing/2014/main" id="{F52E4C19-ED65-42E0-81EE-DEA2BF98F835}"/>
+              </a:ext>
+            </a:extLst>
+          </p:cNvPr>
+          <p:cNvSpPr txBox="1">
+            <a:spLocks/>
+          </p:cNvSpPr>
+          <p:nvPr/>
+        </p:nvSpPr>
+        <p:spPr>
+          <a:xfrm>
+            <a:off x="838200" y="1230083"/>
+            <a:ext cx="10515600" cy="4351338"/>
+          </a:xfrm>
+          <a:prstGeom prst="rect">
+            <a:avLst/>
+          </a:prstGeom>
+        </p:spPr>
+        <p:txBody>
+          <a:bodyPr vert="horz" lIns="91440" tIns="45720" rIns="91440" bIns="45720" rtlCol="0">
+            <a:normAutofit/>
+          </a:bodyPr>
+          <a:lstStyle>
+            <a:lvl1pPr marL="228600" indent="-228600" algn="l" defTabSz="914400" rtl="0" eaLnBrk="1" latinLnBrk="0" hangingPunct="1">
+              <a:lnSpc>
+                <a:spcPct val="90000"/>
+              </a:lnSpc>
+              <a:spcBef>
+                <a:spcPts val="1000"/>
+              </a:spcBef>
+              <a:buFont typeface="Arial" panose="020B0604020202020204" pitchFamily="34" charset="0"/>
+              <a:buChar char="•"/>
+              <a:defRPr sz="2800" kern="1200">
+                <a:solidFill>
+                  <a:schemeClr val="tx1"/>
+                </a:solidFill>
+                <a:latin typeface="+mn-lt"/>
+                <a:ea typeface="+mn-ea"/>
+                <a:cs typeface="+mn-cs"/>
+              </a:defRPr>
+            </a:lvl1pPr>
+            <a:lvl2pPr marL="685800" indent="-228600" algn="l" defTabSz="914400" rtl="0" eaLnBrk="1" latinLnBrk="0" hangingPunct="1">
+              <a:lnSpc>
+                <a:spcPct val="90000"/>
+              </a:lnSpc>
+              <a:spcBef>
+                <a:spcPts val="500"/>
+              </a:spcBef>
+              <a:buFont typeface="Arial" panose="020B0604020202020204" pitchFamily="34" charset="0"/>
+              <a:buChar char="•"/>
+              <a:defRPr sz="2400" kern="1200">
+                <a:solidFill>
+                  <a:schemeClr val="tx1"/>
+                </a:solidFill>
+                <a:latin typeface="+mn-lt"/>
+                <a:ea typeface="+mn-ea"/>
+                <a:cs typeface="+mn-cs"/>
+              </a:defRPr>
+            </a:lvl2pPr>
+            <a:lvl3pPr marL="1143000" indent="-228600" algn="l" defTabSz="914400" rtl="0" eaLnBrk="1" latinLnBrk="0" hangingPunct="1">
+              <a:lnSpc>
+                <a:spcPct val="90000"/>
+              </a:lnSpc>
+              <a:spcBef>
+                <a:spcPts val="500"/>
+              </a:spcBef>
+              <a:buFont typeface="Arial" panose="020B0604020202020204" pitchFamily="34" charset="0"/>
+              <a:buChar char="•"/>
+              <a:defRPr sz="2000" kern="1200">
+                <a:solidFill>
+                  <a:schemeClr val="tx1"/>
+                </a:solidFill>
+                <a:latin typeface="+mn-lt"/>
+                <a:ea typeface="+mn-ea"/>
+                <a:cs typeface="+mn-cs"/>
+              </a:defRPr>
+            </a:lvl3pPr>
+            <a:lvl4pPr marL="1600200" indent="-228600" algn="l" defTabSz="914400" rtl="0" eaLnBrk="1" latinLnBrk="0" hangingPunct="1">
+              <a:lnSpc>
+                <a:spcPct val="90000"/>
+              </a:lnSpc>
+              <a:spcBef>
+                <a:spcPts val="500"/>
+              </a:spcBef>
+              <a:buFont typeface="Arial" panose="020B0604020202020204" pitchFamily="34" charset="0"/>
+              <a:buChar char="•"/>
+              <a:defRPr sz="1800" kern="1200">
+                <a:solidFill>
+                  <a:schemeClr val="tx1"/>
+                </a:solidFill>
+                <a:latin typeface="+mn-lt"/>
+                <a:ea typeface="+mn-ea"/>
+                <a:cs typeface="+mn-cs"/>
+              </a:defRPr>
+            </a:lvl4pPr>
+            <a:lvl5pPr marL="2057400" indent="-228600" algn="l" defTabSz="914400" rtl="0" eaLnBrk="1" latinLnBrk="0" hangingPunct="1">
+              <a:lnSpc>
+                <a:spcPct val="90000"/>
+              </a:lnSpc>
+              <a:spcBef>
+                <a:spcPts val="500"/>
+              </a:spcBef>
+              <a:buFont typeface="Arial" panose="020B0604020202020204" pitchFamily="34" charset="0"/>
+              <a:buChar char="•"/>
+              <a:defRPr sz="1800" kern="1200">
+                <a:solidFill>
+                  <a:schemeClr val="tx1"/>
+                </a:solidFill>
+                <a:latin typeface="+mn-lt"/>
+                <a:ea typeface="+mn-ea"/>
+                <a:cs typeface="+mn-cs"/>
+              </a:defRPr>
+            </a:lvl5pPr>
+            <a:lvl6pPr marL="2514600" indent="-228600" algn="l" defTabSz="914400" rtl="0" eaLnBrk="1" latinLnBrk="0" hangingPunct="1">
+              <a:lnSpc>
+                <a:spcPct val="90000"/>
+              </a:lnSpc>
+              <a:spcBef>
+                <a:spcPts val="500"/>
+              </a:spcBef>
+              <a:buFont typeface="Arial" panose="020B0604020202020204" pitchFamily="34" charset="0"/>
+              <a:buChar char="•"/>
+              <a:defRPr sz="1800" kern="1200">
+                <a:solidFill>
+                  <a:schemeClr val="tx1"/>
+                </a:solidFill>
+                <a:latin typeface="+mn-lt"/>
+                <a:ea typeface="+mn-ea"/>
+                <a:cs typeface="+mn-cs"/>
+              </a:defRPr>
+            </a:lvl6pPr>
+            <a:lvl7pPr marL="2971800" indent="-228600" algn="l" defTabSz="914400" rtl="0" eaLnBrk="1" latinLnBrk="0" hangingPunct="1">
+              <a:lnSpc>
+                <a:spcPct val="90000"/>
+              </a:lnSpc>
+              <a:spcBef>
+                <a:spcPts val="500"/>
+              </a:spcBef>
+              <a:buFont typeface="Arial" panose="020B0604020202020204" pitchFamily="34" charset="0"/>
+              <a:buChar char="•"/>
+              <a:defRPr sz="1800" kern="1200">
+                <a:solidFill>
+                  <a:schemeClr val="tx1"/>
+                </a:solidFill>
+                <a:latin typeface="+mn-lt"/>
+                <a:ea typeface="+mn-ea"/>
+                <a:cs typeface="+mn-cs"/>
+              </a:defRPr>
+            </a:lvl7pPr>
+            <a:lvl8pPr marL="3429000" indent="-228600" algn="l" defTabSz="914400" rtl="0" eaLnBrk="1" latinLnBrk="0" hangingPunct="1">
+              <a:lnSpc>
+                <a:spcPct val="90000"/>
+              </a:lnSpc>
+              <a:spcBef>
+                <a:spcPts val="500"/>
+              </a:spcBef>
+              <a:buFont typeface="Arial" panose="020B0604020202020204" pitchFamily="34" charset="0"/>
+              <a:buChar char="•"/>
+              <a:defRPr sz="1800" kern="1200">
+                <a:solidFill>
+                  <a:schemeClr val="tx1"/>
+                </a:solidFill>
+                <a:latin typeface="+mn-lt"/>
+                <a:ea typeface="+mn-ea"/>
+                <a:cs typeface="+mn-cs"/>
+              </a:defRPr>
+            </a:lvl8pPr>
+            <a:lvl9pPr marL="3886200" indent="-228600" algn="l" defTabSz="914400" rtl="0" eaLnBrk="1" latinLnBrk="0" hangingPunct="1">
+              <a:lnSpc>
+                <a:spcPct val="90000"/>
+              </a:lnSpc>
+              <a:spcBef>
+                <a:spcPts val="500"/>
+              </a:spcBef>
+              <a:buFont typeface="Arial" panose="020B0604020202020204" pitchFamily="34" charset="0"/>
+              <a:buChar char="•"/>
+              <a:defRPr sz="1800" kern="1200">
+                <a:solidFill>
+                  <a:schemeClr val="tx1"/>
+                </a:solidFill>
+                <a:latin typeface="+mn-lt"/>
+                <a:ea typeface="+mn-ea"/>
+                <a:cs typeface="+mn-cs"/>
+              </a:defRPr>
+            </a:lvl9pPr>
+          </a:lstStyle>
+          <a:p>
+            <a:endParaRPr lang="en-US" dirty="0"/>
+          </a:p>
+        </p:txBody>
+      </p:sp>
+      <p:sp>
+        <p:nvSpPr>
+          <p:cNvPr id="13" name="Content Placeholder 2">
+            <a:extLst>
+              <a:ext uri="{FF2B5EF4-FFF2-40B4-BE49-F238E27FC236}">
+                <a16:creationId xmlns:a16="http://schemas.microsoft.com/office/drawing/2014/main" id="{7966A3DF-94E6-4A4C-8F9A-60ACD198AAD7}"/>
+              </a:ext>
+            </a:extLst>
+          </p:cNvPr>
+          <p:cNvSpPr>
+            <a:spLocks noGrp="1"/>
+          </p:cNvSpPr>
+          <p:nvPr>
+            <p:ph idx="1"/>
+          </p:nvPr>
+        </p:nvSpPr>
+        <p:spPr>
+          <a:xfrm>
+            <a:off x="838200" y="1253330"/>
+            <a:ext cx="10515600" cy="5103019"/>
+          </a:xfrm>
+        </p:spPr>
+        <p:txBody>
+          <a:bodyPr>
+            <a:normAutofit/>
+          </a:bodyPr>
+          <a:lstStyle/>
+          <a:p>
+            <a:r>
+              <a:rPr lang="en-US" sz="1600" dirty="0">
+                <a:sym typeface="Wingdings" panose="05000000000000000000" pitchFamily="2" charset="2"/>
+              </a:rPr>
+              <a:t>Why BERT?</a:t>
+            </a:r>
+          </a:p>
+          <a:p>
+            <a:pPr lvl="1"/>
+            <a:r>
+              <a:rPr lang="en-US" sz="1200" dirty="0">
+                <a:sym typeface="Wingdings" panose="05000000000000000000" pitchFamily="2" charset="2"/>
+              </a:rPr>
+              <a:t>Does not rely on maximum n-gram  uses contextualized embeddings</a:t>
+            </a:r>
+          </a:p>
+          <a:p>
+            <a:pPr lvl="1"/>
+            <a:r>
+              <a:rPr lang="en-US" sz="1200" dirty="0">
+                <a:sym typeface="Wingdings" panose="05000000000000000000" pitchFamily="2" charset="2"/>
+              </a:rPr>
+              <a:t>Trained on large amount of raw text (in </a:t>
+            </a:r>
+            <a:r>
+              <a:rPr lang="en-US" sz="1200" b="1" dirty="0">
+                <a:sym typeface="Wingdings" panose="05000000000000000000" pitchFamily="2" charset="2"/>
+              </a:rPr>
+              <a:t>104 languages!</a:t>
+            </a:r>
+            <a:r>
+              <a:rPr lang="en-US" sz="1200" dirty="0">
+                <a:sym typeface="Wingdings" panose="05000000000000000000" pitchFamily="2" charset="2"/>
+              </a:rPr>
+              <a:t>)</a:t>
+            </a:r>
+          </a:p>
+          <a:p>
+            <a:pPr lvl="1"/>
+            <a:r>
+              <a:rPr lang="en-US" sz="1200" dirty="0">
+                <a:sym typeface="Wingdings" panose="05000000000000000000" pitchFamily="2" charset="2"/>
+              </a:rPr>
+              <a:t>Cosine similarity + importance weighting</a:t>
+            </a:r>
+          </a:p>
+          <a:p>
+            <a:pPr marL="457200" lvl="1" indent="0">
+              <a:buNone/>
+            </a:pPr>
+            <a:endParaRPr lang="en-US" sz="1200" dirty="0">
+              <a:sym typeface="Wingdings" panose="05000000000000000000" pitchFamily="2" charset="2"/>
+            </a:endParaRPr>
+          </a:p>
+          <a:p>
+            <a:pPr marL="457200" lvl="1" indent="0">
+              <a:buNone/>
+            </a:pPr>
+            <a:endParaRPr lang="en-US" sz="1200" dirty="0">
+              <a:sym typeface="Wingdings" panose="05000000000000000000" pitchFamily="2" charset="2"/>
+            </a:endParaRPr>
+          </a:p>
+          <a:p>
+            <a:pPr lvl="1"/>
+            <a:endParaRPr lang="en-US" sz="1200" dirty="0">
+              <a:sym typeface="Wingdings" panose="05000000000000000000" pitchFamily="2" charset="2"/>
+            </a:endParaRPr>
+          </a:p>
+          <a:p>
+            <a:pPr marL="0" indent="0">
+              <a:buNone/>
+            </a:pPr>
+            <a:endParaRPr lang="en-US" sz="1600" dirty="0"/>
+          </a:p>
+          <a:p>
+            <a:endParaRPr lang="en-US" sz="1600" dirty="0"/>
+          </a:p>
+          <a:p>
+            <a:endParaRPr lang="en-US" sz="1600" dirty="0"/>
+          </a:p>
+          <a:p>
+            <a:endParaRPr lang="en-US" sz="1600" dirty="0"/>
+          </a:p>
+          <a:p>
+            <a:r>
+              <a:rPr lang="en-US" sz="1600" dirty="0"/>
+              <a:t>Step 1: Contextual Embedding:</a:t>
+            </a:r>
+          </a:p>
+          <a:p>
+            <a:pPr lvl="1"/>
+            <a:r>
+              <a:rPr lang="en-US" sz="1200" dirty="0"/>
+              <a:t>Same word can generate different vector representations because of surrounding words</a:t>
+            </a:r>
+          </a:p>
+          <a:p>
+            <a:pPr lvl="1"/>
+            <a:r>
+              <a:rPr lang="en-US" sz="1200" dirty="0"/>
+              <a:t>MLM + NSP</a:t>
+            </a:r>
+          </a:p>
+          <a:p>
+            <a:r>
+              <a:rPr lang="en-US" sz="1600" dirty="0"/>
+              <a:t>Step 2: Similarity Measure:</a:t>
+            </a:r>
+          </a:p>
+          <a:p>
+            <a:pPr lvl="1"/>
+            <a:r>
+              <a:rPr lang="en-US" sz="1200" dirty="0"/>
+              <a:t>Soft measure of similarity instead of exact string match</a:t>
+            </a:r>
+          </a:p>
+          <a:p>
+            <a:pPr lvl="1"/>
+            <a:r>
+              <a:rPr lang="en-US" sz="1200" dirty="0"/>
+              <a:t>Cosine similarity</a:t>
+            </a:r>
+          </a:p>
+          <a:p>
+            <a:pPr lvl="1"/>
+            <a:endParaRPr lang="en-US" sz="1200" dirty="0"/>
+          </a:p>
+        </p:txBody>
+      </p:sp>
+      <p:pic>
+        <p:nvPicPr>
+          <p:cNvPr id="7" name="Picture 6" descr="Diagram&#10;&#10;Description automatically generated with medium confidence">
+            <a:extLst>
+              <a:ext uri="{FF2B5EF4-FFF2-40B4-BE49-F238E27FC236}">
+                <a16:creationId xmlns:a16="http://schemas.microsoft.com/office/drawing/2014/main" id="{68A440AB-DF79-4B24-8C31-6F742023A6A6}"/>
+              </a:ext>
+            </a:extLst>
+          </p:cNvPr>
+          <p:cNvPicPr>
+            <a:picLocks noChangeAspect="1"/>
+          </p:cNvPicPr>
+          <p:nvPr/>
+        </p:nvPicPr>
+        <p:blipFill>
+          <a:blip r:embed="rId3">
+            <a:extLst>
+              <a:ext uri="{28A0092B-C50C-407E-A947-70E740481C1C}">
+                <a14:useLocalDpi xmlns:a14="http://schemas.microsoft.com/office/drawing/2010/main" val="0"/>
+              </a:ext>
+            </a:extLst>
+          </a:blip>
+          <a:stretch>
+            <a:fillRect/>
+          </a:stretch>
+        </p:blipFill>
+        <p:spPr>
+          <a:xfrm>
+            <a:off x="838200" y="2381836"/>
+            <a:ext cx="6980525" cy="1760373"/>
+          </a:xfrm>
+          <a:prstGeom prst="rect">
+            <a:avLst/>
+          </a:prstGeom>
+        </p:spPr>
+      </p:pic>
+    </p:spTree>
+    <p:extLst>
+      <p:ext uri="{BB962C8B-B14F-4D97-AF65-F5344CB8AC3E}">
+        <p14:creationId xmlns:p14="http://schemas.microsoft.com/office/powerpoint/2010/main" val="708078605"/>
+      </p:ext>
+    </p:extLst>
+  </p:cSld>
+  <p:clrMapOvr>
+    <a:masterClrMapping/>
+  </p:clrMapOvr>
+</p:sld>
+</file>
+
+<file path=ppt/slides/slide14.xml><?xml version="1.0" encoding="utf-8"?>
+<p:sld xmlns:a="http://schemas.openxmlformats.org/drawingml/2006/main" xmlns:r="http://schemas.openxmlformats.org/officeDocument/2006/relationships" xmlns:p="http://schemas.openxmlformats.org/presentationml/2006/main">
+  <p:cSld>
+    <p:spTree>
+      <p:nvGrpSpPr>
+        <p:cNvPr id="1" name=""/>
+        <p:cNvGrpSpPr/>
+        <p:nvPr/>
+      </p:nvGrpSpPr>
+      <p:grpSpPr>
+        <a:xfrm>
+          <a:off x="0" y="0"/>
+          <a:ext cx="0" cy="0"/>
+          <a:chOff x="0" y="0"/>
+          <a:chExt cx="0" cy="0"/>
+        </a:xfrm>
+      </p:grpSpPr>
+      <p:sp>
+        <p:nvSpPr>
+          <p:cNvPr id="4" name="Footer Placeholder 3">
+            <a:extLst>
+              <a:ext uri="{FF2B5EF4-FFF2-40B4-BE49-F238E27FC236}">
+                <a16:creationId xmlns:a16="http://schemas.microsoft.com/office/drawing/2014/main" id="{B616B34A-879D-4EE6-BC5A-001F4917872B}"/>
+              </a:ext>
+            </a:extLst>
+          </p:cNvPr>
+          <p:cNvSpPr>
+            <a:spLocks noGrp="1"/>
+          </p:cNvSpPr>
+          <p:nvPr>
+            <p:ph type="ftr" sz="quarter" idx="11"/>
+          </p:nvPr>
+        </p:nvSpPr>
+        <p:spPr/>
+        <p:txBody>
+          <a:bodyPr/>
+          <a:lstStyle/>
+          <a:p>
+            <a:r>
+              <a:rPr lang="en-US"/>
+              <a:t>NLP COE</a:t>
+            </a:r>
+          </a:p>
+        </p:txBody>
+      </p:sp>
+      <p:sp>
+        <p:nvSpPr>
+          <p:cNvPr id="5" name="Slide Number Placeholder 4">
+            <a:extLst>
+              <a:ext uri="{FF2B5EF4-FFF2-40B4-BE49-F238E27FC236}">
+                <a16:creationId xmlns:a16="http://schemas.microsoft.com/office/drawing/2014/main" id="{B4DC7B9C-E7F2-482C-A87D-988E6E9D9B84}"/>
+              </a:ext>
+            </a:extLst>
+          </p:cNvPr>
+          <p:cNvSpPr>
+            <a:spLocks noGrp="1"/>
+          </p:cNvSpPr>
+          <p:nvPr>
+            <p:ph type="sldNum" sz="quarter" idx="12"/>
+          </p:nvPr>
+        </p:nvSpPr>
+        <p:spPr/>
+        <p:txBody>
+          <a:bodyPr/>
+          <a:lstStyle/>
+          <a:p>
+            <a:fld id="{28C167EA-80E2-4EC1-B2DF-B4278EFC6F4B}" type="slidenum">
+              <a:rPr lang="en-US" smtClean="0"/>
+              <a:t>14</a:t>
+            </a:fld>
+            <a:endParaRPr lang="en-US"/>
+          </a:p>
+        </p:txBody>
+      </p:sp>
+      <p:sp>
+        <p:nvSpPr>
+          <p:cNvPr id="8" name="Title 1">
+            <a:extLst>
+              <a:ext uri="{FF2B5EF4-FFF2-40B4-BE49-F238E27FC236}">
+                <a16:creationId xmlns:a16="http://schemas.microsoft.com/office/drawing/2014/main" id="{FED78235-0A34-41FB-BE2B-2055F9BF4C0B}"/>
+              </a:ext>
+            </a:extLst>
+          </p:cNvPr>
+          <p:cNvSpPr>
+            <a:spLocks noGrp="1"/>
+          </p:cNvSpPr>
+          <p:nvPr>
+            <p:ph type="title"/>
+          </p:nvPr>
+        </p:nvSpPr>
+        <p:spPr>
+          <a:xfrm>
+            <a:off x="838200" y="365126"/>
+            <a:ext cx="10515600" cy="771912"/>
+          </a:xfrm>
+        </p:spPr>
+        <p:txBody>
+          <a:bodyPr>
+            <a:normAutofit/>
+          </a:bodyPr>
+          <a:lstStyle/>
+          <a:p>
+            <a:r>
+              <a:rPr lang="en-US" sz="2400" b="1" dirty="0"/>
+              <a:t>BERT Score</a:t>
+            </a:r>
+          </a:p>
+        </p:txBody>
+      </p:sp>
+      <p:sp>
+        <p:nvSpPr>
+          <p:cNvPr id="9" name="Content Placeholder 2">
+            <a:extLst>
+              <a:ext uri="{FF2B5EF4-FFF2-40B4-BE49-F238E27FC236}">
+                <a16:creationId xmlns:a16="http://schemas.microsoft.com/office/drawing/2014/main" id="{F52E4C19-ED65-42E0-81EE-DEA2BF98F835}"/>
+              </a:ext>
+            </a:extLst>
+          </p:cNvPr>
+          <p:cNvSpPr txBox="1">
+            <a:spLocks/>
+          </p:cNvSpPr>
+          <p:nvPr/>
+        </p:nvSpPr>
+        <p:spPr>
+          <a:xfrm>
+            <a:off x="838200" y="1230083"/>
+            <a:ext cx="10515600" cy="4351338"/>
+          </a:xfrm>
+          <a:prstGeom prst="rect">
+            <a:avLst/>
+          </a:prstGeom>
+        </p:spPr>
+        <p:txBody>
+          <a:bodyPr vert="horz" lIns="91440" tIns="45720" rIns="91440" bIns="45720" rtlCol="0">
+            <a:normAutofit/>
+          </a:bodyPr>
+          <a:lstStyle>
+            <a:lvl1pPr marL="228600" indent="-228600" algn="l" defTabSz="914400" rtl="0" eaLnBrk="1" latinLnBrk="0" hangingPunct="1">
+              <a:lnSpc>
+                <a:spcPct val="90000"/>
+              </a:lnSpc>
+              <a:spcBef>
+                <a:spcPts val="1000"/>
+              </a:spcBef>
+              <a:buFont typeface="Arial" panose="020B0604020202020204" pitchFamily="34" charset="0"/>
+              <a:buChar char="•"/>
+              <a:defRPr sz="2800" kern="1200">
+                <a:solidFill>
+                  <a:schemeClr val="tx1"/>
+                </a:solidFill>
+                <a:latin typeface="+mn-lt"/>
+                <a:ea typeface="+mn-ea"/>
+                <a:cs typeface="+mn-cs"/>
+              </a:defRPr>
+            </a:lvl1pPr>
+            <a:lvl2pPr marL="685800" indent="-228600" algn="l" defTabSz="914400" rtl="0" eaLnBrk="1" latinLnBrk="0" hangingPunct="1">
+              <a:lnSpc>
+                <a:spcPct val="90000"/>
+              </a:lnSpc>
+              <a:spcBef>
+                <a:spcPts val="500"/>
+              </a:spcBef>
+              <a:buFont typeface="Arial" panose="020B0604020202020204" pitchFamily="34" charset="0"/>
+              <a:buChar char="•"/>
+              <a:defRPr sz="2400" kern="1200">
+                <a:solidFill>
+                  <a:schemeClr val="tx1"/>
+                </a:solidFill>
+                <a:latin typeface="+mn-lt"/>
+                <a:ea typeface="+mn-ea"/>
+                <a:cs typeface="+mn-cs"/>
+              </a:defRPr>
+            </a:lvl2pPr>
+            <a:lvl3pPr marL="1143000" indent="-228600" algn="l" defTabSz="914400" rtl="0" eaLnBrk="1" latinLnBrk="0" hangingPunct="1">
+              <a:lnSpc>
+                <a:spcPct val="90000"/>
+              </a:lnSpc>
+              <a:spcBef>
+                <a:spcPts val="500"/>
+              </a:spcBef>
+              <a:buFont typeface="Arial" panose="020B0604020202020204" pitchFamily="34" charset="0"/>
+              <a:buChar char="•"/>
+              <a:defRPr sz="2000" kern="1200">
+                <a:solidFill>
+                  <a:schemeClr val="tx1"/>
+                </a:solidFill>
+                <a:latin typeface="+mn-lt"/>
+                <a:ea typeface="+mn-ea"/>
+                <a:cs typeface="+mn-cs"/>
+              </a:defRPr>
+            </a:lvl3pPr>
+            <a:lvl4pPr marL="1600200" indent="-228600" algn="l" defTabSz="914400" rtl="0" eaLnBrk="1" latinLnBrk="0" hangingPunct="1">
+              <a:lnSpc>
+                <a:spcPct val="90000"/>
+              </a:lnSpc>
+              <a:spcBef>
+                <a:spcPts val="500"/>
+              </a:spcBef>
+              <a:buFont typeface="Arial" panose="020B0604020202020204" pitchFamily="34" charset="0"/>
+              <a:buChar char="•"/>
+              <a:defRPr sz="1800" kern="1200">
+                <a:solidFill>
+                  <a:schemeClr val="tx1"/>
+                </a:solidFill>
+                <a:latin typeface="+mn-lt"/>
+                <a:ea typeface="+mn-ea"/>
+                <a:cs typeface="+mn-cs"/>
+              </a:defRPr>
+            </a:lvl4pPr>
+            <a:lvl5pPr marL="2057400" indent="-228600" algn="l" defTabSz="914400" rtl="0" eaLnBrk="1" latinLnBrk="0" hangingPunct="1">
+              <a:lnSpc>
+                <a:spcPct val="90000"/>
+              </a:lnSpc>
+              <a:spcBef>
+                <a:spcPts val="500"/>
+              </a:spcBef>
+              <a:buFont typeface="Arial" panose="020B0604020202020204" pitchFamily="34" charset="0"/>
+              <a:buChar char="•"/>
+              <a:defRPr sz="1800" kern="1200">
+                <a:solidFill>
+                  <a:schemeClr val="tx1"/>
+                </a:solidFill>
+                <a:latin typeface="+mn-lt"/>
+                <a:ea typeface="+mn-ea"/>
+                <a:cs typeface="+mn-cs"/>
+              </a:defRPr>
+            </a:lvl5pPr>
+            <a:lvl6pPr marL="2514600" indent="-228600" algn="l" defTabSz="914400" rtl="0" eaLnBrk="1" latinLnBrk="0" hangingPunct="1">
+              <a:lnSpc>
+                <a:spcPct val="90000"/>
+              </a:lnSpc>
+              <a:spcBef>
+                <a:spcPts val="500"/>
+              </a:spcBef>
+              <a:buFont typeface="Arial" panose="020B0604020202020204" pitchFamily="34" charset="0"/>
+              <a:buChar char="•"/>
+              <a:defRPr sz="1800" kern="1200">
+                <a:solidFill>
+                  <a:schemeClr val="tx1"/>
+                </a:solidFill>
+                <a:latin typeface="+mn-lt"/>
+                <a:ea typeface="+mn-ea"/>
+                <a:cs typeface="+mn-cs"/>
+              </a:defRPr>
+            </a:lvl6pPr>
+            <a:lvl7pPr marL="2971800" indent="-228600" algn="l" defTabSz="914400" rtl="0" eaLnBrk="1" latinLnBrk="0" hangingPunct="1">
+              <a:lnSpc>
+                <a:spcPct val="90000"/>
+              </a:lnSpc>
+              <a:spcBef>
+                <a:spcPts val="500"/>
+              </a:spcBef>
+              <a:buFont typeface="Arial" panose="020B0604020202020204" pitchFamily="34" charset="0"/>
+              <a:buChar char="•"/>
+              <a:defRPr sz="1800" kern="1200">
+                <a:solidFill>
+                  <a:schemeClr val="tx1"/>
+                </a:solidFill>
+                <a:latin typeface="+mn-lt"/>
+                <a:ea typeface="+mn-ea"/>
+                <a:cs typeface="+mn-cs"/>
+              </a:defRPr>
+            </a:lvl7pPr>
+            <a:lvl8pPr marL="3429000" indent="-228600" algn="l" defTabSz="914400" rtl="0" eaLnBrk="1" latinLnBrk="0" hangingPunct="1">
+              <a:lnSpc>
+                <a:spcPct val="90000"/>
+              </a:lnSpc>
+              <a:spcBef>
+                <a:spcPts val="500"/>
+              </a:spcBef>
+              <a:buFont typeface="Arial" panose="020B0604020202020204" pitchFamily="34" charset="0"/>
+              <a:buChar char="•"/>
+              <a:defRPr sz="1800" kern="1200">
+                <a:solidFill>
+                  <a:schemeClr val="tx1"/>
+                </a:solidFill>
+                <a:latin typeface="+mn-lt"/>
+                <a:ea typeface="+mn-ea"/>
+                <a:cs typeface="+mn-cs"/>
+              </a:defRPr>
+            </a:lvl8pPr>
+            <a:lvl9pPr marL="3886200" indent="-228600" algn="l" defTabSz="914400" rtl="0" eaLnBrk="1" latinLnBrk="0" hangingPunct="1">
+              <a:lnSpc>
+                <a:spcPct val="90000"/>
+              </a:lnSpc>
+              <a:spcBef>
+                <a:spcPts val="500"/>
+              </a:spcBef>
+              <a:buFont typeface="Arial" panose="020B0604020202020204" pitchFamily="34" charset="0"/>
+              <a:buChar char="•"/>
+              <a:defRPr sz="1800" kern="1200">
+                <a:solidFill>
+                  <a:schemeClr val="tx1"/>
+                </a:solidFill>
+                <a:latin typeface="+mn-lt"/>
+                <a:ea typeface="+mn-ea"/>
+                <a:cs typeface="+mn-cs"/>
+              </a:defRPr>
+            </a:lvl9pPr>
+          </a:lstStyle>
+          <a:p>
+            <a:endParaRPr lang="en-US" dirty="0"/>
+          </a:p>
+        </p:txBody>
+      </p:sp>
+      <mc:AlternateContent xmlns:mc="http://schemas.openxmlformats.org/markup-compatibility/2006">
+        <mc:Choice xmlns:a14="http://schemas.microsoft.com/office/drawing/2010/main" Requires="a14">
+          <p:sp>
+            <p:nvSpPr>
+              <p:cNvPr id="13" name="Content Placeholder 2">
+                <a:extLst>
+                  <a:ext uri="{FF2B5EF4-FFF2-40B4-BE49-F238E27FC236}">
+                    <a16:creationId xmlns:a16="http://schemas.microsoft.com/office/drawing/2014/main" id="{7966A3DF-94E6-4A4C-8F9A-60ACD198AAD7}"/>
+                  </a:ext>
+                </a:extLst>
+              </p:cNvPr>
+              <p:cNvSpPr>
+                <a:spLocks noGrp="1"/>
+              </p:cNvSpPr>
+              <p:nvPr>
+                <p:ph idx="1"/>
+              </p:nvPr>
+            </p:nvSpPr>
+            <p:spPr>
+              <a:xfrm>
+                <a:off x="838200" y="1253330"/>
+                <a:ext cx="10515600" cy="5103019"/>
+              </a:xfrm>
+            </p:spPr>
+            <p:txBody>
+              <a:bodyPr>
+                <a:normAutofit/>
+              </a:bodyPr>
+              <a:lstStyle/>
+              <a:p>
+                <a:r>
+                  <a:rPr lang="en-US" sz="1600" dirty="0"/>
+                  <a:t>Step 3: BERT Score:</a:t>
+                </a:r>
+              </a:p>
+              <a:p>
+                <a:pPr lvl="1"/>
+                <a:r>
+                  <a:rPr lang="en-US" sz="1200" dirty="0"/>
+                  <a:t>Calculate recall, precision and F1 score</a:t>
+                </a:r>
+              </a:p>
+              <a:p>
+                <a:r>
+                  <a:rPr lang="en-US" sz="1600" dirty="0"/>
+                  <a:t>Step 4: Importance Weighting:</a:t>
+                </a:r>
+              </a:p>
+              <a:p>
+                <a:pPr lvl="1"/>
+                <a:r>
+                  <a:rPr lang="en-US" sz="1200" dirty="0"/>
+                  <a:t>Rare words are more significant than common words</a:t>
+                </a:r>
+              </a:p>
+              <a:p>
+                <a:pPr lvl="1"/>
+                <a14:m>
+                  <m:oMath xmlns:m="http://schemas.openxmlformats.org/officeDocument/2006/math">
+                    <m:r>
+                      <a:rPr lang="en-US" sz="1200" b="0" i="1" smtClean="0">
+                        <a:latin typeface="Cambria Math" panose="02040503050406030204" pitchFamily="18" charset="0"/>
+                      </a:rPr>
+                      <m:t>𝑖𝑑𝑓</m:t>
+                    </m:r>
+                    <m:d>
+                      <m:dPr>
+                        <m:ctrlPr>
+                          <a:rPr lang="en-US" sz="1200" b="0" i="1" smtClean="0">
+                            <a:latin typeface="Cambria Math" panose="02040503050406030204" pitchFamily="18" charset="0"/>
+                          </a:rPr>
+                        </m:ctrlPr>
+                      </m:dPr>
+                      <m:e>
+                        <m:r>
+                          <a:rPr lang="en-US" sz="1200" b="0" i="1" smtClean="0">
+                            <a:latin typeface="Cambria Math" panose="02040503050406030204" pitchFamily="18" charset="0"/>
+                          </a:rPr>
+                          <m:t>𝑡</m:t>
+                        </m:r>
+                      </m:e>
+                    </m:d>
+                    <m:r>
+                      <a:rPr lang="en-US" sz="1200" i="1" smtClean="0">
+                        <a:latin typeface="Cambria Math" panose="02040503050406030204" pitchFamily="18" charset="0"/>
+                      </a:rPr>
+                      <m:t>=</m:t>
+                    </m:r>
+                    <m:func>
+                      <m:funcPr>
+                        <m:ctrlPr>
+                          <a:rPr lang="en-US" sz="1200" b="0" i="1" smtClean="0">
+                            <a:latin typeface="Cambria Math" panose="02040503050406030204" pitchFamily="18" charset="0"/>
+                          </a:rPr>
+                        </m:ctrlPr>
+                      </m:funcPr>
+                      <m:fName>
+                        <m:r>
+                          <m:rPr>
+                            <m:sty m:val="p"/>
+                          </m:rPr>
+                          <a:rPr lang="en-US" sz="1200" b="0" i="0" smtClean="0">
+                            <a:latin typeface="Cambria Math" panose="02040503050406030204" pitchFamily="18" charset="0"/>
+                          </a:rPr>
+                          <m:t>log</m:t>
+                        </m:r>
+                      </m:fName>
+                      <m:e>
+                        <m:d>
+                          <m:dPr>
+                            <m:ctrlPr>
+                              <a:rPr lang="en-US" sz="1200" b="0" i="1" smtClean="0">
+                                <a:latin typeface="Cambria Math" panose="02040503050406030204" pitchFamily="18" charset="0"/>
+                              </a:rPr>
+                            </m:ctrlPr>
+                          </m:dPr>
+                          <m:e>
+                            <m:f>
+                              <m:fPr>
+                                <m:ctrlPr>
+                                  <a:rPr lang="en-US" sz="1200" b="0" i="1" smtClean="0">
+                                    <a:latin typeface="Cambria Math" panose="02040503050406030204" pitchFamily="18" charset="0"/>
+                                  </a:rPr>
+                                </m:ctrlPr>
+                              </m:fPr>
+                              <m:num>
+                                <m:r>
+                                  <a:rPr lang="en-US" sz="1200" b="0" i="1" smtClean="0">
+                                    <a:latin typeface="Cambria Math" panose="02040503050406030204" pitchFamily="18" charset="0"/>
+                                  </a:rPr>
+                                  <m:t>𝑁</m:t>
+                                </m:r>
+                              </m:num>
+                              <m:den>
+                                <m:r>
+                                  <a:rPr lang="en-US" sz="1200" b="0" i="1" smtClean="0">
+                                    <a:latin typeface="Cambria Math" panose="02040503050406030204" pitchFamily="18" charset="0"/>
+                                  </a:rPr>
+                                  <m:t>𝑑𝑓</m:t>
+                                </m:r>
+                                <m:r>
+                                  <a:rPr lang="en-US" sz="1200" b="0" i="1" smtClean="0">
+                                    <a:latin typeface="Cambria Math" panose="02040503050406030204" pitchFamily="18" charset="0"/>
+                                  </a:rPr>
+                                  <m:t>+1</m:t>
+                                </m:r>
+                              </m:den>
+                            </m:f>
+                          </m:e>
+                        </m:d>
+                      </m:e>
+                    </m:func>
+                    <m:r>
+                      <a:rPr lang="en-US" sz="1200" b="0" i="0" smtClean="0">
+                        <a:latin typeface="Cambria Math" panose="02040503050406030204" pitchFamily="18" charset="0"/>
+                      </a:rPr>
+                      <m:t> </m:t>
+                    </m:r>
+                  </m:oMath>
+                </a14:m>
+                <a:r>
+                  <a:rPr lang="en-US" sz="1200" dirty="0"/>
+                  <a:t>; Where t = word, </a:t>
+                </a:r>
+                <a:r>
+                  <a:rPr lang="en-US" sz="1200" dirty="0" err="1"/>
+                  <a:t>df</a:t>
+                </a:r>
+                <a:r>
+                  <a:rPr lang="en-US" sz="1200" dirty="0"/>
+                  <a:t> = occurrences of word in document, N = count of corpus</a:t>
+                </a:r>
+              </a:p>
+              <a:p>
+                <a:pPr lvl="1"/>
+                <a:r>
+                  <a:rPr lang="en-US" sz="1200" dirty="0"/>
+                  <a:t>Don’t use </a:t>
+                </a:r>
+                <a:r>
+                  <a:rPr lang="en-US" sz="1200" dirty="0" err="1"/>
+                  <a:t>tf-df</a:t>
+                </a:r>
+                <a:r>
+                  <a:rPr lang="en-US" sz="1200" dirty="0"/>
+                  <a:t> </a:t>
+                </a:r>
+                <a:r>
+                  <a:rPr lang="en-US" sz="1200" dirty="0">
+                    <a:sym typeface="Wingdings" panose="05000000000000000000" pitchFamily="2" charset="2"/>
+                  </a:rPr>
+                  <a:t> as we process single sentences wherein </a:t>
+                </a:r>
+                <a:r>
+                  <a:rPr lang="en-US" sz="1200" dirty="0" err="1">
+                    <a:sym typeface="Wingdings" panose="05000000000000000000" pitchFamily="2" charset="2"/>
+                  </a:rPr>
+                  <a:t>tf</a:t>
+                </a:r>
+                <a:r>
+                  <a:rPr lang="en-US" sz="1200" dirty="0">
+                    <a:sym typeface="Wingdings" panose="05000000000000000000" pitchFamily="2" charset="2"/>
+                  </a:rPr>
+                  <a:t> = 1</a:t>
+                </a:r>
+              </a:p>
+              <a:p>
+                <a:r>
+                  <a:rPr lang="en-US" sz="1600" dirty="0">
+                    <a:sym typeface="Wingdings" panose="05000000000000000000" pitchFamily="2" charset="2"/>
+                  </a:rPr>
+                  <a:t>Step 5: Baseline Rescaling:</a:t>
+                </a:r>
+              </a:p>
+              <a:p>
+                <a:endParaRPr lang="en-US" sz="1600" dirty="0">
+                  <a:sym typeface="Wingdings" panose="05000000000000000000" pitchFamily="2" charset="2"/>
+                </a:endParaRPr>
+              </a:p>
+              <a:p>
+                <a:endParaRPr lang="en-US" sz="1600" dirty="0">
+                  <a:sym typeface="Wingdings" panose="05000000000000000000" pitchFamily="2" charset="2"/>
+                </a:endParaRPr>
+              </a:p>
+              <a:p>
+                <a:endParaRPr lang="en-US" sz="1600" dirty="0">
+                  <a:sym typeface="Wingdings" panose="05000000000000000000" pitchFamily="2" charset="2"/>
+                </a:endParaRPr>
+              </a:p>
+              <a:p>
+                <a:endParaRPr lang="en-US" sz="1600" dirty="0">
+                  <a:sym typeface="Wingdings" panose="05000000000000000000" pitchFamily="2" charset="2"/>
+                </a:endParaRPr>
+              </a:p>
+              <a:p>
+                <a:endParaRPr lang="en-US" sz="1600" dirty="0">
+                  <a:sym typeface="Wingdings" panose="05000000000000000000" pitchFamily="2" charset="2"/>
+                </a:endParaRPr>
+              </a:p>
+              <a:p>
+                <a:endParaRPr lang="en-US" sz="1600" dirty="0">
+                  <a:sym typeface="Wingdings" panose="05000000000000000000" pitchFamily="2" charset="2"/>
+                </a:endParaRPr>
+              </a:p>
+              <a:p>
+                <a:r>
+                  <a:rPr lang="en-US" sz="1600" dirty="0">
+                    <a:sym typeface="Wingdings" panose="05000000000000000000" pitchFamily="2" charset="2"/>
+                  </a:rPr>
+                  <a:t>References:</a:t>
+                </a:r>
+              </a:p>
+              <a:p>
+                <a:pPr lvl="1"/>
+                <a:r>
+                  <a:rPr lang="en-US" sz="1200" dirty="0">
+                    <a:sym typeface="Wingdings" panose="05000000000000000000" pitchFamily="2" charset="2"/>
+                    <a:hlinkClick r:id="rId3"/>
+                  </a:rPr>
+                  <a:t>https://arxiv.org/pdf/1904.09675.pdf</a:t>
+                </a:r>
+                <a:endParaRPr lang="en-US" sz="1200" dirty="0">
+                  <a:sym typeface="Wingdings" panose="05000000000000000000" pitchFamily="2" charset="2"/>
+                </a:endParaRPr>
+              </a:p>
+              <a:p>
+                <a:pPr lvl="1"/>
+                <a:r>
+                  <a:rPr lang="en-US" sz="1200" dirty="0">
+                    <a:sym typeface="Wingdings" panose="05000000000000000000" pitchFamily="2" charset="2"/>
+                    <a:hlinkClick r:id="rId4"/>
+                  </a:rPr>
+                  <a:t>https://github.com/Tiiiger/bert_score</a:t>
+                </a:r>
+                <a:endParaRPr lang="en-US" sz="1200" dirty="0">
+                  <a:sym typeface="Wingdings" panose="05000000000000000000" pitchFamily="2" charset="2"/>
+                </a:endParaRPr>
+              </a:p>
+              <a:p>
+                <a:pPr lvl="1"/>
+                <a:endParaRPr lang="en-US" sz="1200" dirty="0">
+                  <a:sym typeface="Wingdings" panose="05000000000000000000" pitchFamily="2" charset="2"/>
+                </a:endParaRPr>
+              </a:p>
+            </p:txBody>
+          </p:sp>
+        </mc:Choice>
+        <mc:Fallback>
+          <p:sp>
+            <p:nvSpPr>
+              <p:cNvPr id="13" name="Content Placeholder 2">
+                <a:extLst>
+                  <a:ext uri="{FF2B5EF4-FFF2-40B4-BE49-F238E27FC236}">
+                    <a16:creationId xmlns:a16="http://schemas.microsoft.com/office/drawing/2014/main" id="{7966A3DF-94E6-4A4C-8F9A-60ACD198AAD7}"/>
+                  </a:ext>
+                </a:extLst>
+              </p:cNvPr>
+              <p:cNvSpPr>
+                <a:spLocks noGrp="1" noRot="1" noChangeAspect="1" noMove="1" noResize="1" noEditPoints="1" noAdjustHandles="1" noChangeArrowheads="1" noChangeShapeType="1" noTextEdit="1"/>
+              </p:cNvSpPr>
+              <p:nvPr>
+                <p:ph idx="1"/>
+              </p:nvPr>
+            </p:nvSpPr>
+            <p:spPr>
+              <a:xfrm>
+                <a:off x="838200" y="1253330"/>
+                <a:ext cx="10515600" cy="5103019"/>
+              </a:xfrm>
+              <a:blipFill>
+                <a:blip r:embed="rId5"/>
+                <a:stretch>
+                  <a:fillRect l="-232" t="-836"/>
+                </a:stretch>
+              </a:blipFill>
+            </p:spPr>
+            <p:txBody>
+              <a:bodyPr/>
+              <a:lstStyle/>
+              <a:p>
+                <a:r>
+                  <a:rPr lang="en-US">
+                    <a:noFill/>
+                  </a:rPr>
+                  <a:t> </a:t>
+                </a:r>
+              </a:p>
+            </p:txBody>
+          </p:sp>
+        </mc:Fallback>
+      </mc:AlternateContent>
+      <p:pic>
+        <p:nvPicPr>
+          <p:cNvPr id="12" name="Picture 11" descr="A picture containing text, electronics, keyboard&#10;&#10;Description automatically generated">
+            <a:extLst>
+              <a:ext uri="{FF2B5EF4-FFF2-40B4-BE49-F238E27FC236}">
+                <a16:creationId xmlns:a16="http://schemas.microsoft.com/office/drawing/2014/main" id="{0193CEA0-2FD7-4F38-A963-D14174B82B2C}"/>
+              </a:ext>
+            </a:extLst>
+          </p:cNvPr>
+          <p:cNvPicPr>
+            <a:picLocks noChangeAspect="1"/>
+          </p:cNvPicPr>
+          <p:nvPr/>
+        </p:nvPicPr>
+        <p:blipFill>
+          <a:blip r:embed="rId6">
+            <a:extLst>
+              <a:ext uri="{28A0092B-C50C-407E-A947-70E740481C1C}">
+                <a14:useLocalDpi xmlns:a14="http://schemas.microsoft.com/office/drawing/2010/main" val="0"/>
+              </a:ext>
+            </a:extLst>
+          </a:blip>
+          <a:stretch>
+            <a:fillRect/>
+          </a:stretch>
+        </p:blipFill>
+        <p:spPr>
+          <a:xfrm>
+            <a:off x="923500" y="3227268"/>
+            <a:ext cx="2382224" cy="2117069"/>
+          </a:xfrm>
+          <a:prstGeom prst="rect">
+            <a:avLst/>
+          </a:prstGeom>
+        </p:spPr>
+      </p:pic>
+      <p:pic>
+        <p:nvPicPr>
+          <p:cNvPr id="15" name="Picture 14" descr="Graphical user interface, application&#10;&#10;Description automatically generated">
+            <a:extLst>
+              <a:ext uri="{FF2B5EF4-FFF2-40B4-BE49-F238E27FC236}">
+                <a16:creationId xmlns:a16="http://schemas.microsoft.com/office/drawing/2014/main" id="{AC068B03-2CD7-495F-87D6-393DE36BBA46}"/>
+              </a:ext>
+            </a:extLst>
+          </p:cNvPr>
+          <p:cNvPicPr>
+            <a:picLocks noChangeAspect="1"/>
+          </p:cNvPicPr>
+          <p:nvPr/>
+        </p:nvPicPr>
+        <p:blipFill>
+          <a:blip r:embed="rId7">
+            <a:extLst>
+              <a:ext uri="{28A0092B-C50C-407E-A947-70E740481C1C}">
+                <a14:useLocalDpi xmlns:a14="http://schemas.microsoft.com/office/drawing/2010/main" val="0"/>
+              </a:ext>
+            </a:extLst>
+          </a:blip>
+          <a:stretch>
+            <a:fillRect/>
+          </a:stretch>
+        </p:blipFill>
+        <p:spPr>
+          <a:xfrm>
+            <a:off x="3391024" y="3227268"/>
+            <a:ext cx="2382224" cy="2155469"/>
+          </a:xfrm>
+          <a:prstGeom prst="rect">
+            <a:avLst/>
+          </a:prstGeom>
+        </p:spPr>
+      </p:pic>
+    </p:spTree>
+    <p:extLst>
+      <p:ext uri="{BB962C8B-B14F-4D97-AF65-F5344CB8AC3E}">
+        <p14:creationId xmlns:p14="http://schemas.microsoft.com/office/powerpoint/2010/main" val="414119173"/>
       </p:ext>
     </p:extLst>
   </p:cSld>
